--- a/documentation/presentation.pptx
+++ b/documentation/presentation.pptx
@@ -5,10 +5,10 @@
     <p:sldMasterId id="2147483648" r:id="rId1"/>
   </p:sldMasterIdLst>
   <p:notesMasterIdLst>
-    <p:notesMasterId r:id="rId29"/>
+    <p:notesMasterId r:id="rId25"/>
   </p:notesMasterIdLst>
   <p:handoutMasterIdLst>
-    <p:handoutMasterId r:id="rId30"/>
+    <p:handoutMasterId r:id="rId26"/>
   </p:handoutMasterIdLst>
   <p:sldIdLst>
     <p:sldId id="261" r:id="rId2"/>
@@ -32,12 +32,8 @@
     <p:sldId id="285" r:id="rId20"/>
     <p:sldId id="286" r:id="rId21"/>
     <p:sldId id="264" r:id="rId22"/>
-    <p:sldId id="290" r:id="rId23"/>
-    <p:sldId id="291" r:id="rId24"/>
-    <p:sldId id="292" r:id="rId25"/>
-    <p:sldId id="293" r:id="rId26"/>
-    <p:sldId id="262" r:id="rId27"/>
-    <p:sldId id="263" r:id="rId28"/>
+    <p:sldId id="293" r:id="rId23"/>
+    <p:sldId id="263" r:id="rId24"/>
   </p:sldIdLst>
   <p:sldSz cx="12192000" cy="6858000"/>
   <p:notesSz cx="6858000" cy="9144000"/>
@@ -165,14 +161,63 @@
   <c:roundedCorners val="0"/>
   <mc:AlternateContent xmlns:mc="http://schemas.openxmlformats.org/markup-compatibility/2006">
     <mc:Choice xmlns:c14="http://schemas.microsoft.com/office/drawing/2007/8/2/chart" Requires="c14">
-      <c14:style val="103"/>
+      <c14:style val="102"/>
     </mc:Choice>
     <mc:Fallback>
-      <c:style val="3"/>
+      <c:style val="2"/>
     </mc:Fallback>
   </mc:AlternateContent>
   <c:chart>
-    <c:autoTitleDeleted val="1"/>
+    <c:title>
+      <c:tx>
+        <c:rich>
+          <a:bodyPr rot="0" spcFirstLastPara="1" vertOverflow="ellipsis" vert="horz" wrap="square" anchor="ctr" anchorCtr="1"/>
+          <a:lstStyle/>
+          <a:p>
+            <a:pPr>
+              <a:defRPr sz="2128" b="1" i="0" u="none" strike="noStrike" kern="1200" baseline="0">
+                <a:solidFill>
+                  <a:schemeClr val="tx2"/>
+                </a:solidFill>
+                <a:latin typeface="+mn-lt"/>
+                <a:ea typeface="+mn-ea"/>
+                <a:cs typeface="+mn-cs"/>
+              </a:defRPr>
+            </a:pPr>
+            <a:r>
+              <a:rPr lang="en-US"/>
+              <a:t>Memory Usage (in MB)</a:t>
+            </a:r>
+          </a:p>
+        </c:rich>
+      </c:tx>
+      <c:overlay val="0"/>
+      <c:spPr>
+        <a:noFill/>
+        <a:ln>
+          <a:noFill/>
+        </a:ln>
+        <a:effectLst/>
+      </c:spPr>
+      <c:txPr>
+        <a:bodyPr rot="0" spcFirstLastPara="1" vertOverflow="ellipsis" vert="horz" wrap="square" anchor="ctr" anchorCtr="1"/>
+        <a:lstStyle/>
+        <a:p>
+          <a:pPr>
+            <a:defRPr sz="2128" b="1" i="0" u="none" strike="noStrike" kern="1200" baseline="0">
+              <a:solidFill>
+                <a:schemeClr val="tx2"/>
+              </a:solidFill>
+              <a:latin typeface="+mn-lt"/>
+              <a:ea typeface="+mn-ea"/>
+              <a:cs typeface="+mn-cs"/>
+            </a:defRPr>
+          </a:pPr>
+          <a:endParaRPr lang="en-US"/>
+        </a:p>
+      </c:txPr>
+    </c:title>
+    <c:autoTitleDeleted val="0"/>
     <c:plotArea>
       <c:layout/>
       <c:barChart>
@@ -188,7 +233,7 @@
               <c:strCache>
                 <c:ptCount val="1"/>
                 <c:pt idx="0">
-                  <c:v>Series 1</c:v>
+                  <c:v>Idle</c:v>
                 </c:pt>
               </c:strCache>
             </c:strRef>
@@ -197,24 +242,21 @@
             <a:gradFill rotWithShape="1">
               <a:gsLst>
                 <a:gs pos="0">
-                  <a:schemeClr val="accent1">
-                    <a:shade val="65000"/>
+                  <a:schemeClr val="accent6">
                     <a:satMod val="103000"/>
                     <a:lumMod val="102000"/>
                     <a:tint val="94000"/>
                   </a:schemeClr>
                 </a:gs>
                 <a:gs pos="50000">
-                  <a:schemeClr val="accent1">
-                    <a:shade val="65000"/>
+                  <a:schemeClr val="accent6">
                     <a:satMod val="110000"/>
                     <a:lumMod val="100000"/>
                     <a:shade val="100000"/>
                   </a:schemeClr>
                 </a:gs>
                 <a:gs pos="100000">
-                  <a:schemeClr val="accent1">
-                    <a:shade val="65000"/>
+                  <a:schemeClr val="accent6">
                     <a:lumMod val="99000"/>
                     <a:satMod val="120000"/>
                     <a:shade val="78000"/>
@@ -231,48 +273,54 @@
           <c:invertIfNegative val="0"/>
           <c:cat>
             <c:strRef>
-              <c:f>Sheet1!$A$2:$A$5</c:f>
+              <c:f>Sheet1!$A$2:$A$6</c:f>
               <c:strCache>
-                <c:ptCount val="4"/>
+                <c:ptCount val="5"/>
                 <c:pt idx="0">
-                  <c:v>Category 1</c:v>
+                  <c:v>C++</c:v>
                 </c:pt>
                 <c:pt idx="1">
-                  <c:v>Category 2</c:v>
+                  <c:v>Python</c:v>
                 </c:pt>
                 <c:pt idx="2">
-                  <c:v>Category 3</c:v>
+                  <c:v>Java</c:v>
                 </c:pt>
                 <c:pt idx="3">
-                  <c:v>Category 4</c:v>
+                  <c:v>Javascript</c:v>
+                </c:pt>
+                <c:pt idx="4">
+                  <c:v>Spring</c:v>
                 </c:pt>
               </c:strCache>
             </c:strRef>
           </c:cat>
           <c:val>
             <c:numRef>
-              <c:f>Sheet1!$B$2:$B$5</c:f>
+              <c:f>Sheet1!$B$2:$B$6</c:f>
               <c:numCache>
                 <c:formatCode>General</c:formatCode>
-                <c:ptCount val="4"/>
+                <c:ptCount val="5"/>
                 <c:pt idx="0">
-                  <c:v>4.3</c:v>
+                  <c:v>7</c:v>
                 </c:pt>
                 <c:pt idx="1">
-                  <c:v>2.5</c:v>
+                  <c:v>44</c:v>
                 </c:pt>
                 <c:pt idx="2">
-                  <c:v>3.5</c:v>
+                  <c:v>283</c:v>
                 </c:pt>
                 <c:pt idx="3">
-                  <c:v>4.5</c:v>
+                  <c:v>46</c:v>
+                </c:pt>
+                <c:pt idx="4">
+                  <c:v>436</c:v>
                 </c:pt>
               </c:numCache>
             </c:numRef>
           </c:val>
           <c:extLst>
             <c:ext xmlns:c16="http://schemas.microsoft.com/office/drawing/2014/chart" uri="{C3380CC4-5D6E-409C-BE32-E72D297353CC}">
-              <c16:uniqueId val="{00000000-B15F-4CC6-AB46-0F5752DC9A2C}"/>
+              <c16:uniqueId val="{00000000-F5E9-4A1E-B5D5-23E0EA5710E9}"/>
             </c:ext>
           </c:extLst>
         </c:ser>
@@ -285,7 +333,7 @@
               <c:strCache>
                 <c:ptCount val="1"/>
                 <c:pt idx="0">
-                  <c:v>Series 2</c:v>
+                  <c:v>Active</c:v>
                 </c:pt>
               </c:strCache>
             </c:strRef>
@@ -294,21 +342,21 @@
             <a:gradFill rotWithShape="1">
               <a:gsLst>
                 <a:gs pos="0">
-                  <a:schemeClr val="accent1">
+                  <a:schemeClr val="accent5">
                     <a:satMod val="103000"/>
                     <a:lumMod val="102000"/>
                     <a:tint val="94000"/>
                   </a:schemeClr>
                 </a:gs>
                 <a:gs pos="50000">
-                  <a:schemeClr val="accent1">
+                  <a:schemeClr val="accent5">
                     <a:satMod val="110000"/>
                     <a:lumMod val="100000"/>
                     <a:shade val="100000"/>
                   </a:schemeClr>
                 </a:gs>
                 <a:gs pos="100000">
-                  <a:schemeClr val="accent1">
+                  <a:schemeClr val="accent5">
                     <a:lumMod val="99000"/>
                     <a:satMod val="120000"/>
                     <a:shade val="78000"/>
@@ -325,145 +373,54 @@
           <c:invertIfNegative val="0"/>
           <c:cat>
             <c:strRef>
-              <c:f>Sheet1!$A$2:$A$5</c:f>
+              <c:f>Sheet1!$A$2:$A$6</c:f>
               <c:strCache>
-                <c:ptCount val="4"/>
+                <c:ptCount val="5"/>
                 <c:pt idx="0">
-                  <c:v>Category 1</c:v>
+                  <c:v>C++</c:v>
                 </c:pt>
                 <c:pt idx="1">
-                  <c:v>Category 2</c:v>
+                  <c:v>Python</c:v>
                 </c:pt>
                 <c:pt idx="2">
-                  <c:v>Category 3</c:v>
+                  <c:v>Java</c:v>
                 </c:pt>
                 <c:pt idx="3">
-                  <c:v>Category 4</c:v>
+                  <c:v>Javascript</c:v>
+                </c:pt>
+                <c:pt idx="4">
+                  <c:v>Spring</c:v>
                 </c:pt>
               </c:strCache>
             </c:strRef>
           </c:cat>
           <c:val>
             <c:numRef>
-              <c:f>Sheet1!$C$2:$C$5</c:f>
+              <c:f>Sheet1!$C$2:$C$6</c:f>
               <c:numCache>
-                <c:formatCode>General</c:formatCode>
-                <c:ptCount val="4"/>
+                <c:formatCode>0</c:formatCode>
+                <c:ptCount val="5"/>
                 <c:pt idx="0">
-                  <c:v>2.4</c:v>
+                  <c:v>9</c:v>
                 </c:pt>
                 <c:pt idx="1">
-                  <c:v>4.4000000000000004</c:v>
+                  <c:v>44.666666666666664</c:v>
                 </c:pt>
                 <c:pt idx="2">
-                  <c:v>1.8</c:v>
+                  <c:v>282.33333333333331</c:v>
                 </c:pt>
                 <c:pt idx="3">
-                  <c:v>2.8</c:v>
+                  <c:v>43</c:v>
+                </c:pt>
+                <c:pt idx="4">
+                  <c:v>441</c:v>
                 </c:pt>
               </c:numCache>
             </c:numRef>
           </c:val>
           <c:extLst>
             <c:ext xmlns:c16="http://schemas.microsoft.com/office/drawing/2014/chart" uri="{C3380CC4-5D6E-409C-BE32-E72D297353CC}">
-              <c16:uniqueId val="{00000001-B15F-4CC6-AB46-0F5752DC9A2C}"/>
-            </c:ext>
-          </c:extLst>
-        </c:ser>
-        <c:ser>
-          <c:idx val="2"/>
-          <c:order val="2"/>
-          <c:tx>
-            <c:strRef>
-              <c:f>Sheet1!$D$1</c:f>
-              <c:strCache>
-                <c:ptCount val="1"/>
-                <c:pt idx="0">
-                  <c:v>Series 3</c:v>
-                </c:pt>
-              </c:strCache>
-            </c:strRef>
-          </c:tx>
-          <c:spPr>
-            <a:gradFill rotWithShape="1">
-              <a:gsLst>
-                <a:gs pos="0">
-                  <a:schemeClr val="accent1">
-                    <a:tint val="65000"/>
-                    <a:satMod val="103000"/>
-                    <a:lumMod val="102000"/>
-                    <a:tint val="94000"/>
-                  </a:schemeClr>
-                </a:gs>
-                <a:gs pos="50000">
-                  <a:schemeClr val="accent1">
-                    <a:tint val="65000"/>
-                    <a:satMod val="110000"/>
-                    <a:lumMod val="100000"/>
-                    <a:shade val="100000"/>
-                  </a:schemeClr>
-                </a:gs>
-                <a:gs pos="100000">
-                  <a:schemeClr val="accent1">
-                    <a:tint val="65000"/>
-                    <a:lumMod val="99000"/>
-                    <a:satMod val="120000"/>
-                    <a:shade val="78000"/>
-                  </a:schemeClr>
-                </a:gs>
-              </a:gsLst>
-              <a:lin ang="5400000" scaled="0"/>
-            </a:gradFill>
-            <a:ln>
-              <a:noFill/>
-            </a:ln>
-            <a:effectLst/>
-          </c:spPr>
-          <c:invertIfNegative val="0"/>
-          <c:cat>
-            <c:strRef>
-              <c:f>Sheet1!$A$2:$A$5</c:f>
-              <c:strCache>
-                <c:ptCount val="4"/>
-                <c:pt idx="0">
-                  <c:v>Category 1</c:v>
-                </c:pt>
-                <c:pt idx="1">
-                  <c:v>Category 2</c:v>
-                </c:pt>
-                <c:pt idx="2">
-                  <c:v>Category 3</c:v>
-                </c:pt>
-                <c:pt idx="3">
-                  <c:v>Category 4</c:v>
-                </c:pt>
-              </c:strCache>
-            </c:strRef>
-          </c:cat>
-          <c:val>
-            <c:numRef>
-              <c:f>Sheet1!$D$2:$D$5</c:f>
-              <c:numCache>
-                <c:formatCode>General</c:formatCode>
-                <c:ptCount val="4"/>
-                <c:pt idx="0">
-                  <c:v>2</c:v>
-                </c:pt>
-                <c:pt idx="1">
-                  <c:v>2</c:v>
-                </c:pt>
-                <c:pt idx="2">
-                  <c:v>3</c:v>
-                </c:pt>
-                <c:pt idx="3">
-                  <c:v>5</c:v>
-                </c:pt>
-              </c:numCache>
-            </c:numRef>
-          </c:val>
-          <c:extLst>
-            <c:ext xmlns:c16="http://schemas.microsoft.com/office/drawing/2014/chart" uri="{C3380CC4-5D6E-409C-BE32-E72D297353CC}">
-              <c16:uniqueId val="{00000002-B15F-4CC6-AB46-0F5752DC9A2C}"/>
+              <c16:uniqueId val="{00000001-F5E9-4A1E-B5D5-23E0EA5710E9}"/>
             </c:ext>
           </c:extLst>
         </c:ser>
@@ -477,11 +434,11 @@
         </c:dLbls>
         <c:gapWidth val="100"/>
         <c:overlap val="-24"/>
-        <c:axId val="96190280"/>
-        <c:axId val="96186752"/>
+        <c:axId val="753218872"/>
+        <c:axId val="753219856"/>
       </c:barChart>
       <c:catAx>
-        <c:axId val="96190280"/>
+        <c:axId val="753218872"/>
         <c:scaling>
           <c:orientation val="minMax"/>
         </c:scaling>
@@ -521,7 +478,7 @@
             <a:endParaRPr lang="en-US"/>
           </a:p>
         </c:txPr>
-        <c:crossAx val="96186752"/>
+        <c:crossAx val="753219856"/>
         <c:crosses val="autoZero"/>
         <c:auto val="1"/>
         <c:lblAlgn val="ctr"/>
@@ -529,7 +486,7 @@
         <c:noMultiLvlLbl val="0"/>
       </c:catAx>
       <c:valAx>
-        <c:axId val="96186752"/>
+        <c:axId val="753219856"/>
         <c:scaling>
           <c:orientation val="minMax"/>
         </c:scaling>
@@ -577,7 +534,7 @@
             <a:endParaRPr lang="en-US"/>
           </a:p>
         </c:txPr>
-        <c:crossAx val="96190280"/>
+        <c:crossAx val="753218872"/>
         <c:crosses val="autoZero"/>
         <c:crossBetween val="between"/>
       </c:valAx>
@@ -619,6 +576,13 @@
     </c:legend>
     <c:plotVisOnly val="1"/>
     <c:dispBlanksAs val="gap"/>
+    <c:extLst>
+      <c:ext xmlns:c16r3="http://schemas.microsoft.com/office/drawing/2017/03/chart" uri="{56B9EC1D-385E-4148-901F-78D8002777C0}">
+        <c16r3:dataDisplayOptions16>
+          <c16r3:dispNaAsBlank val="1"/>
+        </c16r3:dataDisplayOptions16>
+      </c:ext>
+    </c:extLst>
     <c:showDLblsOverMax val="0"/>
   </c:chart>
   <c:spPr>
@@ -645,8 +609,39 @@
 </file>
 
 <file path=ppt/charts/colors1.xml><?xml version="1.0" encoding="utf-8"?>
-<cs:colorStyle xmlns:cs="http://schemas.microsoft.com/office/drawing/2012/chartStyle" xmlns:a="http://schemas.openxmlformats.org/drawingml/2006/main" meth="withinLinear" id="14">
-  <a:schemeClr val="accent1"/>
+<cs:colorStyle xmlns:cs="http://schemas.microsoft.com/office/drawing/2012/chartStyle" xmlns:a="http://schemas.openxmlformats.org/drawingml/2006/main" meth="cycle" id="13">
+  <a:schemeClr val="accent6"/>
+  <a:schemeClr val="accent5"/>
+  <a:schemeClr val="accent4"/>
+  <cs:variation/>
+  <cs:variation>
+    <a:lumMod val="60000"/>
+  </cs:variation>
+  <cs:variation>
+    <a:lumMod val="80000"/>
+    <a:lumOff val="20000"/>
+  </cs:variation>
+  <cs:variation>
+    <a:lumMod val="80000"/>
+  </cs:variation>
+  <cs:variation>
+    <a:lumMod val="60000"/>
+    <a:lumOff val="40000"/>
+  </cs:variation>
+  <cs:variation>
+    <a:lumMod val="50000"/>
+  </cs:variation>
+  <cs:variation>
+    <a:lumMod val="70000"/>
+    <a:lumOff val="30000"/>
+  </cs:variation>
+  <cs:variation>
+    <a:lumMod val="70000"/>
+  </cs:variation>
+  <cs:variation>
+    <a:lumMod val="50000"/>
+    <a:lumOff val="50000"/>
+  </cs:variation>
 </cs:colorStyle>
 </file>
 
@@ -1949,7 +1944,7 @@
         <a:p>
           <a:r>
             <a:rPr lang="en-US" dirty="0"/>
-            <a:t>Step 1 Title</a:t>
+            <a:t>Step 1 Build</a:t>
           </a:r>
         </a:p>
       </dgm:t>
@@ -1989,9 +1984,10 @@
         <a:lstStyle/>
         <a:p>
           <a:r>
-            <a:rPr lang="en-US" dirty="0"/>
-            <a:t>Task description</a:t>
+            <a:rPr lang="en-US"/>
+            <a:t>docker build –t lex13/&lt;service&gt;</a:t>
           </a:r>
+          <a:endParaRPr lang="en-US" dirty="0"/>
         </a:p>
       </dgm:t>
       <dgm:extLst>
@@ -2022,47 +2018,6 @@
         </a:p>
       </dgm:t>
     </dgm:pt>
-    <dgm:pt modelId="{5D952622-A79E-41E4-BBC2-6212DEFFA91C}">
-      <dgm:prSet phldrT="[Text]"/>
-      <dgm:spPr/>
-      <dgm:t>
-        <a:bodyPr/>
-        <a:lstStyle/>
-        <a:p>
-          <a:r>
-            <a:rPr lang="en-US" dirty="0"/>
-            <a:t>Step 2 Title</a:t>
-          </a:r>
-        </a:p>
-      </dgm:t>
-      <dgm:extLst>
-        <a:ext uri="{E40237B7-FDA0-4F09-8148-C483321AD2D9}">
-          <dgm14:cNvPr xmlns:dgm14="http://schemas.microsoft.com/office/drawing/2010/diagram" id="0" name="" title="Step 2 title"/>
-        </a:ext>
-      </dgm:extLst>
-    </dgm:pt>
-    <dgm:pt modelId="{10627A68-BE4B-4A4A-9EC9-4CFEF1E4DF39}" type="parTrans" cxnId="{A22BDB9A-90BB-4DA2-8850-00D4F1D3B898}">
-      <dgm:prSet/>
-      <dgm:spPr/>
-      <dgm:t>
-        <a:bodyPr/>
-        <a:lstStyle/>
-        <a:p>
-          <a:endParaRPr lang="en-US"/>
-        </a:p>
-      </dgm:t>
-    </dgm:pt>
-    <dgm:pt modelId="{092BAEF3-D9F2-476B-9A0B-6F14CC814529}" type="sibTrans" cxnId="{A22BDB9A-90BB-4DA2-8850-00D4F1D3B898}">
-      <dgm:prSet/>
-      <dgm:spPr/>
-      <dgm:t>
-        <a:bodyPr/>
-        <a:lstStyle/>
-        <a:p>
-          <a:endParaRPr lang="en-US"/>
-        </a:p>
-      </dgm:t>
-    </dgm:pt>
     <dgm:pt modelId="{5248D9DA-6444-46F6-8D28-C8BB2253AAD1}">
       <dgm:prSet phldrT="[Text]"/>
       <dgm:spPr/>
@@ -2071,9 +2026,10 @@
         <a:lstStyle/>
         <a:p>
           <a:r>
-            <a:rPr lang="en-US" dirty="0"/>
-            <a:t>Task description</a:t>
+            <a:rPr lang="en-US"/>
+            <a:t>docker push lex13/&lt;service&gt;</a:t>
           </a:r>
+          <a:endParaRPr lang="en-US" dirty="0"/>
         </a:p>
       </dgm:t>
       <dgm:extLst>
@@ -2113,7 +2069,7 @@
         <a:p>
           <a:r>
             <a:rPr lang="en-US" dirty="0"/>
-            <a:t>Step 3 Title</a:t>
+            <a:t>Step 3 Update</a:t>
           </a:r>
         </a:p>
       </dgm:t>
@@ -2153,8 +2109,12 @@
         <a:lstStyle/>
         <a:p>
           <a:r>
+            <a:rPr lang="en-US" dirty="0" err="1"/>
+            <a:t>kubectl</a:t>
+          </a:r>
+          <a:r>
             <a:rPr lang="en-US" dirty="0"/>
-            <a:t>Task description</a:t>
+            <a:t> set image deployment/&lt;service&gt; container=lex13/&lt;service&gt;:latest</a:t>
           </a:r>
         </a:p>
       </dgm:t>
@@ -2176,6 +2136,47 @@
       </dgm:t>
     </dgm:pt>
     <dgm:pt modelId="{98E878CF-4A49-4E76-BD23-AE7C5290BAFD}" type="sibTrans" cxnId="{11A0AF47-4BCA-470E-92BF-7B388FFB0DE8}">
+      <dgm:prSet/>
+      <dgm:spPr/>
+      <dgm:t>
+        <a:bodyPr/>
+        <a:lstStyle/>
+        <a:p>
+          <a:endParaRPr lang="en-US"/>
+        </a:p>
+      </dgm:t>
+    </dgm:pt>
+    <dgm:pt modelId="{5D952622-A79E-41E4-BBC2-6212DEFFA91C}">
+      <dgm:prSet phldrT="[Text]"/>
+      <dgm:spPr/>
+      <dgm:t>
+        <a:bodyPr/>
+        <a:lstStyle/>
+        <a:p>
+          <a:r>
+            <a:rPr lang="en-US" dirty="0"/>
+            <a:t>Step 2 Push</a:t>
+          </a:r>
+        </a:p>
+      </dgm:t>
+      <dgm:extLst>
+        <a:ext uri="{E40237B7-FDA0-4F09-8148-C483321AD2D9}">
+          <dgm14:cNvPr xmlns:dgm14="http://schemas.microsoft.com/office/drawing/2010/diagram" id="0" name="" title="Step 2 title"/>
+        </a:ext>
+      </dgm:extLst>
+    </dgm:pt>
+    <dgm:pt modelId="{092BAEF3-D9F2-476B-9A0B-6F14CC814529}" type="sibTrans" cxnId="{A22BDB9A-90BB-4DA2-8850-00D4F1D3B898}">
+      <dgm:prSet/>
+      <dgm:spPr/>
+      <dgm:t>
+        <a:bodyPr/>
+        <a:lstStyle/>
+        <a:p>
+          <a:endParaRPr lang="en-US"/>
+        </a:p>
+      </dgm:t>
+    </dgm:pt>
+    <dgm:pt modelId="{10627A68-BE4B-4A4A-9EC9-4CFEF1E4DF39}" type="parTrans" cxnId="{A22BDB9A-90BB-4DA2-8850-00D4F1D3B898}">
       <dgm:prSet/>
       <dgm:spPr/>
       <dgm:t>
@@ -2399,12 +2400,12 @@
         <a:fontRef idx="minor"/>
       </dsp:style>
       <dsp:txBody>
-        <a:bodyPr spcFirstLastPara="0" vert="horz" wrap="square" lIns="45720" tIns="11430" rIns="22860" bIns="11430" numCol="1" spcCol="1270" anchor="ctr" anchorCtr="0">
+        <a:bodyPr spcFirstLastPara="0" vert="horz" wrap="square" lIns="15240" tIns="3810" rIns="7620" bIns="3810" numCol="1" spcCol="1270" anchor="ctr" anchorCtr="0">
           <a:noAutofit/>
         </a:bodyPr>
         <a:lstStyle/>
         <a:p>
-          <a:pPr marL="0" lvl="0" indent="0" algn="ctr" defTabSz="800100">
+          <a:pPr marL="0" lvl="0" indent="0" algn="ctr" defTabSz="266700">
             <a:lnSpc>
               <a:spcPct val="90000"/>
             </a:lnSpc>
@@ -2417,9 +2418,10 @@
             <a:buNone/>
           </a:pPr>
           <a:r>
-            <a:rPr lang="en-US" sz="1800" kern="1200" dirty="0"/>
-            <a:t>Task description</a:t>
+            <a:rPr lang="en-US" sz="600" kern="1200"/>
+            <a:t>docker build –t lex13/&lt;service&gt;</a:t>
           </a:r>
+          <a:endParaRPr lang="en-US" sz="600" kern="1200" dirty="0"/>
         </a:p>
       </dsp:txBody>
       <dsp:txXfrm>
@@ -2478,12 +2480,12 @@
         </a:fontRef>
       </dsp:style>
       <dsp:txBody>
-        <a:bodyPr spcFirstLastPara="0" vert="horz" wrap="square" lIns="15240" tIns="15240" rIns="15240" bIns="15240" numCol="1" spcCol="1270" anchor="ctr" anchorCtr="0">
+        <a:bodyPr spcFirstLastPara="0" vert="horz" wrap="square" lIns="12700" tIns="12700" rIns="12700" bIns="12700" numCol="1" spcCol="1270" anchor="ctr" anchorCtr="0">
           <a:noAutofit/>
         </a:bodyPr>
         <a:lstStyle/>
         <a:p>
-          <a:pPr marL="0" lvl="0" indent="0" algn="ctr" defTabSz="1066800">
+          <a:pPr marL="0" lvl="0" indent="0" algn="ctr" defTabSz="889000">
             <a:lnSpc>
               <a:spcPct val="90000"/>
             </a:lnSpc>
@@ -2496,8 +2498,8 @@
             <a:buNone/>
           </a:pPr>
           <a:r>
-            <a:rPr lang="en-US" sz="2400" kern="1200" dirty="0"/>
-            <a:t>Step 1 Title</a:t>
+            <a:rPr lang="en-US" sz="2000" kern="1200" dirty="0"/>
+            <a:t>Step 1 Build</a:t>
           </a:r>
         </a:p>
       </dsp:txBody>
@@ -2560,12 +2562,12 @@
         <a:fontRef idx="minor"/>
       </dsp:style>
       <dsp:txBody>
-        <a:bodyPr spcFirstLastPara="0" vert="horz" wrap="square" lIns="45720" tIns="11430" rIns="22860" bIns="11430" numCol="1" spcCol="1270" anchor="ctr" anchorCtr="0">
+        <a:bodyPr spcFirstLastPara="0" vert="horz" wrap="square" lIns="15240" tIns="3810" rIns="7620" bIns="3810" numCol="1" spcCol="1270" anchor="ctr" anchorCtr="0">
           <a:noAutofit/>
         </a:bodyPr>
         <a:lstStyle/>
         <a:p>
-          <a:pPr marL="0" lvl="0" indent="0" algn="ctr" defTabSz="800100">
+          <a:pPr marL="0" lvl="0" indent="0" algn="ctr" defTabSz="266700">
             <a:lnSpc>
               <a:spcPct val="90000"/>
             </a:lnSpc>
@@ -2578,9 +2580,10 @@
             <a:buNone/>
           </a:pPr>
           <a:r>
-            <a:rPr lang="en-US" sz="1800" kern="1200" dirty="0"/>
-            <a:t>Task description</a:t>
+            <a:rPr lang="en-US" sz="600" kern="1200"/>
+            <a:t>docker push lex13/&lt;service&gt;</a:t>
           </a:r>
+          <a:endParaRPr lang="en-US" sz="600" kern="1200" dirty="0"/>
         </a:p>
       </dsp:txBody>
       <dsp:txXfrm>
@@ -2639,12 +2642,12 @@
         </a:fontRef>
       </dsp:style>
       <dsp:txBody>
-        <a:bodyPr spcFirstLastPara="0" vert="horz" wrap="square" lIns="15240" tIns="15240" rIns="15240" bIns="15240" numCol="1" spcCol="1270" anchor="ctr" anchorCtr="0">
+        <a:bodyPr spcFirstLastPara="0" vert="horz" wrap="square" lIns="12700" tIns="12700" rIns="12700" bIns="12700" numCol="1" spcCol="1270" anchor="ctr" anchorCtr="0">
           <a:noAutofit/>
         </a:bodyPr>
         <a:lstStyle/>
         <a:p>
-          <a:pPr marL="0" lvl="0" indent="0" algn="ctr" defTabSz="1066800">
+          <a:pPr marL="0" lvl="0" indent="0" algn="ctr" defTabSz="889000">
             <a:lnSpc>
               <a:spcPct val="90000"/>
             </a:lnSpc>
@@ -2657,8 +2660,8 @@
             <a:buNone/>
           </a:pPr>
           <a:r>
-            <a:rPr lang="en-US" sz="2400" kern="1200" dirty="0"/>
-            <a:t>Step 2 Title</a:t>
+            <a:rPr lang="en-US" sz="2000" kern="1200" dirty="0"/>
+            <a:t>Step 2 Push</a:t>
           </a:r>
         </a:p>
       </dsp:txBody>
@@ -2721,12 +2724,12 @@
         <a:fontRef idx="minor"/>
       </dsp:style>
       <dsp:txBody>
-        <a:bodyPr spcFirstLastPara="0" vert="horz" wrap="square" lIns="45720" tIns="11430" rIns="22860" bIns="11430" numCol="1" spcCol="1270" anchor="ctr" anchorCtr="0">
+        <a:bodyPr spcFirstLastPara="0" vert="horz" wrap="square" lIns="15240" tIns="3810" rIns="7620" bIns="3810" numCol="1" spcCol="1270" anchor="ctr" anchorCtr="0">
           <a:noAutofit/>
         </a:bodyPr>
         <a:lstStyle/>
         <a:p>
-          <a:pPr marL="0" lvl="0" indent="0" algn="ctr" defTabSz="800100">
+          <a:pPr marL="0" lvl="0" indent="0" algn="ctr" defTabSz="266700">
             <a:lnSpc>
               <a:spcPct val="90000"/>
             </a:lnSpc>
@@ -2739,8 +2742,12 @@
             <a:buNone/>
           </a:pPr>
           <a:r>
-            <a:rPr lang="en-US" sz="1800" kern="1200" dirty="0"/>
-            <a:t>Task description</a:t>
+            <a:rPr lang="en-US" sz="600" kern="1200" dirty="0" err="1"/>
+            <a:t>kubectl</a:t>
+          </a:r>
+          <a:r>
+            <a:rPr lang="en-US" sz="600" kern="1200" dirty="0"/>
+            <a:t> set image deployment/&lt;service&gt; container=lex13/&lt;service&gt;:latest</a:t>
           </a:r>
         </a:p>
       </dsp:txBody>
@@ -2800,12 +2807,12 @@
         </a:fontRef>
       </dsp:style>
       <dsp:txBody>
-        <a:bodyPr spcFirstLastPara="0" vert="horz" wrap="square" lIns="15240" tIns="15240" rIns="15240" bIns="15240" numCol="1" spcCol="1270" anchor="ctr" anchorCtr="0">
+        <a:bodyPr spcFirstLastPara="0" vert="horz" wrap="square" lIns="12700" tIns="12700" rIns="12700" bIns="12700" numCol="1" spcCol="1270" anchor="ctr" anchorCtr="0">
           <a:noAutofit/>
         </a:bodyPr>
         <a:lstStyle/>
         <a:p>
-          <a:pPr marL="0" lvl="0" indent="0" algn="ctr" defTabSz="1066800">
+          <a:pPr marL="0" lvl="0" indent="0" algn="ctr" defTabSz="889000">
             <a:lnSpc>
               <a:spcPct val="90000"/>
             </a:lnSpc>
@@ -2818,8 +2825,8 @@
             <a:buNone/>
           </a:pPr>
           <a:r>
-            <a:rPr lang="en-US" sz="2400" kern="1200" dirty="0"/>
-            <a:t>Step 3 Title</a:t>
+            <a:rPr lang="en-US" sz="2000" kern="1200" dirty="0"/>
+            <a:t>Step 3 Update</a:t>
           </a:r>
         </a:p>
       </dsp:txBody>
@@ -19294,7 +19301,7 @@
         </p:nvSpPr>
         <p:spPr/>
         <p:txBody>
-          <a:bodyPr/>
+          <a:bodyPr anchor="ctr"/>
           <a:lstStyle/>
           <a:p>
             <a:r>
@@ -19309,7 +19316,22 @@
             </a:r>
           </a:p>
           <a:p>
-            <a:endParaRPr lang="en-US" dirty="0"/>
+            <a:r>
+              <a:rPr lang="en-US" dirty="0"/>
+              <a:t>Each Micro-App services a specific type of client</a:t>
+            </a:r>
+          </a:p>
+          <a:p>
+            <a:r>
+              <a:rPr lang="en-US" dirty="0"/>
+              <a:t>Don’t do business logic other than basic validation</a:t>
+            </a:r>
+          </a:p>
+          <a:p>
+            <a:r>
+              <a:rPr lang="en-US" dirty="0"/>
+              <a:t>Transform data to fit clients needs (formatting, localization, etc.)</a:t>
+            </a:r>
           </a:p>
         </p:txBody>
       </p:sp>
@@ -19443,7 +19465,7 @@
         </p:nvSpPr>
         <p:spPr/>
         <p:txBody>
-          <a:bodyPr/>
+          <a:bodyPr anchor="ctr"/>
           <a:lstStyle/>
           <a:p>
             <a:r>
@@ -19454,7 +19476,25 @@
           <a:p>
             <a:r>
               <a:rPr lang="en-US" dirty="0"/>
-              <a:t>Private network</a:t>
+              <a:t>Communicates within a private network</a:t>
+            </a:r>
+          </a:p>
+          <a:p>
+            <a:r>
+              <a:rPr lang="en-US" dirty="0"/>
+              <a:t>Don’t trim data to suit clients</a:t>
+            </a:r>
+          </a:p>
+          <a:p>
+            <a:r>
+              <a:rPr lang="en-US" dirty="0"/>
+              <a:t>Preforms business logic but no formatting or localization</a:t>
+            </a:r>
+          </a:p>
+          <a:p>
+            <a:r>
+              <a:rPr lang="en-US" dirty="0"/>
+              <a:t>Utilized service discovery</a:t>
             </a:r>
           </a:p>
         </p:txBody>
@@ -19589,7 +19629,7 @@
         </p:nvSpPr>
         <p:spPr/>
         <p:txBody>
-          <a:bodyPr/>
+          <a:bodyPr anchor="ctr"/>
           <a:lstStyle/>
           <a:p>
             <a:r>
@@ -19746,10 +19786,10 @@
       </p:sp>
       <p:pic>
         <p:nvPicPr>
-          <p:cNvPr id="5" name="Content Placeholder 4">
+          <p:cNvPr id="7" name="Content Placeholder 6">
             <a:extLst>
               <a:ext uri="{FF2B5EF4-FFF2-40B4-BE49-F238E27FC236}">
-                <a16:creationId xmlns:a16="http://schemas.microsoft.com/office/drawing/2014/main" id="{C8412CD0-1887-4FC9-B126-3FF86E89CB8E}"/>
+                <a16:creationId xmlns:a16="http://schemas.microsoft.com/office/drawing/2014/main" id="{54DC90B8-0CB5-4E91-A9EF-A29FDC34320A}"/>
               </a:ext>
             </a:extLst>
           </p:cNvPr>
@@ -19768,8 +19808,8 @@
         </p:blipFill>
         <p:spPr>
           <a:xfrm>
-            <a:off x="1471228" y="1981200"/>
-            <a:ext cx="9249543" cy="3810000"/>
+            <a:off x="1295400" y="2709144"/>
+            <a:ext cx="9601200" cy="2354111"/>
           </a:xfrm>
           <a:prstGeom prst="rect">
             <a:avLst/>
@@ -19968,24 +20008,36 @@
           </a:p>
         </p:txBody>
       </p:sp>
-      <p:sp>
-        <p:nvSpPr>
-          <p:cNvPr id="3" name="Picture Placeholder 2">
+      <p:pic>
+        <p:nvPicPr>
+          <p:cNvPr id="6" name="Picture Placeholder 5">
             <a:extLst>
               <a:ext uri="{FF2B5EF4-FFF2-40B4-BE49-F238E27FC236}">
-                <a16:creationId xmlns:a16="http://schemas.microsoft.com/office/drawing/2014/main" id="{82232DD2-182A-4C22-A4E7-69368B592D4E}"/>
+                <a16:creationId xmlns:a16="http://schemas.microsoft.com/office/drawing/2014/main" id="{DE7E440A-3F53-4E12-A29D-6D7A25EDD0FB}"/>
               </a:ext>
             </a:extLst>
           </p:cNvPr>
-          <p:cNvSpPr>
-            <a:spLocks noGrp="1"/>
-          </p:cNvSpPr>
+          <p:cNvPicPr>
+            <a:picLocks noGrp="1" noChangeAspect="1"/>
+          </p:cNvPicPr>
           <p:nvPr>
             <p:ph type="pic" idx="1"/>
           </p:nvPr>
-        </p:nvSpPr>
-        <p:spPr/>
-      </p:sp>
+        </p:nvPicPr>
+        <p:blipFill>
+          <a:blip r:embed="rId2"/>
+          <a:srcRect l="10000" r="10000"/>
+          <a:stretch>
+            <a:fillRect/>
+          </a:stretch>
+        </p:blipFill>
+        <p:spPr>
+          <a:xfrm>
+            <a:off x="1332855" y="1395161"/>
+            <a:ext cx="4338855" cy="4067677"/>
+          </a:xfrm>
+        </p:spPr>
+      </p:pic>
       <p:sp>
         <p:nvSpPr>
           <p:cNvPr id="4" name="Text Placeholder 3">
@@ -20156,38 +20208,70 @@
         </p:nvSpPr>
         <p:spPr/>
         <p:txBody>
-          <a:bodyPr/>
+          <a:bodyPr anchor="ctr"/>
           <a:lstStyle/>
           <a:p>
-            <a:endParaRPr lang="en-US"/>
+            <a:r>
+              <a:rPr lang="en-US" dirty="0"/>
+              <a:t>Initial research lead to believe that Java and JavaScript perform poorly</a:t>
+            </a:r>
+          </a:p>
+          <a:p>
+            <a:r>
+              <a:rPr lang="en-US" dirty="0"/>
+              <a:t>On computer vs </a:t>
+            </a:r>
+            <a:r>
+              <a:rPr lang="en-US" dirty="0" err="1"/>
+              <a:t>Dockerized</a:t>
+            </a:r>
+            <a:r>
+              <a:rPr lang="en-US" dirty="0"/>
+              <a:t> image</a:t>
+            </a:r>
+          </a:p>
+          <a:p>
+            <a:r>
+              <a:rPr lang="en-US" dirty="0"/>
+              <a:t>Base Java vs Java with an additional framework</a:t>
+            </a:r>
+          </a:p>
+          <a:p>
+            <a:r>
+              <a:rPr lang="en-US" dirty="0"/>
+              <a:t>This lead to include metrics on Spring applications</a:t>
+            </a:r>
           </a:p>
         </p:txBody>
       </p:sp>
-      <p:sp>
-        <p:nvSpPr>
-          <p:cNvPr id="4" name="Content Placeholder 3">
+      <p:pic>
+        <p:nvPicPr>
+          <p:cNvPr id="6" name="Content Placeholder 5">
             <a:extLst>
               <a:ext uri="{FF2B5EF4-FFF2-40B4-BE49-F238E27FC236}">
-                <a16:creationId xmlns:a16="http://schemas.microsoft.com/office/drawing/2014/main" id="{EB264832-F44E-4D84-92CB-1F5514B4DBDE}"/>
+                <a16:creationId xmlns:a16="http://schemas.microsoft.com/office/drawing/2014/main" id="{B36E7E20-DB30-441A-B072-97E61D43A0B9}"/>
               </a:ext>
             </a:extLst>
           </p:cNvPr>
-          <p:cNvSpPr>
-            <a:spLocks noGrp="1"/>
-          </p:cNvSpPr>
+          <p:cNvPicPr>
+            <a:picLocks noGrp="1" noChangeAspect="1"/>
+          </p:cNvPicPr>
           <p:nvPr>
             <p:ph sz="half" idx="2"/>
           </p:nvPr>
-        </p:nvSpPr>
-        <p:spPr/>
-        <p:txBody>
-          <a:bodyPr/>
-          <a:lstStyle/>
-          <a:p>
-            <a:endParaRPr lang="en-US"/>
-          </a:p>
-        </p:txBody>
-      </p:sp>
+        </p:nvPicPr>
+        <p:blipFill rotWithShape="1">
+          <a:blip r:embed="rId2"/>
+          <a:srcRect l="13870" t="52915" r="13588"/>
+          <a:stretch/>
+        </p:blipFill>
+        <p:spPr>
+          <a:xfrm>
+            <a:off x="6096000" y="2573619"/>
+            <a:ext cx="5443778" cy="2362592"/>
+          </a:xfrm>
+        </p:spPr>
+      </p:pic>
     </p:spTree>
     <p:extLst>
       <p:ext uri="{BB962C8B-B14F-4D97-AF65-F5344CB8AC3E}">
@@ -20258,31 +20342,37 @@
           </a:p>
         </p:txBody>
       </p:sp>
-      <p:sp>
-        <p:nvSpPr>
-          <p:cNvPr id="3" name="Content Placeholder 2">
+      <p:graphicFrame>
+        <p:nvGraphicFramePr>
+          <p:cNvPr id="8" name="Content Placeholder 7">
             <a:extLst>
               <a:ext uri="{FF2B5EF4-FFF2-40B4-BE49-F238E27FC236}">
-                <a16:creationId xmlns:a16="http://schemas.microsoft.com/office/drawing/2014/main" id="{21415DD3-A4A3-4A13-9D9D-86C6DC1C4DAB}"/>
+                <a16:creationId xmlns:a16="http://schemas.microsoft.com/office/drawing/2014/main" id="{563CDC80-DD6F-4474-8C44-1C87144B4373}"/>
               </a:ext>
             </a:extLst>
           </p:cNvPr>
-          <p:cNvSpPr>
-            <a:spLocks noGrp="1"/>
-          </p:cNvSpPr>
+          <p:cNvGraphicFramePr>
+            <a:graphicFrameLocks noGrp="1"/>
+          </p:cNvGraphicFramePr>
           <p:nvPr>
             <p:ph sz="half" idx="1"/>
+            <p:extLst>
+              <p:ext uri="{D42A27DB-BD31-4B8C-83A1-F6EECF244321}">
+                <p14:modId xmlns:p14="http://schemas.microsoft.com/office/powerpoint/2010/main" val="3551792890"/>
+              </p:ext>
+            </p:extLst>
           </p:nvPr>
-        </p:nvSpPr>
-        <p:spPr/>
-        <p:txBody>
-          <a:bodyPr/>
-          <a:lstStyle/>
-          <a:p>
-            <a:endParaRPr lang="en-US"/>
-          </a:p>
-        </p:txBody>
-      </p:sp>
+        </p:nvGraphicFramePr>
+        <p:xfrm>
+          <a:off x="1295400" y="1981200"/>
+          <a:ext cx="4572000" cy="3810000"/>
+        </p:xfrm>
+        <a:graphic>
+          <a:graphicData uri="http://schemas.openxmlformats.org/drawingml/2006/chart">
+            <c:chart xmlns:c="http://schemas.openxmlformats.org/drawingml/2006/chart" xmlns:r="http://schemas.openxmlformats.org/officeDocument/2006/relationships" r:id="rId2"/>
+          </a:graphicData>
+        </a:graphic>
+      </p:graphicFrame>
       <p:sp>
         <p:nvSpPr>
           <p:cNvPr id="4" name="Content Placeholder 3">
@@ -20304,7 +20394,7 @@
           <a:bodyPr/>
           <a:lstStyle/>
           <a:p>
-            <a:endParaRPr lang="en-US"/>
+            <a:endParaRPr lang="en-US" dirty="0"/>
           </a:p>
         </p:txBody>
       </p:sp>
@@ -20847,7 +20937,7 @@
             <p:ph idx="1"/>
             <p:extLst>
               <p:ext uri="{D42A27DB-BD31-4B8C-83A1-F6EECF244321}">
-                <p14:modId xmlns:p14="http://schemas.microsoft.com/office/powerpoint/2010/main" val="662401178"/>
+                <p14:modId xmlns:p14="http://schemas.microsoft.com/office/powerpoint/2010/main" val="4264349787"/>
               </p:ext>
             </p:extLst>
           </p:nvPr>
@@ -20909,326 +20999,6 @@
           <p:cNvPr id="2" name="Title 1">
             <a:extLst>
               <a:ext uri="{FF2B5EF4-FFF2-40B4-BE49-F238E27FC236}">
-                <a16:creationId xmlns:a16="http://schemas.microsoft.com/office/drawing/2014/main" id="{1E85A540-9200-424A-962F-1FCEBE270DA2}"/>
-              </a:ext>
-            </a:extLst>
-          </p:cNvPr>
-          <p:cNvSpPr>
-            <a:spLocks noGrp="1"/>
-          </p:cNvSpPr>
-          <p:nvPr>
-            <p:ph type="title"/>
-          </p:nvPr>
-        </p:nvSpPr>
-        <p:spPr/>
-        <p:txBody>
-          <a:bodyPr/>
-          <a:lstStyle/>
-          <a:p>
-            <a:r>
-              <a:rPr lang="en-US" dirty="0"/>
-              <a:t>Conclusion</a:t>
-            </a:r>
-          </a:p>
-        </p:txBody>
-      </p:sp>
-      <p:sp>
-        <p:nvSpPr>
-          <p:cNvPr id="3" name="Picture Placeholder 2">
-            <a:extLst>
-              <a:ext uri="{FF2B5EF4-FFF2-40B4-BE49-F238E27FC236}">
-                <a16:creationId xmlns:a16="http://schemas.microsoft.com/office/drawing/2014/main" id="{DB44291F-A0D0-4725-8A07-74168D4000AC}"/>
-              </a:ext>
-            </a:extLst>
-          </p:cNvPr>
-          <p:cNvSpPr>
-            <a:spLocks noGrp="1"/>
-          </p:cNvSpPr>
-          <p:nvPr>
-            <p:ph type="pic" idx="1"/>
-          </p:nvPr>
-        </p:nvSpPr>
-        <p:spPr/>
-      </p:sp>
-      <p:sp>
-        <p:nvSpPr>
-          <p:cNvPr id="4" name="Text Placeholder 3">
-            <a:extLst>
-              <a:ext uri="{FF2B5EF4-FFF2-40B4-BE49-F238E27FC236}">
-                <a16:creationId xmlns:a16="http://schemas.microsoft.com/office/drawing/2014/main" id="{B4A41EB8-25A6-402B-AA15-4BBAC8A6A781}"/>
-              </a:ext>
-            </a:extLst>
-          </p:cNvPr>
-          <p:cNvSpPr>
-            <a:spLocks noGrp="1"/>
-          </p:cNvSpPr>
-          <p:nvPr>
-            <p:ph type="body" sz="half" idx="2"/>
-          </p:nvPr>
-        </p:nvSpPr>
-        <p:spPr/>
-        <p:txBody>
-          <a:bodyPr/>
-          <a:lstStyle/>
-          <a:p>
-            <a:pPr marL="285750" indent="-285750">
-              <a:buFont typeface="Arial" panose="020B0604020202020204" pitchFamily="34" charset="0"/>
-              <a:buChar char="•"/>
-            </a:pPr>
-            <a:r>
-              <a:rPr lang="en-US" dirty="0"/>
-              <a:t>Summary</a:t>
-            </a:r>
-          </a:p>
-          <a:p>
-            <a:pPr marL="285750" indent="-285750">
-              <a:buFont typeface="Arial" panose="020B0604020202020204" pitchFamily="34" charset="0"/>
-              <a:buChar char="•"/>
-            </a:pPr>
-            <a:r>
-              <a:rPr lang="en-US" dirty="0"/>
-              <a:t>Future Work</a:t>
-            </a:r>
-          </a:p>
-        </p:txBody>
-      </p:sp>
-    </p:spTree>
-    <p:extLst>
-      <p:ext uri="{BB962C8B-B14F-4D97-AF65-F5344CB8AC3E}">
-        <p14:creationId xmlns:p14="http://schemas.microsoft.com/office/powerpoint/2010/main" val="3655595253"/>
-      </p:ext>
-    </p:extLst>
-  </p:cSld>
-  <p:clrMapOvr>
-    <a:masterClrMapping/>
-  </p:clrMapOvr>
-  <mc:AlternateContent xmlns:mc="http://schemas.openxmlformats.org/markup-compatibility/2006" xmlns:p14="http://schemas.microsoft.com/office/powerpoint/2010/main">
-    <mc:Choice Requires="p14">
-      <p:transition spd="med" p14:dur="700">
-        <p:fade/>
-      </p:transition>
-    </mc:Choice>
-    <mc:Fallback xmlns="">
-      <p:transition spd="med">
-        <p:fade/>
-      </p:transition>
-    </mc:Fallback>
-  </mc:AlternateContent>
-</p:sld>
-</file>
-
-<file path=ppt/slides/slide23.xml><?xml version="1.0" encoding="utf-8"?>
-<p:sld xmlns:a="http://schemas.openxmlformats.org/drawingml/2006/main" xmlns:r="http://schemas.openxmlformats.org/officeDocument/2006/relationships" xmlns:p="http://schemas.openxmlformats.org/presentationml/2006/main">
-  <p:cSld>
-    <p:spTree>
-      <p:nvGrpSpPr>
-        <p:cNvPr id="1" name=""/>
-        <p:cNvGrpSpPr/>
-        <p:nvPr/>
-      </p:nvGrpSpPr>
-      <p:grpSpPr>
-        <a:xfrm>
-          <a:off x="0" y="0"/>
-          <a:ext cx="0" cy="0"/>
-          <a:chOff x="0" y="0"/>
-          <a:chExt cx="0" cy="0"/>
-        </a:xfrm>
-      </p:grpSpPr>
-      <p:sp>
-        <p:nvSpPr>
-          <p:cNvPr id="2" name="Title 1">
-            <a:extLst>
-              <a:ext uri="{FF2B5EF4-FFF2-40B4-BE49-F238E27FC236}">
-                <a16:creationId xmlns:a16="http://schemas.microsoft.com/office/drawing/2014/main" id="{BBC415B7-E456-4B76-9F99-4E9C3A6D520D}"/>
-              </a:ext>
-            </a:extLst>
-          </p:cNvPr>
-          <p:cNvSpPr>
-            <a:spLocks noGrp="1"/>
-          </p:cNvSpPr>
-          <p:nvPr>
-            <p:ph type="title"/>
-          </p:nvPr>
-        </p:nvSpPr>
-        <p:spPr/>
-        <p:txBody>
-          <a:bodyPr/>
-          <a:lstStyle/>
-          <a:p>
-            <a:r>
-              <a:rPr lang="en-US" dirty="0"/>
-              <a:t>Summary</a:t>
-            </a:r>
-          </a:p>
-        </p:txBody>
-      </p:sp>
-      <p:sp>
-        <p:nvSpPr>
-          <p:cNvPr id="3" name="Content Placeholder 2">
-            <a:extLst>
-              <a:ext uri="{FF2B5EF4-FFF2-40B4-BE49-F238E27FC236}">
-                <a16:creationId xmlns:a16="http://schemas.microsoft.com/office/drawing/2014/main" id="{E9E869CB-A79E-4497-860E-62EFF956B375}"/>
-              </a:ext>
-            </a:extLst>
-          </p:cNvPr>
-          <p:cNvSpPr>
-            <a:spLocks noGrp="1"/>
-          </p:cNvSpPr>
-          <p:nvPr>
-            <p:ph idx="1"/>
-          </p:nvPr>
-        </p:nvSpPr>
-        <p:spPr/>
-        <p:txBody>
-          <a:bodyPr/>
-          <a:lstStyle/>
-          <a:p>
-            <a:endParaRPr lang="en-US"/>
-          </a:p>
-        </p:txBody>
-      </p:sp>
-    </p:spTree>
-    <p:extLst>
-      <p:ext uri="{BB962C8B-B14F-4D97-AF65-F5344CB8AC3E}">
-        <p14:creationId xmlns:p14="http://schemas.microsoft.com/office/powerpoint/2010/main" val="2396933155"/>
-      </p:ext>
-    </p:extLst>
-  </p:cSld>
-  <p:clrMapOvr>
-    <a:masterClrMapping/>
-  </p:clrMapOvr>
-  <mc:AlternateContent xmlns:mc="http://schemas.openxmlformats.org/markup-compatibility/2006" xmlns:p14="http://schemas.microsoft.com/office/powerpoint/2010/main">
-    <mc:Choice Requires="p14">
-      <p:transition spd="med" p14:dur="700">
-        <p:fade/>
-      </p:transition>
-    </mc:Choice>
-    <mc:Fallback xmlns="">
-      <p:transition spd="med">
-        <p:fade/>
-      </p:transition>
-    </mc:Fallback>
-  </mc:AlternateContent>
-</p:sld>
-</file>
-
-<file path=ppt/slides/slide24.xml><?xml version="1.0" encoding="utf-8"?>
-<p:sld xmlns:a="http://schemas.openxmlformats.org/drawingml/2006/main" xmlns:r="http://schemas.openxmlformats.org/officeDocument/2006/relationships" xmlns:p="http://schemas.openxmlformats.org/presentationml/2006/main">
-  <p:cSld>
-    <p:spTree>
-      <p:nvGrpSpPr>
-        <p:cNvPr id="1" name=""/>
-        <p:cNvGrpSpPr/>
-        <p:nvPr/>
-      </p:nvGrpSpPr>
-      <p:grpSpPr>
-        <a:xfrm>
-          <a:off x="0" y="0"/>
-          <a:ext cx="0" cy="0"/>
-          <a:chOff x="0" y="0"/>
-          <a:chExt cx="0" cy="0"/>
-        </a:xfrm>
-      </p:grpSpPr>
-      <p:sp>
-        <p:nvSpPr>
-          <p:cNvPr id="2" name="Title 1">
-            <a:extLst>
-              <a:ext uri="{FF2B5EF4-FFF2-40B4-BE49-F238E27FC236}">
-                <a16:creationId xmlns:a16="http://schemas.microsoft.com/office/drawing/2014/main" id="{B493AEE0-0CA2-4488-B838-EE9E94964ABB}"/>
-              </a:ext>
-            </a:extLst>
-          </p:cNvPr>
-          <p:cNvSpPr>
-            <a:spLocks noGrp="1"/>
-          </p:cNvSpPr>
-          <p:nvPr>
-            <p:ph type="title"/>
-          </p:nvPr>
-        </p:nvSpPr>
-        <p:spPr/>
-        <p:txBody>
-          <a:bodyPr/>
-          <a:lstStyle/>
-          <a:p>
-            <a:r>
-              <a:rPr lang="en-US" dirty="0"/>
-              <a:t>Future Work</a:t>
-            </a:r>
-          </a:p>
-        </p:txBody>
-      </p:sp>
-      <p:sp>
-        <p:nvSpPr>
-          <p:cNvPr id="3" name="Content Placeholder 2">
-            <a:extLst>
-              <a:ext uri="{FF2B5EF4-FFF2-40B4-BE49-F238E27FC236}">
-                <a16:creationId xmlns:a16="http://schemas.microsoft.com/office/drawing/2014/main" id="{01EC9152-5E24-44AB-8209-4674F8D58036}"/>
-              </a:ext>
-            </a:extLst>
-          </p:cNvPr>
-          <p:cNvSpPr>
-            <a:spLocks noGrp="1"/>
-          </p:cNvSpPr>
-          <p:nvPr>
-            <p:ph idx="1"/>
-          </p:nvPr>
-        </p:nvSpPr>
-        <p:spPr/>
-        <p:txBody>
-          <a:bodyPr/>
-          <a:lstStyle/>
-          <a:p>
-            <a:endParaRPr lang="en-US"/>
-          </a:p>
-        </p:txBody>
-      </p:sp>
-    </p:spTree>
-    <p:extLst>
-      <p:ext uri="{BB962C8B-B14F-4D97-AF65-F5344CB8AC3E}">
-        <p14:creationId xmlns:p14="http://schemas.microsoft.com/office/powerpoint/2010/main" val="2011972887"/>
-      </p:ext>
-    </p:extLst>
-  </p:cSld>
-  <p:clrMapOvr>
-    <a:masterClrMapping/>
-  </p:clrMapOvr>
-  <mc:AlternateContent xmlns:mc="http://schemas.openxmlformats.org/markup-compatibility/2006" xmlns:p14="http://schemas.microsoft.com/office/powerpoint/2010/main">
-    <mc:Choice Requires="p14">
-      <p:transition spd="med" p14:dur="700">
-        <p:fade/>
-      </p:transition>
-    </mc:Choice>
-    <mc:Fallback xmlns="">
-      <p:transition spd="med">
-        <p:fade/>
-      </p:transition>
-    </mc:Fallback>
-  </mc:AlternateContent>
-</p:sld>
-</file>
-
-<file path=ppt/slides/slide25.xml><?xml version="1.0" encoding="utf-8"?>
-<p:sld xmlns:a="http://schemas.openxmlformats.org/drawingml/2006/main" xmlns:r="http://schemas.openxmlformats.org/officeDocument/2006/relationships" xmlns:p="http://schemas.openxmlformats.org/presentationml/2006/main">
-  <p:cSld>
-    <p:spTree>
-      <p:nvGrpSpPr>
-        <p:cNvPr id="1" name=""/>
-        <p:cNvGrpSpPr/>
-        <p:nvPr/>
-      </p:nvGrpSpPr>
-      <p:grpSpPr>
-        <a:xfrm>
-          <a:off x="0" y="0"/>
-          <a:ext cx="0" cy="0"/>
-          <a:chOff x="0" y="0"/>
-          <a:chExt cx="0" cy="0"/>
-        </a:xfrm>
-      </p:grpSpPr>
-      <p:sp>
-        <p:nvSpPr>
-          <p:cNvPr id="2" name="Title 1">
-            <a:extLst>
-              <a:ext uri="{FF2B5EF4-FFF2-40B4-BE49-F238E27FC236}">
                 <a16:creationId xmlns:a16="http://schemas.microsoft.com/office/drawing/2014/main" id="{7E11867D-B7AF-4A20-939E-605DF0009E8D}"/>
               </a:ext>
             </a:extLst>
@@ -21247,7 +21017,7 @@
           <a:p>
             <a:r>
               <a:rPr lang="en-US" dirty="0"/>
-              <a:t>Thank You For Listening</a:t>
+              <a:t>In Conclusion</a:t>
             </a:r>
           </a:p>
         </p:txBody>
@@ -21273,7 +21043,10 @@
           <a:bodyPr/>
           <a:lstStyle/>
           <a:p>
-            <a:endParaRPr lang="en-US"/>
+            <a:r>
+              <a:rPr lang="en-US" dirty="0"/>
+              <a:t>Questions, comments, concerns?</a:t>
+            </a:r>
           </a:p>
         </p:txBody>
       </p:sp>
@@ -21302,96 +21075,7 @@
 </p:sld>
 </file>
 
-<file path=ppt/slides/slide26.xml><?xml version="1.0" encoding="utf-8"?>
-<p:sld xmlns:a="http://schemas.openxmlformats.org/drawingml/2006/main" xmlns:r="http://schemas.openxmlformats.org/officeDocument/2006/relationships" xmlns:p="http://schemas.openxmlformats.org/presentationml/2006/main">
-  <p:cSld>
-    <p:spTree>
-      <p:nvGrpSpPr>
-        <p:cNvPr id="1" name=""/>
-        <p:cNvGrpSpPr/>
-        <p:nvPr/>
-      </p:nvGrpSpPr>
-      <p:grpSpPr>
-        <a:xfrm>
-          <a:off x="0" y="0"/>
-          <a:ext cx="0" cy="0"/>
-          <a:chOff x="0" y="0"/>
-          <a:chExt cx="0" cy="0"/>
-        </a:xfrm>
-      </p:grpSpPr>
-      <p:sp>
-        <p:nvSpPr>
-          <p:cNvPr id="2" name="Title 1"/>
-          <p:cNvSpPr>
-            <a:spLocks noGrp="1"/>
-          </p:cNvSpPr>
-          <p:nvPr>
-            <p:ph type="title"/>
-          </p:nvPr>
-        </p:nvSpPr>
-        <p:spPr/>
-        <p:txBody>
-          <a:bodyPr/>
-          <a:lstStyle/>
-          <a:p>
-            <a:r>
-              <a:rPr lang="en-US" dirty="0"/>
-              <a:t>Title and content layout with chart</a:t>
-            </a:r>
-          </a:p>
-        </p:txBody>
-      </p:sp>
-      <p:graphicFrame>
-        <p:nvGraphicFramePr>
-          <p:cNvPr id="6" name="Content Placeholder 5" descr="Clustered column chart showing the values of 3 series for 4 categories"/>
-          <p:cNvGraphicFramePr>
-            <a:graphicFrameLocks noGrp="1"/>
-          </p:cNvGraphicFramePr>
-          <p:nvPr>
-            <p:ph idx="1"/>
-            <p:extLst>
-              <p:ext uri="{D42A27DB-BD31-4B8C-83A1-F6EECF244321}">
-                <p14:modId xmlns:p14="http://schemas.microsoft.com/office/powerpoint/2010/main" val="39797981"/>
-              </p:ext>
-            </p:extLst>
-          </p:nvPr>
-        </p:nvGraphicFramePr>
-        <p:xfrm>
-          <a:off x="1295400" y="1981200"/>
-          <a:ext cx="9601200" cy="3810000"/>
-        </p:xfrm>
-        <a:graphic>
-          <a:graphicData uri="http://schemas.openxmlformats.org/drawingml/2006/chart">
-            <c:chart xmlns:c="http://schemas.openxmlformats.org/drawingml/2006/chart" xmlns:r="http://schemas.openxmlformats.org/officeDocument/2006/relationships" r:id="rId2"/>
-          </a:graphicData>
-        </a:graphic>
-      </p:graphicFrame>
-    </p:spTree>
-    <p:extLst>
-      <p:ext uri="{BB962C8B-B14F-4D97-AF65-F5344CB8AC3E}">
-        <p14:creationId xmlns:p14="http://schemas.microsoft.com/office/powerpoint/2010/main" val="1476019738"/>
-      </p:ext>
-    </p:extLst>
-  </p:cSld>
-  <p:clrMapOvr>
-    <a:masterClrMapping/>
-  </p:clrMapOvr>
-  <mc:AlternateContent xmlns:mc="http://schemas.openxmlformats.org/markup-compatibility/2006" xmlns:p14="http://schemas.microsoft.com/office/powerpoint/2010/main">
-    <mc:Choice Requires="p14">
-      <p:transition spd="med" p14:dur="700">
-        <p:fade/>
-      </p:transition>
-    </mc:Choice>
-    <mc:Fallback xmlns="">
-      <p:transition spd="med">
-        <p:fade/>
-      </p:transition>
-    </mc:Fallback>
-  </mc:AlternateContent>
-</p:sld>
-</file>
-
-<file path=ppt/slides/slide27.xml><?xml version="1.0" encoding="utf-8"?>
+<file path=ppt/slides/slide23.xml><?xml version="1.0" encoding="utf-8"?>
 <p:sld xmlns:a="http://schemas.openxmlformats.org/drawingml/2006/main" xmlns:r="http://schemas.openxmlformats.org/officeDocument/2006/relationships" xmlns:p="http://schemas.openxmlformats.org/presentationml/2006/main">
   <p:cSld>
     <p:spTree>
@@ -21767,11 +21451,7 @@
           <a:p>
             <a:r>
               <a:rPr lang="en-US" dirty="0"/>
-              <a:t>Problem - I</a:t>
-            </a:r>
-            <a:r>
-              <a:rPr lang="en-CA" dirty="0" err="1"/>
-              <a:t>ssues</a:t>
+              <a:t>Problems</a:t>
             </a:r>
             <a:r>
               <a:rPr lang="en-CA" dirty="0"/>
@@ -21970,14 +21650,26 @@
         <p:spPr/>
         <p:txBody>
           <a:bodyPr>
-            <a:normAutofit fontScale="85000" lnSpcReduction="20000"/>
+            <a:normAutofit fontScale="77500" lnSpcReduction="20000"/>
           </a:bodyPr>
           <a:lstStyle/>
           <a:p>
             <a:pPr lvl="0"/>
             <a:r>
+              <a:rPr lang="en-CA" b="1" dirty="0"/>
+              <a:t>Decrease the number of people </a:t>
+            </a:r>
+            <a:r>
               <a:rPr lang="en-CA" dirty="0"/>
-              <a:t>Decrease the number of people needed to maintain software and the cost of maintaining that software.</a:t>
+              <a:t>needed to maintain software and the </a:t>
+            </a:r>
+            <a:r>
+              <a:rPr lang="en-CA" b="1" dirty="0"/>
+              <a:t>cost of maintaining </a:t>
+            </a:r>
+            <a:r>
+              <a:rPr lang="en-CA" dirty="0"/>
+              <a:t>that software</a:t>
             </a:r>
             <a:endParaRPr lang="en-US" dirty="0"/>
           </a:p>
@@ -21993,7 +21685,7 @@
             </a:r>
             <a:r>
               <a:rPr lang="en-CA" dirty="0"/>
-              <a:t>between teams.</a:t>
+              <a:t>between teams</a:t>
             </a:r>
             <a:endParaRPr lang="en-US" dirty="0"/>
           </a:p>
@@ -22001,7 +21693,31 @@
             <a:pPr lvl="0"/>
             <a:r>
               <a:rPr lang="en-CA" dirty="0"/>
-              <a:t>Counter long, multi-step manual deployment with simple, quick, autonomous cloud deployment.</a:t>
+              <a:t>Counter long, multi-step manual deployment with </a:t>
+            </a:r>
+            <a:r>
+              <a:rPr lang="en-CA" b="1" dirty="0"/>
+              <a:t>simple, quick, autonomous cloud deployment</a:t>
+            </a:r>
+            <a:endParaRPr lang="en-US" b="1" dirty="0"/>
+          </a:p>
+          <a:p>
+            <a:pPr lvl="0"/>
+            <a:r>
+              <a:rPr lang="en-CA" dirty="0"/>
+              <a:t>Handle cloud resources as </a:t>
+            </a:r>
+            <a:r>
+              <a:rPr lang="en-CA" b="1" dirty="0"/>
+              <a:t>efficiently as possible</a:t>
+            </a:r>
+            <a:endParaRPr lang="en-US" b="1" dirty="0"/>
+          </a:p>
+          <a:p>
+            <a:pPr lvl="0"/>
+            <a:r>
+              <a:rPr lang="en-CA" dirty="0"/>
+              <a:t>Provide a common point of access for client applications</a:t>
             </a:r>
             <a:endParaRPr lang="en-US" dirty="0"/>
           </a:p>
@@ -22009,7 +21725,15 @@
             <a:pPr lvl="0"/>
             <a:r>
               <a:rPr lang="en-CA" dirty="0"/>
-              <a:t>Handle cloud resources as efficiently as possible.</a:t>
+              <a:t>Create a </a:t>
+            </a:r>
+            <a:r>
+              <a:rPr lang="en-CA" b="1" dirty="0"/>
+              <a:t>layered, microservice framework </a:t>
+            </a:r>
+            <a:r>
+              <a:rPr lang="en-CA" dirty="0"/>
+              <a:t>that separates client applications from common services</a:t>
             </a:r>
             <a:endParaRPr lang="en-US" dirty="0"/>
           </a:p>
@@ -22017,7 +21741,7 @@
             <a:pPr lvl="0"/>
             <a:r>
               <a:rPr lang="en-CA" dirty="0"/>
-              <a:t>Provide a common point of access for client applications.</a:t>
+              <a:t>Provide a common point of access to host services and data</a:t>
             </a:r>
             <a:endParaRPr lang="en-US" dirty="0"/>
           </a:p>
@@ -22025,23 +21749,7 @@
             <a:pPr lvl="0"/>
             <a:r>
               <a:rPr lang="en-CA" dirty="0"/>
-              <a:t>Create a layered, microservice framework that separate client applications from common services.</a:t>
-            </a:r>
-            <a:endParaRPr lang="en-US" dirty="0"/>
-          </a:p>
-          <a:p>
-            <a:pPr lvl="0"/>
-            <a:r>
-              <a:rPr lang="en-CA" dirty="0"/>
-              <a:t>Provide a common point of access to host services and data.</a:t>
-            </a:r>
-            <a:endParaRPr lang="en-US" dirty="0"/>
-          </a:p>
-          <a:p>
-            <a:pPr lvl="0"/>
-            <a:r>
-              <a:rPr lang="en-CA" dirty="0"/>
-              <a:t>Utilize Skydot as the server side of a mobile banking application to present the capabilities of the project.</a:t>
+              <a:t>Utilize Skydot as the server side of a mobile banking application to present the capabilities of the project</a:t>
             </a:r>
             <a:endParaRPr lang="en-US" dirty="0"/>
           </a:p>
@@ -22117,24 +21825,36 @@
           </a:p>
         </p:txBody>
       </p:sp>
-      <p:sp>
-        <p:nvSpPr>
-          <p:cNvPr id="3" name="Picture Placeholder 2">
+      <p:pic>
+        <p:nvPicPr>
+          <p:cNvPr id="6" name="Picture Placeholder 5">
             <a:extLst>
               <a:ext uri="{FF2B5EF4-FFF2-40B4-BE49-F238E27FC236}">
-                <a16:creationId xmlns:a16="http://schemas.microsoft.com/office/drawing/2014/main" id="{FEDB843B-308D-4617-B029-4423FDB4B107}"/>
+                <a16:creationId xmlns:a16="http://schemas.microsoft.com/office/drawing/2014/main" id="{F3247533-2FC9-4E29-AFF1-A826CCB42B1B}"/>
               </a:ext>
             </a:extLst>
           </p:cNvPr>
-          <p:cNvSpPr>
-            <a:spLocks noGrp="1"/>
-          </p:cNvSpPr>
+          <p:cNvPicPr>
+            <a:picLocks noGrp="1" noChangeAspect="1"/>
+          </p:cNvPicPr>
           <p:nvPr>
             <p:ph type="pic" idx="1"/>
           </p:nvPr>
-        </p:nvSpPr>
-        <p:spPr/>
-      </p:sp>
+        </p:nvPicPr>
+        <p:blipFill>
+          <a:blip r:embed="rId2"/>
+          <a:srcRect l="8303" r="8303"/>
+          <a:stretch>
+            <a:fillRect/>
+          </a:stretch>
+        </p:blipFill>
+        <p:spPr>
+          <a:xfrm>
+            <a:off x="1093936" y="836550"/>
+            <a:ext cx="1753779" cy="1644168"/>
+          </a:xfrm>
+        </p:spPr>
+      </p:pic>
       <p:sp>
         <p:nvSpPr>
           <p:cNvPr id="4" name="Text Placeholder 3">
@@ -22197,6 +21917,66 @@
           </a:p>
         </p:txBody>
       </p:sp>
+      <p:pic>
+        <p:nvPicPr>
+          <p:cNvPr id="8" name="Picture 7">
+            <a:extLst>
+              <a:ext uri="{FF2B5EF4-FFF2-40B4-BE49-F238E27FC236}">
+                <a16:creationId xmlns:a16="http://schemas.microsoft.com/office/drawing/2014/main" id="{FB957680-9615-4EEE-8503-5C98F5571D56}"/>
+              </a:ext>
+            </a:extLst>
+          </p:cNvPr>
+          <p:cNvPicPr>
+            <a:picLocks noChangeAspect="1"/>
+          </p:cNvPicPr>
+          <p:nvPr/>
+        </p:nvPicPr>
+        <p:blipFill>
+          <a:blip r:embed="rId3"/>
+          <a:stretch>
+            <a:fillRect/>
+          </a:stretch>
+        </p:blipFill>
+        <p:spPr>
+          <a:xfrm>
+            <a:off x="3607170" y="2243508"/>
+            <a:ext cx="2922966" cy="1511448"/>
+          </a:xfrm>
+          <a:prstGeom prst="rect">
+            <a:avLst/>
+          </a:prstGeom>
+        </p:spPr>
+      </p:pic>
+      <p:pic>
+        <p:nvPicPr>
+          <p:cNvPr id="10" name="Picture 9">
+            <a:extLst>
+              <a:ext uri="{FF2B5EF4-FFF2-40B4-BE49-F238E27FC236}">
+                <a16:creationId xmlns:a16="http://schemas.microsoft.com/office/drawing/2014/main" id="{C2D83DF3-90B3-4428-B0FB-844FC9A60E6F}"/>
+              </a:ext>
+            </a:extLst>
+          </p:cNvPr>
+          <p:cNvPicPr>
+            <a:picLocks noChangeAspect="1"/>
+          </p:cNvPicPr>
+          <p:nvPr/>
+        </p:nvPicPr>
+        <p:blipFill>
+          <a:blip r:embed="rId4"/>
+          <a:stretch>
+            <a:fillRect/>
+          </a:stretch>
+        </p:blipFill>
+        <p:spPr>
+          <a:xfrm>
+            <a:off x="1093936" y="4297215"/>
+            <a:ext cx="2192224" cy="1644168"/>
+          </a:xfrm>
+          <a:prstGeom prst="rect">
+            <a:avLst/>
+          </a:prstGeom>
+        </p:spPr>
+      </p:pic>
     </p:spTree>
     <p:extLst>
       <p:ext uri="{BB962C8B-B14F-4D97-AF65-F5344CB8AC3E}">
@@ -22267,31 +22047,44 @@
           </a:p>
         </p:txBody>
       </p:sp>
-      <p:sp>
-        <p:nvSpPr>
-          <p:cNvPr id="3" name="Content Placeholder 2">
+      <p:pic>
+        <p:nvPicPr>
+          <p:cNvPr id="5" name="Content Placeholder 4">
             <a:extLst>
               <a:ext uri="{FF2B5EF4-FFF2-40B4-BE49-F238E27FC236}">
-                <a16:creationId xmlns:a16="http://schemas.microsoft.com/office/drawing/2014/main" id="{28C069D2-444E-4566-9B65-DE3C4232A8AD}"/>
+                <a16:creationId xmlns:a16="http://schemas.microsoft.com/office/drawing/2014/main" id="{3FB01423-E04D-40DC-8B99-10F63642FE0F}"/>
               </a:ext>
             </a:extLst>
           </p:cNvPr>
-          <p:cNvSpPr>
-            <a:spLocks noGrp="1"/>
-          </p:cNvSpPr>
+          <p:cNvPicPr>
+            <a:picLocks noGrp="1" noChangeAspect="1"/>
+          </p:cNvPicPr>
           <p:nvPr>
             <p:ph sz="half" idx="1"/>
           </p:nvPr>
-        </p:nvSpPr>
-        <p:spPr/>
-        <p:txBody>
-          <a:bodyPr/>
-          <a:lstStyle/>
-          <a:p>
-            <a:endParaRPr lang="en-US"/>
-          </a:p>
-        </p:txBody>
-      </p:sp>
+        </p:nvPicPr>
+        <p:blipFill>
+          <a:blip r:embed="rId2"/>
+          <a:stretch>
+            <a:fillRect/>
+          </a:stretch>
+        </p:blipFill>
+        <p:spPr>
+          <a:prstGeom prst="rect">
+            <a:avLst/>
+          </a:prstGeom>
+          <a:ln>
+            <a:noFill/>
+          </a:ln>
+          <a:effectLst>
+            <a:outerShdw blurRad="292100" dist="139700" dir="2700000" algn="tl" rotWithShape="0">
+              <a:srgbClr val="333333">
+                <a:alpha val="65000"/>
+              </a:srgbClr>
+            </a:outerShdw>
+          </a:effectLst>
+        </p:spPr>
+      </p:pic>
       <p:pic>
         <p:nvPicPr>
           <p:cNvPr id="6" name="Content Placeholder 5">
@@ -22309,7 +22102,7 @@
           </p:nvPr>
         </p:nvPicPr>
         <p:blipFill>
-          <a:blip r:embed="rId2"/>
+          <a:blip r:embed="rId3"/>
           <a:stretch>
             <a:fillRect/>
           </a:stretch>
@@ -22422,38 +22215,101 @@
         </p:nvSpPr>
         <p:spPr/>
         <p:txBody>
-          <a:bodyPr/>
+          <a:bodyPr anchor="ctr"/>
           <a:lstStyle/>
           <a:p>
-            <a:endParaRPr lang="en-US"/>
+            <a:pPr marL="0" indent="0">
+              <a:buNone/>
+            </a:pPr>
+            <a:r>
+              <a:rPr lang="en-US" dirty="0"/>
+              <a:t>FROM </a:t>
+            </a:r>
+            <a:r>
+              <a:rPr lang="en-US" dirty="0" err="1"/>
+              <a:t>python:alpine</a:t>
+            </a:r>
+            <a:endParaRPr lang="en-US" dirty="0"/>
+          </a:p>
+          <a:p>
+            <a:pPr marL="0" indent="0">
+              <a:buNone/>
+            </a:pPr>
+            <a:r>
+              <a:rPr lang="en-US" dirty="0"/>
+              <a:t>ADD . /code</a:t>
+            </a:r>
+          </a:p>
+          <a:p>
+            <a:pPr marL="0" indent="0">
+              <a:buNone/>
+            </a:pPr>
+            <a:r>
+              <a:rPr lang="en-US" dirty="0"/>
+              <a:t>WORKDIR /code</a:t>
+            </a:r>
+          </a:p>
+          <a:p>
+            <a:pPr marL="0" indent="0">
+              <a:buNone/>
+            </a:pPr>
+            <a:r>
+              <a:rPr lang="en-US" dirty="0"/>
+              <a:t>RUN pip install -r requirements.txt</a:t>
+            </a:r>
+          </a:p>
+          <a:p>
+            <a:pPr marL="0" indent="0">
+              <a:buNone/>
+            </a:pPr>
+            <a:r>
+              <a:rPr lang="en-US" dirty="0"/>
+              <a:t>CMD ["python", "app.py"]</a:t>
+            </a:r>
           </a:p>
         </p:txBody>
       </p:sp>
-      <p:sp>
-        <p:nvSpPr>
-          <p:cNvPr id="4" name="Content Placeholder 3">
+      <p:pic>
+        <p:nvPicPr>
+          <p:cNvPr id="8" name="Content Placeholder 7">
             <a:extLst>
               <a:ext uri="{FF2B5EF4-FFF2-40B4-BE49-F238E27FC236}">
-                <a16:creationId xmlns:a16="http://schemas.microsoft.com/office/drawing/2014/main" id="{8019AA57-3C0C-4C6F-84F4-9E833B75F9B1}"/>
+                <a16:creationId xmlns:a16="http://schemas.microsoft.com/office/drawing/2014/main" id="{D8C75D34-2B7D-4A20-84CF-F198455EDE28}"/>
               </a:ext>
             </a:extLst>
           </p:cNvPr>
-          <p:cNvSpPr>
-            <a:spLocks noGrp="1"/>
-          </p:cNvSpPr>
+          <p:cNvPicPr>
+            <a:picLocks noGrp="1" noChangeAspect="1"/>
+          </p:cNvPicPr>
           <p:nvPr>
             <p:ph sz="half" idx="2"/>
           </p:nvPr>
-        </p:nvSpPr>
-        <p:spPr/>
-        <p:txBody>
-          <a:bodyPr/>
-          <a:lstStyle/>
-          <a:p>
-            <a:endParaRPr lang="en-US"/>
-          </a:p>
-        </p:txBody>
-      </p:sp>
+        </p:nvPicPr>
+        <p:blipFill rotWithShape="1">
+          <a:blip r:embed="rId2"/>
+          <a:srcRect l="4040" t="12638" r="2401" b="11509"/>
+          <a:stretch/>
+        </p:blipFill>
+        <p:spPr>
+          <a:xfrm>
+            <a:off x="6509288" y="2603715"/>
+            <a:ext cx="4277532" cy="2603716"/>
+          </a:xfrm>
+          <a:prstGeom prst="rect">
+            <a:avLst/>
+          </a:prstGeom>
+          <a:ln>
+            <a:noFill/>
+          </a:ln>
+          <a:effectLst>
+            <a:outerShdw blurRad="292100" dist="139700" dir="2700000" algn="tl" rotWithShape="0">
+              <a:srgbClr val="333333">
+                <a:alpha val="65000"/>
+              </a:srgbClr>
+            </a:outerShdw>
+          </a:effectLst>
+        </p:spPr>
+      </p:pic>
     </p:spTree>
     <p:extLst>
       <p:ext uri="{BB962C8B-B14F-4D97-AF65-F5344CB8AC3E}">
@@ -22542,10 +22398,31 @@
         </p:nvSpPr>
         <p:spPr/>
         <p:txBody>
-          <a:bodyPr/>
+          <a:bodyPr anchor="ctr"/>
           <a:lstStyle/>
           <a:p>
-            <a:endParaRPr lang="en-US"/>
+            <a:r>
+              <a:rPr lang="en-US" dirty="0"/>
+              <a:t>Container Orchestration</a:t>
+            </a:r>
+          </a:p>
+          <a:p>
+            <a:r>
+              <a:rPr lang="en-US" dirty="0"/>
+              <a:t>Made by Google</a:t>
+            </a:r>
+          </a:p>
+          <a:p>
+            <a:r>
+              <a:rPr lang="en-CA" dirty="0"/>
+              <a:t>Handles automatic deployment, scaling, and management of containerized applications</a:t>
+            </a:r>
+          </a:p>
+          <a:p>
+            <a:r>
+              <a:rPr lang="en-CA" dirty="0"/>
+              <a:t>Running in Azure AKS (Azure Container Service)</a:t>
+            </a:r>
           </a:p>
         </p:txBody>
       </p:sp>
@@ -22646,24 +22523,6 @@
       </p:sp>
       <p:sp>
         <p:nvSpPr>
-          <p:cNvPr id="3" name="Picture Placeholder 2">
-            <a:extLst>
-              <a:ext uri="{FF2B5EF4-FFF2-40B4-BE49-F238E27FC236}">
-                <a16:creationId xmlns:a16="http://schemas.microsoft.com/office/drawing/2014/main" id="{28AFAB41-B77B-481F-844C-C826DE0104C5}"/>
-              </a:ext>
-            </a:extLst>
-          </p:cNvPr>
-          <p:cNvSpPr>
-            <a:spLocks noGrp="1"/>
-          </p:cNvSpPr>
-          <p:nvPr>
-            <p:ph type="pic" idx="1"/>
-          </p:nvPr>
-        </p:nvSpPr>
-        <p:spPr/>
-      </p:sp>
-      <p:sp>
-        <p:nvSpPr>
           <p:cNvPr id="4" name="Text Placeholder 3">
             <a:extLst>
               <a:ext uri="{FF2B5EF4-FFF2-40B4-BE49-F238E27FC236}">
@@ -22714,6 +22573,54 @@
           </a:p>
         </p:txBody>
       </p:sp>
+      <p:sp>
+        <p:nvSpPr>
+          <p:cNvPr id="8" name="Picture Placeholder 7">
+            <a:extLst>
+              <a:ext uri="{FF2B5EF4-FFF2-40B4-BE49-F238E27FC236}">
+                <a16:creationId xmlns:a16="http://schemas.microsoft.com/office/drawing/2014/main" id="{F18E6ADD-A24C-43BB-B51A-E5B8C5793D91}"/>
+              </a:ext>
+            </a:extLst>
+          </p:cNvPr>
+          <p:cNvSpPr>
+            <a:spLocks noGrp="1"/>
+          </p:cNvSpPr>
+          <p:nvPr>
+            <p:ph type="pic" idx="1"/>
+          </p:nvPr>
+        </p:nvSpPr>
+        <p:spPr/>
+      </p:sp>
+      <p:pic>
+        <p:nvPicPr>
+          <p:cNvPr id="13" name="Picture 12">
+            <a:extLst>
+              <a:ext uri="{FF2B5EF4-FFF2-40B4-BE49-F238E27FC236}">
+                <a16:creationId xmlns:a16="http://schemas.microsoft.com/office/drawing/2014/main" id="{02270358-5A3F-4568-8583-8B5023FD17F6}"/>
+              </a:ext>
+            </a:extLst>
+          </p:cNvPr>
+          <p:cNvPicPr>
+            <a:picLocks noChangeAspect="1"/>
+          </p:cNvPicPr>
+          <p:nvPr/>
+        </p:nvPicPr>
+        <p:blipFill>
+          <a:blip r:embed="rId2"/>
+          <a:stretch>
+            <a:fillRect/>
+          </a:stretch>
+        </p:blipFill>
+        <p:spPr>
+          <a:xfrm>
+            <a:off x="0" y="2130884"/>
+            <a:ext cx="7306504" cy="2595914"/>
+          </a:xfrm>
+          <a:prstGeom prst="rect">
+            <a:avLst/>
+          </a:prstGeom>
+        </p:spPr>
+      </p:pic>
     </p:spTree>
     <p:extLst>
       <p:ext uri="{BB962C8B-B14F-4D97-AF65-F5344CB8AC3E}">

--- a/documentation/presentation.pptx
+++ b/documentation/presentation.pptx
@@ -5,10 +5,10 @@
     <p:sldMasterId id="2147483648" r:id="rId1"/>
   </p:sldMasterIdLst>
   <p:notesMasterIdLst>
-    <p:notesMasterId r:id="rId25"/>
+    <p:notesMasterId r:id="rId23"/>
   </p:notesMasterIdLst>
   <p:handoutMasterIdLst>
-    <p:handoutMasterId r:id="rId26"/>
+    <p:handoutMasterId r:id="rId24"/>
   </p:handoutMasterIdLst>
   <p:sldIdLst>
     <p:sldId id="261" r:id="rId2"/>
@@ -29,11 +29,9 @@
     <p:sldId id="282" r:id="rId17"/>
     <p:sldId id="283" r:id="rId18"/>
     <p:sldId id="284" r:id="rId19"/>
-    <p:sldId id="285" r:id="rId20"/>
-    <p:sldId id="286" r:id="rId21"/>
-    <p:sldId id="264" r:id="rId22"/>
-    <p:sldId id="293" r:id="rId23"/>
-    <p:sldId id="263" r:id="rId24"/>
+    <p:sldId id="294" r:id="rId20"/>
+    <p:sldId id="264" r:id="rId21"/>
+    <p:sldId id="293" r:id="rId22"/>
   </p:sldIdLst>
   <p:sldSz cx="12192000" cy="6858000"/>
   <p:notesSz cx="6858000" cy="9144000"/>
@@ -175,7 +173,7 @@
           <a:lstStyle/>
           <a:p>
             <a:pPr>
-              <a:defRPr sz="2128" b="1" i="0" u="none" strike="noStrike" kern="1200" baseline="0">
+              <a:defRPr sz="1200" b="1" i="0" u="none" strike="noStrike" kern="1200" baseline="0">
                 <a:solidFill>
                   <a:schemeClr val="tx2"/>
                 </a:solidFill>
@@ -185,8 +183,8 @@
               </a:defRPr>
             </a:pPr>
             <a:r>
-              <a:rPr lang="en-US"/>
-              <a:t>Memory Usage (in MB)</a:t>
+              <a:rPr lang="en-US" sz="1200" dirty="0"/>
+              <a:t>Memory Usage (in MB) for Transfer Service</a:t>
             </a:r>
           </a:p>
         </c:rich>
@@ -204,7 +202,7 @@
         <a:lstStyle/>
         <a:p>
           <a:pPr>
-            <a:defRPr sz="2128" b="1" i="0" u="none" strike="noStrike" kern="1200" baseline="0">
+            <a:defRPr sz="1200" b="1" i="0" u="none" strike="noStrike" kern="1200" baseline="0">
               <a:solidFill>
                 <a:schemeClr val="tx2"/>
               </a:solidFill>
@@ -561,7 +559,361 @@
         <a:lstStyle/>
         <a:p>
           <a:pPr>
-            <a:defRPr sz="1197" b="0" i="0" u="none" strike="noStrike" kern="1200" baseline="0">
+            <a:defRPr sz="1050" b="0" i="0" u="none" strike="noStrike" kern="1200" baseline="0">
+              <a:solidFill>
+                <a:schemeClr val="tx2"/>
+              </a:solidFill>
+              <a:latin typeface="+mn-lt"/>
+              <a:ea typeface="+mn-ea"/>
+              <a:cs typeface="+mn-cs"/>
+            </a:defRPr>
+          </a:pPr>
+          <a:endParaRPr lang="en-US"/>
+        </a:p>
+      </c:txPr>
+    </c:legend>
+    <c:plotVisOnly val="1"/>
+    <c:dispBlanksAs val="gap"/>
+    <c:extLst>
+      <c:ext xmlns:c16r3="http://schemas.microsoft.com/office/drawing/2017/03/chart" uri="{56B9EC1D-385E-4148-901F-78D8002777C0}">
+        <c16r3:dataDisplayOptions16>
+          <c16r3:dispNaAsBlank val="1"/>
+        </c16r3:dataDisplayOptions16>
+      </c:ext>
+    </c:extLst>
+    <c:showDLblsOverMax val="0"/>
+  </c:chart>
+  <c:spPr>
+    <a:noFill/>
+    <a:ln>
+      <a:noFill/>
+    </a:ln>
+    <a:effectLst/>
+  </c:spPr>
+  <c:txPr>
+    <a:bodyPr/>
+    <a:lstStyle/>
+    <a:p>
+      <a:pPr>
+        <a:defRPr/>
+      </a:pPr>
+      <a:endParaRPr lang="en-US"/>
+    </a:p>
+  </c:txPr>
+  <c:externalData r:id="rId3">
+    <c:autoUpdate val="0"/>
+  </c:externalData>
+</c:chartSpace>
+</file>
+
+<file path=ppt/charts/chart2.xml><?xml version="1.0" encoding="utf-8"?>
+<c:chartSpace xmlns:c="http://schemas.openxmlformats.org/drawingml/2006/chart" xmlns:a="http://schemas.openxmlformats.org/drawingml/2006/main" xmlns:r="http://schemas.openxmlformats.org/officeDocument/2006/relationships" xmlns:c16r2="http://schemas.microsoft.com/office/drawing/2015/06/chart">
+  <c:date1904 val="0"/>
+  <c:lang val="en-US"/>
+  <c:roundedCorners val="0"/>
+  <mc:AlternateContent xmlns:mc="http://schemas.openxmlformats.org/markup-compatibility/2006">
+    <mc:Choice xmlns:c14="http://schemas.microsoft.com/office/drawing/2007/8/2/chart" Requires="c14">
+      <c14:style val="102"/>
+    </mc:Choice>
+    <mc:Fallback>
+      <c:style val="2"/>
+    </mc:Fallback>
+  </mc:AlternateContent>
+  <c:chart>
+    <c:title>
+      <c:tx>
+        <c:rich>
+          <a:bodyPr rot="0" spcFirstLastPara="1" vertOverflow="ellipsis" vert="horz" wrap="square" anchor="ctr" anchorCtr="1"/>
+          <a:lstStyle/>
+          <a:p>
+            <a:pPr>
+              <a:defRPr sz="1200" b="1" i="0" u="none" strike="noStrike" kern="1200" baseline="0">
+                <a:solidFill>
+                  <a:schemeClr val="tx2"/>
+                </a:solidFill>
+                <a:latin typeface="+mn-lt"/>
+                <a:ea typeface="+mn-ea"/>
+                <a:cs typeface="+mn-cs"/>
+              </a:defRPr>
+            </a:pPr>
+            <a:r>
+              <a:rPr lang="en-US" sz="1200" dirty="0"/>
+              <a:t>Latency (in milliseconds) for Transfer Service</a:t>
+            </a:r>
+          </a:p>
+        </c:rich>
+      </c:tx>
+      <c:overlay val="0"/>
+      <c:spPr>
+        <a:noFill/>
+        <a:ln>
+          <a:noFill/>
+        </a:ln>
+        <a:effectLst/>
+      </c:spPr>
+      <c:txPr>
+        <a:bodyPr rot="0" spcFirstLastPara="1" vertOverflow="ellipsis" vert="horz" wrap="square" anchor="ctr" anchorCtr="1"/>
+        <a:lstStyle/>
+        <a:p>
+          <a:pPr>
+            <a:defRPr sz="1200" b="1" i="0" u="none" strike="noStrike" kern="1200" baseline="0">
+              <a:solidFill>
+                <a:schemeClr val="tx2"/>
+              </a:solidFill>
+              <a:latin typeface="+mn-lt"/>
+              <a:ea typeface="+mn-ea"/>
+              <a:cs typeface="+mn-cs"/>
+            </a:defRPr>
+          </a:pPr>
+          <a:endParaRPr lang="en-US"/>
+        </a:p>
+      </c:txPr>
+    </c:title>
+    <c:autoTitleDeleted val="0"/>
+    <c:plotArea>
+      <c:layout/>
+      <c:barChart>
+        <c:barDir val="col"/>
+        <c:grouping val="clustered"/>
+        <c:varyColors val="0"/>
+        <c:ser>
+          <c:idx val="0"/>
+          <c:order val="0"/>
+          <c:tx>
+            <c:strRef>
+              <c:f>Sheet1!$B$1</c:f>
+              <c:strCache>
+                <c:ptCount val="1"/>
+                <c:pt idx="0">
+                  <c:v>Latency (in milliseconds)</c:v>
+                </c:pt>
+              </c:strCache>
+            </c:strRef>
+          </c:tx>
+          <c:spPr>
+            <a:gradFill rotWithShape="1">
+              <a:gsLst>
+                <a:gs pos="0">
+                  <a:schemeClr val="accent2">
+                    <a:satMod val="103000"/>
+                    <a:lumMod val="102000"/>
+                    <a:tint val="94000"/>
+                  </a:schemeClr>
+                </a:gs>
+                <a:gs pos="50000">
+                  <a:schemeClr val="accent2">
+                    <a:satMod val="110000"/>
+                    <a:lumMod val="100000"/>
+                    <a:shade val="100000"/>
+                  </a:schemeClr>
+                </a:gs>
+                <a:gs pos="100000">
+                  <a:schemeClr val="accent2">
+                    <a:lumMod val="99000"/>
+                    <a:satMod val="120000"/>
+                    <a:shade val="78000"/>
+                  </a:schemeClr>
+                </a:gs>
+              </a:gsLst>
+              <a:lin ang="5400000" scaled="0"/>
+            </a:gradFill>
+            <a:ln>
+              <a:noFill/>
+            </a:ln>
+            <a:effectLst/>
+          </c:spPr>
+          <c:invertIfNegative val="0"/>
+          <c:cat>
+            <c:strRef>
+              <c:f>Sheet1!$A$2:$A$6</c:f>
+              <c:strCache>
+                <c:ptCount val="5"/>
+                <c:pt idx="0">
+                  <c:v>C++</c:v>
+                </c:pt>
+                <c:pt idx="1">
+                  <c:v>Python</c:v>
+                </c:pt>
+                <c:pt idx="2">
+                  <c:v>Java</c:v>
+                </c:pt>
+                <c:pt idx="3">
+                  <c:v>Javascript</c:v>
+                </c:pt>
+                <c:pt idx="4">
+                  <c:v>Spring</c:v>
+                </c:pt>
+              </c:strCache>
+            </c:strRef>
+          </c:cat>
+          <c:val>
+            <c:numRef>
+              <c:f>Sheet1!$B$2:$B$6</c:f>
+              <c:numCache>
+                <c:formatCode>0.0</c:formatCode>
+                <c:ptCount val="5"/>
+                <c:pt idx="0">
+                  <c:v>288.53333333333336</c:v>
+                </c:pt>
+                <c:pt idx="1">
+                  <c:v>448.16666666666669</c:v>
+                </c:pt>
+                <c:pt idx="2">
+                  <c:v>248.51666666666668</c:v>
+                </c:pt>
+                <c:pt idx="3">
+                  <c:v>271.64999999999998</c:v>
+                </c:pt>
+                <c:pt idx="4">
+                  <c:v>2084.0500000000002</c:v>
+                </c:pt>
+              </c:numCache>
+            </c:numRef>
+          </c:val>
+          <c:extLst>
+            <c:ext xmlns:c16="http://schemas.microsoft.com/office/drawing/2014/chart" uri="{C3380CC4-5D6E-409C-BE32-E72D297353CC}">
+              <c16:uniqueId val="{00000000-5ACF-4533-9BB6-E83AFF154F65}"/>
+            </c:ext>
+          </c:extLst>
+        </c:ser>
+        <c:dLbls>
+          <c:showLegendKey val="0"/>
+          <c:showVal val="0"/>
+          <c:showCatName val="0"/>
+          <c:showSerName val="0"/>
+          <c:showPercent val="0"/>
+          <c:showBubbleSize val="0"/>
+        </c:dLbls>
+        <c:gapWidth val="100"/>
+        <c:overlap val="-24"/>
+        <c:axId val="675275888"/>
+        <c:axId val="675278184"/>
+      </c:barChart>
+      <c:catAx>
+        <c:axId val="675275888"/>
+        <c:scaling>
+          <c:orientation val="minMax"/>
+        </c:scaling>
+        <c:delete val="0"/>
+        <c:axPos val="b"/>
+        <c:numFmt formatCode="General" sourceLinked="1"/>
+        <c:majorTickMark val="none"/>
+        <c:minorTickMark val="none"/>
+        <c:tickLblPos val="nextTo"/>
+        <c:spPr>
+          <a:noFill/>
+          <a:ln w="9525" cap="flat" cmpd="sng" algn="ctr">
+            <a:solidFill>
+              <a:schemeClr val="tx2">
+                <a:lumMod val="15000"/>
+                <a:lumOff val="85000"/>
+              </a:schemeClr>
+            </a:solidFill>
+            <a:round/>
+          </a:ln>
+          <a:effectLst/>
+        </c:spPr>
+        <c:txPr>
+          <a:bodyPr rot="-60000000" spcFirstLastPara="1" vertOverflow="ellipsis" vert="horz" wrap="square" anchor="ctr" anchorCtr="1"/>
+          <a:lstStyle/>
+          <a:p>
+            <a:pPr>
+              <a:defRPr sz="1197" b="0" i="0" u="none" strike="noStrike" kern="1200" baseline="0">
+                <a:solidFill>
+                  <a:schemeClr val="tx2"/>
+                </a:solidFill>
+                <a:latin typeface="+mn-lt"/>
+                <a:ea typeface="+mn-ea"/>
+                <a:cs typeface="+mn-cs"/>
+              </a:defRPr>
+            </a:pPr>
+            <a:endParaRPr lang="en-US"/>
+          </a:p>
+        </c:txPr>
+        <c:crossAx val="675278184"/>
+        <c:crosses val="autoZero"/>
+        <c:auto val="1"/>
+        <c:lblAlgn val="ctr"/>
+        <c:lblOffset val="100"/>
+        <c:noMultiLvlLbl val="0"/>
+      </c:catAx>
+      <c:valAx>
+        <c:axId val="675278184"/>
+        <c:scaling>
+          <c:orientation val="minMax"/>
+        </c:scaling>
+        <c:delete val="0"/>
+        <c:axPos val="l"/>
+        <c:majorGridlines>
+          <c:spPr>
+            <a:ln w="9525" cap="flat" cmpd="sng" algn="ctr">
+              <a:solidFill>
+                <a:schemeClr val="tx2">
+                  <a:lumMod val="15000"/>
+                  <a:lumOff val="85000"/>
+                </a:schemeClr>
+              </a:solidFill>
+              <a:round/>
+            </a:ln>
+            <a:effectLst/>
+          </c:spPr>
+        </c:majorGridlines>
+        <c:numFmt formatCode="0.0" sourceLinked="1"/>
+        <c:majorTickMark val="none"/>
+        <c:minorTickMark val="none"/>
+        <c:tickLblPos val="nextTo"/>
+        <c:spPr>
+          <a:noFill/>
+          <a:ln>
+            <a:noFill/>
+          </a:ln>
+          <a:effectLst/>
+        </c:spPr>
+        <c:txPr>
+          <a:bodyPr rot="-60000000" spcFirstLastPara="1" vertOverflow="ellipsis" vert="horz" wrap="square" anchor="ctr" anchorCtr="1"/>
+          <a:lstStyle/>
+          <a:p>
+            <a:pPr>
+              <a:defRPr sz="1197" b="0" i="0" u="none" strike="noStrike" kern="1200" baseline="0">
+                <a:solidFill>
+                  <a:schemeClr val="tx2"/>
+                </a:solidFill>
+                <a:latin typeface="+mn-lt"/>
+                <a:ea typeface="+mn-ea"/>
+                <a:cs typeface="+mn-cs"/>
+              </a:defRPr>
+            </a:pPr>
+            <a:endParaRPr lang="en-US"/>
+          </a:p>
+        </c:txPr>
+        <c:crossAx val="675275888"/>
+        <c:crosses val="autoZero"/>
+        <c:crossBetween val="between"/>
+      </c:valAx>
+      <c:spPr>
+        <a:noFill/>
+        <a:ln>
+          <a:noFill/>
+        </a:ln>
+        <a:effectLst/>
+      </c:spPr>
+    </c:plotArea>
+    <c:legend>
+      <c:legendPos val="b"/>
+      <c:overlay val="0"/>
+      <c:spPr>
+        <a:noFill/>
+        <a:ln>
+          <a:noFill/>
+        </a:ln>
+        <a:effectLst/>
+      </c:spPr>
+      <c:txPr>
+        <a:bodyPr rot="0" spcFirstLastPara="1" vertOverflow="ellipsis" vert="horz" wrap="square" anchor="ctr" anchorCtr="1"/>
+        <a:lstStyle/>
+        <a:p>
+          <a:pPr>
+            <a:defRPr sz="1050" b="0" i="0" u="none" strike="noStrike" kern="1200" baseline="0">
               <a:solidFill>
                 <a:schemeClr val="tx2"/>
               </a:solidFill>
@@ -645,7 +997,513 @@
 </cs:colorStyle>
 </file>
 
+<file path=ppt/charts/colors2.xml><?xml version="1.0" encoding="utf-8"?>
+<cs:colorStyle xmlns:cs="http://schemas.microsoft.com/office/drawing/2012/chartStyle" xmlns:a="http://schemas.openxmlformats.org/drawingml/2006/main" meth="cycle" id="12">
+  <a:schemeClr val="accent2"/>
+  <a:schemeClr val="accent4"/>
+  <a:schemeClr val="accent6"/>
+  <cs:variation/>
+  <cs:variation>
+    <a:lumMod val="60000"/>
+  </cs:variation>
+  <cs:variation>
+    <a:lumMod val="80000"/>
+    <a:lumOff val="20000"/>
+  </cs:variation>
+  <cs:variation>
+    <a:lumMod val="80000"/>
+  </cs:variation>
+  <cs:variation>
+    <a:lumMod val="60000"/>
+    <a:lumOff val="40000"/>
+  </cs:variation>
+  <cs:variation>
+    <a:lumMod val="50000"/>
+  </cs:variation>
+  <cs:variation>
+    <a:lumMod val="70000"/>
+    <a:lumOff val="30000"/>
+  </cs:variation>
+  <cs:variation>
+    <a:lumMod val="70000"/>
+  </cs:variation>
+  <cs:variation>
+    <a:lumMod val="50000"/>
+    <a:lumOff val="50000"/>
+  </cs:variation>
+</cs:colorStyle>
+</file>
+
 <file path=ppt/charts/style1.xml><?xml version="1.0" encoding="utf-8"?>
+<cs:chartStyle xmlns:cs="http://schemas.microsoft.com/office/drawing/2012/chartStyle" xmlns:a="http://schemas.openxmlformats.org/drawingml/2006/main" id="207">
+  <cs:axisTitle>
+    <cs:lnRef idx="0"/>
+    <cs:fillRef idx="0"/>
+    <cs:effectRef idx="0"/>
+    <cs:fontRef idx="minor">
+      <a:schemeClr val="tx2"/>
+    </cs:fontRef>
+    <cs:defRPr sz="1197" b="1" kern="1200"/>
+  </cs:axisTitle>
+  <cs:categoryAxis>
+    <cs:lnRef idx="0"/>
+    <cs:fillRef idx="0"/>
+    <cs:effectRef idx="0"/>
+    <cs:fontRef idx="minor">
+      <a:schemeClr val="tx2"/>
+    </cs:fontRef>
+    <cs:spPr>
+      <a:ln w="9525" cap="flat" cmpd="sng" algn="ctr">
+        <a:solidFill>
+          <a:schemeClr val="tx2">
+            <a:lumMod val="15000"/>
+            <a:lumOff val="85000"/>
+          </a:schemeClr>
+        </a:solidFill>
+        <a:round/>
+      </a:ln>
+    </cs:spPr>
+    <cs:defRPr sz="1197" kern="1200"/>
+  </cs:categoryAxis>
+  <cs:chartArea mods="allowNoFillOverride allowNoLineOverride">
+    <cs:lnRef idx="0"/>
+    <cs:fillRef idx="0"/>
+    <cs:effectRef idx="0"/>
+    <cs:fontRef idx="minor">
+      <a:schemeClr val="tx2"/>
+    </cs:fontRef>
+    <cs:spPr>
+      <a:solidFill>
+        <a:schemeClr val="bg1"/>
+      </a:solidFill>
+      <a:ln w="9525" cap="flat" cmpd="sng" algn="ctr">
+        <a:solidFill>
+          <a:schemeClr val="tx2">
+            <a:lumMod val="15000"/>
+            <a:lumOff val="85000"/>
+          </a:schemeClr>
+        </a:solidFill>
+        <a:round/>
+      </a:ln>
+    </cs:spPr>
+    <cs:defRPr sz="1197" kern="1200"/>
+  </cs:chartArea>
+  <cs:dataLabel>
+    <cs:lnRef idx="0"/>
+    <cs:fillRef idx="0"/>
+    <cs:effectRef idx="0"/>
+    <cs:fontRef idx="minor">
+      <a:schemeClr val="tx2"/>
+    </cs:fontRef>
+    <cs:defRPr sz="1197" kern="1200"/>
+  </cs:dataLabel>
+  <cs:dataLabelCallout>
+    <cs:lnRef idx="0"/>
+    <cs:fillRef idx="0"/>
+    <cs:effectRef idx="0"/>
+    <cs:fontRef idx="minor">
+      <a:schemeClr val="dk2">
+        <a:lumMod val="75000"/>
+      </a:schemeClr>
+    </cs:fontRef>
+    <cs:spPr>
+      <a:solidFill>
+        <a:schemeClr val="lt1"/>
+      </a:solidFill>
+      <a:ln>
+        <a:solidFill>
+          <a:schemeClr val="dk1">
+            <a:lumMod val="25000"/>
+            <a:lumOff val="75000"/>
+          </a:schemeClr>
+        </a:solidFill>
+      </a:ln>
+    </cs:spPr>
+    <cs:defRPr sz="1197" kern="1200"/>
+    <cs:bodyPr rot="0" spcFirstLastPara="1" vertOverflow="clip" horzOverflow="clip" vert="horz" wrap="square" lIns="36576" tIns="18288" rIns="36576" bIns="18288" anchor="ctr" anchorCtr="1">
+      <a:spAutoFit/>
+    </cs:bodyPr>
+  </cs:dataLabelCallout>
+  <cs:dataPoint>
+    <cs:lnRef idx="0"/>
+    <cs:fillRef idx="3">
+      <cs:styleClr val="auto"/>
+    </cs:fillRef>
+    <cs:effectRef idx="2"/>
+    <cs:fontRef idx="minor">
+      <a:schemeClr val="tx2"/>
+    </cs:fontRef>
+  </cs:dataPoint>
+  <cs:dataPoint3D>
+    <cs:lnRef idx="0"/>
+    <cs:fillRef idx="3">
+      <cs:styleClr val="auto"/>
+    </cs:fillRef>
+    <cs:effectRef idx="2"/>
+    <cs:fontRef idx="minor">
+      <a:schemeClr val="tx2"/>
+    </cs:fontRef>
+  </cs:dataPoint3D>
+  <cs:dataPointLine>
+    <cs:lnRef idx="0">
+      <cs:styleClr val="auto"/>
+    </cs:lnRef>
+    <cs:fillRef idx="3"/>
+    <cs:effectRef idx="2"/>
+    <cs:fontRef idx="minor">
+      <a:schemeClr val="tx2"/>
+    </cs:fontRef>
+    <cs:spPr>
+      <a:ln w="31750" cap="rnd">
+        <a:solidFill>
+          <a:schemeClr val="phClr"/>
+        </a:solidFill>
+        <a:round/>
+      </a:ln>
+    </cs:spPr>
+  </cs:dataPointLine>
+  <cs:dataPointMarker>
+    <cs:lnRef idx="0"/>
+    <cs:fillRef idx="3">
+      <cs:styleClr val="auto"/>
+    </cs:fillRef>
+    <cs:effectRef idx="2"/>
+    <cs:fontRef idx="minor">
+      <a:schemeClr val="tx2"/>
+    </cs:fontRef>
+    <cs:spPr>
+      <a:ln w="12700">
+        <a:solidFill>
+          <a:schemeClr val="lt2"/>
+        </a:solidFill>
+        <a:round/>
+      </a:ln>
+    </cs:spPr>
+  </cs:dataPointMarker>
+  <cs:dataPointMarkerLayout symbol="circle" size="6"/>
+  <cs:dataPointWireframe>
+    <cs:lnRef idx="0">
+      <cs:styleClr val="auto"/>
+    </cs:lnRef>
+    <cs:fillRef idx="3"/>
+    <cs:effectRef idx="2"/>
+    <cs:fontRef idx="minor">
+      <a:schemeClr val="tx2"/>
+    </cs:fontRef>
+    <cs:spPr>
+      <a:ln w="9525" cap="rnd">
+        <a:solidFill>
+          <a:schemeClr val="phClr"/>
+        </a:solidFill>
+        <a:round/>
+      </a:ln>
+    </cs:spPr>
+  </cs:dataPointWireframe>
+  <cs:dataTable>
+    <cs:lnRef idx="0"/>
+    <cs:fillRef idx="0"/>
+    <cs:effectRef idx="0"/>
+    <cs:fontRef idx="minor">
+      <a:schemeClr val="tx2"/>
+    </cs:fontRef>
+    <cs:spPr>
+      <a:ln w="9525">
+        <a:solidFill>
+          <a:schemeClr val="tx2">
+            <a:lumMod val="15000"/>
+            <a:lumOff val="85000"/>
+          </a:schemeClr>
+        </a:solidFill>
+      </a:ln>
+    </cs:spPr>
+    <cs:defRPr sz="1197" kern="1200"/>
+  </cs:dataTable>
+  <cs:downBar>
+    <cs:lnRef idx="0"/>
+    <cs:fillRef idx="0"/>
+    <cs:effectRef idx="0"/>
+    <cs:fontRef idx="minor">
+      <a:schemeClr val="dk1"/>
+    </cs:fontRef>
+    <cs:spPr>
+      <a:solidFill>
+        <a:schemeClr val="dk1">
+          <a:lumMod val="65000"/>
+          <a:lumOff val="35000"/>
+        </a:schemeClr>
+      </a:solidFill>
+      <a:ln w="9525">
+        <a:solidFill>
+          <a:schemeClr val="tx1">
+            <a:lumMod val="65000"/>
+            <a:lumOff val="35000"/>
+          </a:schemeClr>
+        </a:solidFill>
+      </a:ln>
+    </cs:spPr>
+  </cs:downBar>
+  <cs:dropLine>
+    <cs:lnRef idx="0"/>
+    <cs:fillRef idx="0"/>
+    <cs:effectRef idx="0"/>
+    <cs:fontRef idx="minor">
+      <a:schemeClr val="tx2"/>
+    </cs:fontRef>
+    <cs:spPr>
+      <a:ln w="9525">
+        <a:solidFill>
+          <a:schemeClr val="tx2">
+            <a:lumMod val="60000"/>
+            <a:lumOff val="40000"/>
+          </a:schemeClr>
+        </a:solidFill>
+        <a:prstDash val="dash"/>
+      </a:ln>
+    </cs:spPr>
+  </cs:dropLine>
+  <cs:errorBar>
+    <cs:lnRef idx="0"/>
+    <cs:fillRef idx="0"/>
+    <cs:effectRef idx="0"/>
+    <cs:fontRef idx="minor">
+      <a:schemeClr val="tx2"/>
+    </cs:fontRef>
+    <cs:spPr>
+      <a:ln w="9525">
+        <a:solidFill>
+          <a:schemeClr val="tx2">
+            <a:lumMod val="75000"/>
+            <a:lumOff val="25000"/>
+          </a:schemeClr>
+        </a:solidFill>
+        <a:round/>
+      </a:ln>
+    </cs:spPr>
+  </cs:errorBar>
+  <cs:floor>
+    <cs:lnRef idx="0"/>
+    <cs:fillRef idx="0"/>
+    <cs:effectRef idx="0"/>
+    <cs:fontRef idx="minor">
+      <a:schemeClr val="tx2"/>
+    </cs:fontRef>
+  </cs:floor>
+  <cs:gridlineMajor>
+    <cs:lnRef idx="0"/>
+    <cs:fillRef idx="0"/>
+    <cs:effectRef idx="0"/>
+    <cs:fontRef idx="minor">
+      <a:schemeClr val="tx2"/>
+    </cs:fontRef>
+    <cs:spPr>
+      <a:ln w="9525" cap="flat" cmpd="sng" algn="ctr">
+        <a:solidFill>
+          <a:schemeClr val="tx2">
+            <a:lumMod val="15000"/>
+            <a:lumOff val="85000"/>
+          </a:schemeClr>
+        </a:solidFill>
+        <a:round/>
+      </a:ln>
+    </cs:spPr>
+  </cs:gridlineMajor>
+  <cs:gridlineMinor>
+    <cs:lnRef idx="0"/>
+    <cs:fillRef idx="0"/>
+    <cs:effectRef idx="0"/>
+    <cs:fontRef idx="minor">
+      <a:schemeClr val="tx2"/>
+    </cs:fontRef>
+    <cs:spPr>
+      <a:ln>
+        <a:solidFill>
+          <a:schemeClr val="tx2">
+            <a:lumMod val="5000"/>
+            <a:lumOff val="95000"/>
+          </a:schemeClr>
+        </a:solidFill>
+      </a:ln>
+    </cs:spPr>
+  </cs:gridlineMinor>
+  <cs:hiLoLine>
+    <cs:lnRef idx="0"/>
+    <cs:fillRef idx="0"/>
+    <cs:effectRef idx="0"/>
+    <cs:fontRef idx="minor">
+      <a:schemeClr val="tx2"/>
+    </cs:fontRef>
+    <cs:spPr>
+      <a:ln w="9525">
+        <a:solidFill>
+          <a:schemeClr val="tx2">
+            <a:lumMod val="60000"/>
+            <a:lumOff val="40000"/>
+          </a:schemeClr>
+        </a:solidFill>
+        <a:prstDash val="dash"/>
+      </a:ln>
+    </cs:spPr>
+  </cs:hiLoLine>
+  <cs:leaderLine>
+    <cs:lnRef idx="0"/>
+    <cs:fillRef idx="0"/>
+    <cs:effectRef idx="0"/>
+    <cs:fontRef idx="minor">
+      <a:schemeClr val="tx2"/>
+    </cs:fontRef>
+    <cs:spPr>
+      <a:ln w="9525">
+        <a:solidFill>
+          <a:schemeClr val="tx2">
+            <a:lumMod val="35000"/>
+            <a:lumOff val="65000"/>
+          </a:schemeClr>
+        </a:solidFill>
+      </a:ln>
+    </cs:spPr>
+  </cs:leaderLine>
+  <cs:legend>
+    <cs:lnRef idx="0"/>
+    <cs:fillRef idx="0"/>
+    <cs:effectRef idx="0"/>
+    <cs:fontRef idx="minor">
+      <a:schemeClr val="tx2"/>
+    </cs:fontRef>
+    <cs:defRPr sz="1197" kern="1200"/>
+  </cs:legend>
+  <cs:plotArea>
+    <cs:lnRef idx="0"/>
+    <cs:fillRef idx="0"/>
+    <cs:effectRef idx="0"/>
+    <cs:fontRef idx="minor">
+      <a:schemeClr val="tx2"/>
+    </cs:fontRef>
+  </cs:plotArea>
+  <cs:plotArea3D>
+    <cs:lnRef idx="0"/>
+    <cs:fillRef idx="0"/>
+    <cs:effectRef idx="0"/>
+    <cs:fontRef idx="minor">
+      <a:schemeClr val="tx2"/>
+    </cs:fontRef>
+  </cs:plotArea3D>
+  <cs:seriesAxis>
+    <cs:lnRef idx="0"/>
+    <cs:fillRef idx="0"/>
+    <cs:effectRef idx="0"/>
+    <cs:fontRef idx="minor">
+      <a:schemeClr val="tx2"/>
+    </cs:fontRef>
+    <cs:spPr>
+      <a:ln w="9525" cap="flat" cmpd="sng" algn="ctr">
+        <a:solidFill>
+          <a:schemeClr val="tx2">
+            <a:lumMod val="15000"/>
+            <a:lumOff val="85000"/>
+          </a:schemeClr>
+        </a:solidFill>
+        <a:round/>
+      </a:ln>
+    </cs:spPr>
+    <cs:defRPr sz="1197" kern="1200"/>
+  </cs:seriesAxis>
+  <cs:seriesLine>
+    <cs:lnRef idx="0"/>
+    <cs:fillRef idx="0"/>
+    <cs:effectRef idx="0"/>
+    <cs:fontRef idx="minor">
+      <a:schemeClr val="tx2"/>
+    </cs:fontRef>
+    <cs:spPr>
+      <a:ln w="9525">
+        <a:solidFill>
+          <a:schemeClr val="tx2">
+            <a:lumMod val="60000"/>
+            <a:lumOff val="40000"/>
+          </a:schemeClr>
+        </a:solidFill>
+        <a:prstDash val="dash"/>
+      </a:ln>
+    </cs:spPr>
+  </cs:seriesLine>
+  <cs:title>
+    <cs:lnRef idx="0"/>
+    <cs:fillRef idx="0"/>
+    <cs:effectRef idx="0"/>
+    <cs:fontRef idx="minor">
+      <a:schemeClr val="tx2"/>
+    </cs:fontRef>
+    <cs:defRPr sz="2128" b="1" kern="1200"/>
+  </cs:title>
+  <cs:trendline>
+    <cs:lnRef idx="0">
+      <cs:styleClr val="auto"/>
+    </cs:lnRef>
+    <cs:fillRef idx="0"/>
+    <cs:effectRef idx="0"/>
+    <cs:fontRef idx="minor">
+      <a:schemeClr val="tx2"/>
+    </cs:fontRef>
+    <cs:spPr>
+      <a:ln w="19050" cap="rnd">
+        <a:solidFill>
+          <a:schemeClr val="phClr"/>
+        </a:solidFill>
+        <a:prstDash val="sysDash"/>
+      </a:ln>
+    </cs:spPr>
+  </cs:trendline>
+  <cs:trendlineLabel>
+    <cs:lnRef idx="0"/>
+    <cs:fillRef idx="0"/>
+    <cs:effectRef idx="0"/>
+    <cs:fontRef idx="minor">
+      <a:schemeClr val="tx2"/>
+    </cs:fontRef>
+    <cs:defRPr sz="1197" kern="1200"/>
+  </cs:trendlineLabel>
+  <cs:upBar>
+    <cs:lnRef idx="0"/>
+    <cs:fillRef idx="0"/>
+    <cs:effectRef idx="0"/>
+    <cs:fontRef idx="minor">
+      <a:schemeClr val="tx2"/>
+    </cs:fontRef>
+    <cs:spPr>
+      <a:solidFill>
+        <a:schemeClr val="lt1"/>
+      </a:solidFill>
+      <a:ln w="9525">
+        <a:solidFill>
+          <a:schemeClr val="tx1">
+            <a:lumMod val="15000"/>
+            <a:lumOff val="85000"/>
+          </a:schemeClr>
+        </a:solidFill>
+      </a:ln>
+    </cs:spPr>
+  </cs:upBar>
+  <cs:valueAxis>
+    <cs:lnRef idx="0"/>
+    <cs:fillRef idx="0"/>
+    <cs:effectRef idx="0"/>
+    <cs:fontRef idx="minor">
+      <a:schemeClr val="tx2"/>
+    </cs:fontRef>
+    <cs:defRPr sz="1197" kern="1200"/>
+  </cs:valueAxis>
+  <cs:wall>
+    <cs:lnRef idx="0"/>
+    <cs:fillRef idx="0"/>
+    <cs:effectRef idx="0"/>
+    <cs:fontRef idx="minor">
+      <a:schemeClr val="tx2"/>
+    </cs:fontRef>
+  </cs:wall>
+</cs:chartStyle>
+</file>
+
+<file path=ppt/charts/style2.xml><?xml version="1.0" encoding="utf-8"?>
 <cs:chartStyle xmlns:cs="http://schemas.microsoft.com/office/drawing/2012/chartStyle" xmlns:a="http://schemas.openxmlformats.org/drawingml/2006/main" id="207">
   <cs:axisTitle>
     <cs:lnRef idx="0"/>
@@ -1977,17 +2835,16 @@
       </dgm:t>
     </dgm:pt>
     <dgm:pt modelId="{E4E9F0D0-FF23-4B59-9B97-973BCBE5DC65}">
-      <dgm:prSet phldrT="[Text]"/>
+      <dgm:prSet phldrT="[Text]" custT="1"/>
       <dgm:spPr/>
       <dgm:t>
         <a:bodyPr/>
         <a:lstStyle/>
         <a:p>
           <a:r>
-            <a:rPr lang="en-US"/>
-            <a:t>docker build –t lex13/&lt;service&gt;</a:t>
+            <a:rPr lang="en-US" sz="1100" dirty="0"/>
+            <a:t>docker build –t lex13/&lt;app&gt;</a:t>
           </a:r>
-          <a:endParaRPr lang="en-US" dirty="0"/>
         </a:p>
       </dgm:t>
       <dgm:extLst>
@@ -2019,17 +2876,20 @@
       </dgm:t>
     </dgm:pt>
     <dgm:pt modelId="{5248D9DA-6444-46F6-8D28-C8BB2253AAD1}">
-      <dgm:prSet phldrT="[Text]"/>
+      <dgm:prSet phldrT="[Text]" custT="1"/>
       <dgm:spPr/>
       <dgm:t>
         <a:bodyPr/>
         <a:lstStyle/>
         <a:p>
           <a:r>
-            <a:rPr lang="en-US"/>
-            <a:t>docker push lex13/&lt;service&gt;</a:t>
+            <a:rPr lang="en-US" sz="1100" dirty="0"/>
+            <a:t>docker</a:t>
           </a:r>
-          <a:endParaRPr lang="en-US" dirty="0"/>
+          <a:r>
+            <a:rPr lang="en-US" sz="1200" dirty="0"/>
+            <a:t> push lex13/&lt;app&gt;</a:t>
+          </a:r>
         </a:p>
       </dgm:t>
       <dgm:extLst>
@@ -2102,19 +2962,19 @@
       </dgm:t>
     </dgm:pt>
     <dgm:pt modelId="{3A9B5D84-CB00-4BC9-ADB2-5CF832F36763}">
-      <dgm:prSet phldrT="[Text]"/>
+      <dgm:prSet phldrT="[Text]" custT="1"/>
       <dgm:spPr/>
       <dgm:t>
         <a:bodyPr/>
         <a:lstStyle/>
         <a:p>
           <a:r>
-            <a:rPr lang="en-US" dirty="0" err="1"/>
+            <a:rPr lang="en-US" sz="1100" dirty="0" err="1"/>
             <a:t>kubectl</a:t>
           </a:r>
           <a:r>
-            <a:rPr lang="en-US" dirty="0"/>
-            <a:t> set image deployment/&lt;service&gt; container=lex13/&lt;service&gt;:latest</a:t>
+            <a:rPr lang="en-US" sz="1100" dirty="0"/>
+            <a:t> set image deployment/&lt;app&gt; container=lex13/&lt;app&gt;:latest</a:t>
           </a:r>
         </a:p>
       </dgm:t>
@@ -2206,7 +3066,7 @@
       <dgm:spPr/>
     </dgm:pt>
     <dgm:pt modelId="{610B5FFC-C0C9-444C-9F7A-14D1B54F604D}" type="pres">
-      <dgm:prSet presAssocID="{A6406C01-7E83-4650-8EF5-394419DCB348}" presName="childTextVisible" presStyleLbl="bgAccFollowNode1" presStyleIdx="0" presStyleCnt="3">
+      <dgm:prSet presAssocID="{A6406C01-7E83-4650-8EF5-394419DCB348}" presName="childTextVisible" presStyleLbl="bgAccFollowNode1" presStyleIdx="0" presStyleCnt="3" custScaleX="91642" custLinFactNeighborX="-2339">
         <dgm:presLayoutVars>
           <dgm:bulletEnabled val="1"/>
         </dgm:presLayoutVars>
@@ -2239,7 +3099,7 @@
       <dgm:spPr/>
     </dgm:pt>
     <dgm:pt modelId="{00D2DC2C-7CA2-4A4B-B66D-3DDCAB7DC8E9}" type="pres">
-      <dgm:prSet presAssocID="{5D952622-A79E-41E4-BBC2-6212DEFFA91C}" presName="childTextVisible" presStyleLbl="bgAccFollowNode1" presStyleIdx="1" presStyleCnt="3">
+      <dgm:prSet presAssocID="{5D952622-A79E-41E4-BBC2-6212DEFFA91C}" presName="childTextVisible" presStyleLbl="bgAccFollowNode1" presStyleIdx="1" presStyleCnt="3" custScaleX="96949" custLinFactNeighborX="-6130" custLinFactNeighborY="-698">
         <dgm:presLayoutVars>
           <dgm:bulletEnabled val="1"/>
         </dgm:presLayoutVars>
@@ -2251,7 +3111,7 @@
       <dgm:spPr/>
     </dgm:pt>
     <dgm:pt modelId="{EE8733A1-7662-4D0A-B39E-2218596CC81C}" type="pres">
-      <dgm:prSet presAssocID="{5D952622-A79E-41E4-BBC2-6212DEFFA91C}" presName="parentText" presStyleLbl="node1" presStyleIdx="1" presStyleCnt="3">
+      <dgm:prSet presAssocID="{5D952622-A79E-41E4-BBC2-6212DEFFA91C}" presName="parentText" presStyleLbl="node1" presStyleIdx="1" presStyleCnt="3" custLinFactNeighborX="-14416">
         <dgm:presLayoutVars>
           <dgm:chMax val="1"/>
           <dgm:bulletEnabled val="1"/>
@@ -2272,7 +3132,7 @@
       <dgm:spPr/>
     </dgm:pt>
     <dgm:pt modelId="{4BF699B1-BE15-42D1-9784-AA33CF29870E}" type="pres">
-      <dgm:prSet presAssocID="{50706FFE-8A00-485D-9FF7-8D310692C602}" presName="childTextVisible" presStyleLbl="bgAccFollowNode1" presStyleIdx="2" presStyleCnt="3">
+      <dgm:prSet presAssocID="{50706FFE-8A00-485D-9FF7-8D310692C602}" presName="childTextVisible" presStyleLbl="bgAccFollowNode1" presStyleIdx="2" presStyleCnt="3" custScaleX="135082">
         <dgm:presLayoutVars>
           <dgm:bulletEnabled val="1"/>
         </dgm:presLayoutVars>
@@ -2284,7 +3144,7 @@
       <dgm:spPr/>
     </dgm:pt>
     <dgm:pt modelId="{78E9A4E4-18A9-4B73-8007-A63A71C71937}" type="pres">
-      <dgm:prSet presAssocID="{50706FFE-8A00-485D-9FF7-8D310692C602}" presName="parentText" presStyleLbl="node1" presStyleIdx="2" presStyleCnt="3">
+      <dgm:prSet presAssocID="{50706FFE-8A00-485D-9FF7-8D310692C602}" presName="parentText" presStyleLbl="node1" presStyleIdx="2" presStyleCnt="3" custLinFactNeighborX="-20439" custLinFactNeighborY="-1277">
         <dgm:presLayoutVars>
           <dgm:chMax val="1"/>
           <dgm:bulletEnabled val="1"/>
@@ -2353,8 +3213,8 @@
       </dsp:nvSpPr>
       <dsp:spPr>
         <a:xfrm>
-          <a:off x="623515" y="823134"/>
-          <a:ext cx="2475309" cy="2163731"/>
+          <a:off x="703305" y="289297"/>
+          <a:ext cx="2400357" cy="2289577"/>
         </a:xfrm>
         <a:prstGeom prst="rightArrow">
           <a:avLst>
@@ -2400,12 +3260,12 @@
         <a:fontRef idx="minor"/>
       </dsp:style>
       <dsp:txBody>
-        <a:bodyPr spcFirstLastPara="0" vert="horz" wrap="square" lIns="15240" tIns="3810" rIns="7620" bIns="3810" numCol="1" spcCol="1270" anchor="ctr" anchorCtr="0">
+        <a:bodyPr spcFirstLastPara="0" vert="horz" wrap="square" lIns="27940" tIns="6985" rIns="13970" bIns="6985" numCol="1" spcCol="1270" anchor="ctr" anchorCtr="0">
           <a:noAutofit/>
         </a:bodyPr>
         <a:lstStyle/>
         <a:p>
-          <a:pPr marL="0" lvl="0" indent="0" algn="ctr" defTabSz="266700">
+          <a:pPr marL="0" lvl="0" indent="0" algn="ctr" defTabSz="488950">
             <a:lnSpc>
               <a:spcPct val="90000"/>
             </a:lnSpc>
@@ -2418,15 +3278,14 @@
             <a:buNone/>
           </a:pPr>
           <a:r>
-            <a:rPr lang="en-US" sz="600" kern="1200"/>
-            <a:t>docker build –t lex13/&lt;service&gt;</a:t>
+            <a:rPr lang="en-US" sz="1100" kern="1200" dirty="0"/>
+            <a:t>docker build –t lex13/&lt;app&gt;</a:t>
           </a:r>
-          <a:endParaRPr lang="en-US" sz="600" kern="1200" dirty="0"/>
         </a:p>
       </dsp:txBody>
       <dsp:txXfrm>
-        <a:off x="1242342" y="1147694"/>
-        <a:ext cx="1206713" cy="1514611"/>
+        <a:off x="1303395" y="632734"/>
+        <a:ext cx="1170174" cy="1602703"/>
       </dsp:txXfrm>
     </dsp:sp>
     <dsp:sp modelId="{47DA5750-48DC-4E4F-815D-0B05DBC30DAB}">
@@ -2436,8 +3295,8 @@
       </dsp:nvSpPr>
       <dsp:spPr>
         <a:xfrm>
-          <a:off x="4688" y="1286172"/>
-          <a:ext cx="1237654" cy="1237654"/>
+          <a:off x="291" y="779266"/>
+          <a:ext cx="1309638" cy="1309638"/>
         </a:xfrm>
         <a:prstGeom prst="ellipse">
           <a:avLst/>
@@ -2480,12 +3339,12 @@
         </a:fontRef>
       </dsp:style>
       <dsp:txBody>
-        <a:bodyPr spcFirstLastPara="0" vert="horz" wrap="square" lIns="12700" tIns="12700" rIns="12700" bIns="12700" numCol="1" spcCol="1270" anchor="ctr" anchorCtr="0">
+        <a:bodyPr spcFirstLastPara="0" vert="horz" wrap="square" lIns="13335" tIns="13335" rIns="13335" bIns="13335" numCol="1" spcCol="1270" anchor="ctr" anchorCtr="0">
           <a:noAutofit/>
         </a:bodyPr>
         <a:lstStyle/>
         <a:p>
-          <a:pPr marL="0" lvl="0" indent="0" algn="ctr" defTabSz="889000">
+          <a:pPr marL="0" lvl="0" indent="0" algn="ctr" defTabSz="933450">
             <a:lnSpc>
               <a:spcPct val="90000"/>
             </a:lnSpc>
@@ -2498,14 +3357,14 @@
             <a:buNone/>
           </a:pPr>
           <a:r>
-            <a:rPr lang="en-US" sz="2000" kern="1200" dirty="0"/>
+            <a:rPr lang="en-US" sz="2100" kern="1200" dirty="0"/>
             <a:t>Step 1 Build</a:t>
           </a:r>
         </a:p>
       </dsp:txBody>
       <dsp:txXfrm>
-        <a:off x="185938" y="1467422"/>
-        <a:ext cx="875154" cy="875154"/>
+        <a:off x="192083" y="971058"/>
+        <a:ext cx="926054" cy="926054"/>
       </dsp:txXfrm>
     </dsp:sp>
     <dsp:sp modelId="{00D2DC2C-7CA2-4A4B-B66D-3DDCAB7DC8E9}">
@@ -2515,8 +3374,8 @@
       </dsp:nvSpPr>
       <dsp:spPr>
         <a:xfrm>
-          <a:off x="3872358" y="823134"/>
-          <a:ext cx="2475309" cy="2163731"/>
+          <a:off x="3972307" y="273315"/>
+          <a:ext cx="2539362" cy="2289577"/>
         </a:xfrm>
         <a:prstGeom prst="rightArrow">
           <a:avLst>
@@ -2562,12 +3421,12 @@
         <a:fontRef idx="minor"/>
       </dsp:style>
       <dsp:txBody>
-        <a:bodyPr spcFirstLastPara="0" vert="horz" wrap="square" lIns="15240" tIns="3810" rIns="7620" bIns="3810" numCol="1" spcCol="1270" anchor="ctr" anchorCtr="0">
+        <a:bodyPr spcFirstLastPara="0" vert="horz" wrap="square" lIns="27940" tIns="6985" rIns="13970" bIns="6985" numCol="1" spcCol="1270" anchor="ctr" anchorCtr="0">
           <a:noAutofit/>
         </a:bodyPr>
         <a:lstStyle/>
         <a:p>
-          <a:pPr marL="0" lvl="0" indent="0" algn="ctr" defTabSz="266700">
+          <a:pPr marL="0" lvl="0" indent="0" algn="ctr" defTabSz="488950">
             <a:lnSpc>
               <a:spcPct val="90000"/>
             </a:lnSpc>
@@ -2580,15 +3439,18 @@
             <a:buNone/>
           </a:pPr>
           <a:r>
-            <a:rPr lang="en-US" sz="600" kern="1200"/>
-            <a:t>docker push lex13/&lt;service&gt;</a:t>
+            <a:rPr lang="en-US" sz="1100" kern="1200" dirty="0"/>
+            <a:t>docker</a:t>
           </a:r>
-          <a:endParaRPr lang="en-US" sz="600" kern="1200" dirty="0"/>
+          <a:r>
+            <a:rPr lang="en-US" sz="1200" kern="1200" dirty="0"/>
+            <a:t> push lex13/&lt;app&gt;</a:t>
+          </a:r>
         </a:p>
       </dsp:txBody>
       <dsp:txXfrm>
-        <a:off x="4491186" y="1147694"/>
-        <a:ext cx="1206713" cy="1514611"/>
+        <a:off x="4607148" y="616752"/>
+        <a:ext cx="1237939" cy="1602703"/>
       </dsp:txXfrm>
     </dsp:sp>
     <dsp:sp modelId="{EE8733A1-7662-4D0A-B39E-2218596CC81C}">
@@ -2598,8 +3460,8 @@
       </dsp:nvSpPr>
       <dsp:spPr>
         <a:xfrm>
-          <a:off x="3253531" y="1286172"/>
-          <a:ext cx="1237654" cy="1237654"/>
+          <a:off x="3249295" y="779266"/>
+          <a:ext cx="1309638" cy="1309638"/>
         </a:xfrm>
         <a:prstGeom prst="ellipse">
           <a:avLst/>
@@ -2642,12 +3504,12 @@
         </a:fontRef>
       </dsp:style>
       <dsp:txBody>
-        <a:bodyPr spcFirstLastPara="0" vert="horz" wrap="square" lIns="12700" tIns="12700" rIns="12700" bIns="12700" numCol="1" spcCol="1270" anchor="ctr" anchorCtr="0">
+        <a:bodyPr spcFirstLastPara="0" vert="horz" wrap="square" lIns="13335" tIns="13335" rIns="13335" bIns="13335" numCol="1" spcCol="1270" anchor="ctr" anchorCtr="0">
           <a:noAutofit/>
         </a:bodyPr>
         <a:lstStyle/>
         <a:p>
-          <a:pPr marL="0" lvl="0" indent="0" algn="ctr" defTabSz="889000">
+          <a:pPr marL="0" lvl="0" indent="0" algn="ctr" defTabSz="933450">
             <a:lnSpc>
               <a:spcPct val="90000"/>
             </a:lnSpc>
@@ -2660,14 +3522,14 @@
             <a:buNone/>
           </a:pPr>
           <a:r>
-            <a:rPr lang="en-US" sz="2000" kern="1200" dirty="0"/>
+            <a:rPr lang="en-US" sz="2100" kern="1200" dirty="0"/>
             <a:t>Step 2 Push</a:t>
           </a:r>
         </a:p>
       </dsp:txBody>
       <dsp:txXfrm>
-        <a:off x="3434781" y="1467422"/>
-        <a:ext cx="875154" cy="875154"/>
+        <a:off x="3441087" y="971058"/>
+        <a:ext cx="926054" cy="926054"/>
       </dsp:txXfrm>
     </dsp:sp>
     <dsp:sp modelId="{4BF699B1-BE15-42D1-9784-AA33CF29870E}">
@@ -2677,8 +3539,8 @@
       </dsp:nvSpPr>
       <dsp:spPr>
         <a:xfrm>
-          <a:off x="7121202" y="823134"/>
-          <a:ext cx="2475309" cy="2163731"/>
+          <a:off x="7071265" y="289297"/>
+          <a:ext cx="3538171" cy="2289577"/>
         </a:xfrm>
         <a:prstGeom prst="rightArrow">
           <a:avLst>
@@ -2724,12 +3586,12 @@
         <a:fontRef idx="minor"/>
       </dsp:style>
       <dsp:txBody>
-        <a:bodyPr spcFirstLastPara="0" vert="horz" wrap="square" lIns="15240" tIns="3810" rIns="7620" bIns="3810" numCol="1" spcCol="1270" anchor="ctr" anchorCtr="0">
+        <a:bodyPr spcFirstLastPara="0" vert="horz" wrap="square" lIns="27940" tIns="6985" rIns="13970" bIns="6985" numCol="1" spcCol="1270" anchor="ctr" anchorCtr="0">
           <a:noAutofit/>
         </a:bodyPr>
         <a:lstStyle/>
         <a:p>
-          <a:pPr marL="0" lvl="0" indent="0" algn="ctr" defTabSz="266700">
+          <a:pPr marL="0" lvl="0" indent="0" algn="ctr" defTabSz="488950">
             <a:lnSpc>
               <a:spcPct val="90000"/>
             </a:lnSpc>
@@ -2742,18 +3604,18 @@
             <a:buNone/>
           </a:pPr>
           <a:r>
-            <a:rPr lang="en-US" sz="600" kern="1200" dirty="0" err="1"/>
+            <a:rPr lang="en-US" sz="1100" kern="1200" dirty="0" err="1"/>
             <a:t>kubectl</a:t>
           </a:r>
           <a:r>
-            <a:rPr lang="en-US" sz="600" kern="1200" dirty="0"/>
-            <a:t> set image deployment/&lt;service&gt; container=lex13/&lt;service&gt;:latest</a:t>
+            <a:rPr lang="en-US" sz="1100" kern="1200" dirty="0"/>
+            <a:t> set image deployment/&lt;app&gt; container=lex13/&lt;app&gt;:latest</a:t>
           </a:r>
         </a:p>
       </dsp:txBody>
       <dsp:txXfrm>
-        <a:off x="7740029" y="1147694"/>
-        <a:ext cx="1206713" cy="1514611"/>
+        <a:off x="7955808" y="632734"/>
+        <a:ext cx="1852276" cy="1602703"/>
       </dsp:txXfrm>
     </dsp:sp>
     <dsp:sp modelId="{78E9A4E4-18A9-4B73-8007-A63A71C71937}">
@@ -2763,8 +3625,8 @@
       </dsp:nvSpPr>
       <dsp:spPr>
         <a:xfrm>
-          <a:off x="6502375" y="1286172"/>
-          <a:ext cx="1237654" cy="1237654"/>
+          <a:off x="6608216" y="762542"/>
+          <a:ext cx="1309638" cy="1309638"/>
         </a:xfrm>
         <a:prstGeom prst="ellipse">
           <a:avLst/>
@@ -2807,12 +3669,12 @@
         </a:fontRef>
       </dsp:style>
       <dsp:txBody>
-        <a:bodyPr spcFirstLastPara="0" vert="horz" wrap="square" lIns="12700" tIns="12700" rIns="12700" bIns="12700" numCol="1" spcCol="1270" anchor="ctr" anchorCtr="0">
+        <a:bodyPr spcFirstLastPara="0" vert="horz" wrap="square" lIns="13335" tIns="13335" rIns="13335" bIns="13335" numCol="1" spcCol="1270" anchor="ctr" anchorCtr="0">
           <a:noAutofit/>
         </a:bodyPr>
         <a:lstStyle/>
         <a:p>
-          <a:pPr marL="0" lvl="0" indent="0" algn="ctr" defTabSz="889000">
+          <a:pPr marL="0" lvl="0" indent="0" algn="ctr" defTabSz="933450">
             <a:lnSpc>
               <a:spcPct val="90000"/>
             </a:lnSpc>
@@ -2825,14 +3687,14 @@
             <a:buNone/>
           </a:pPr>
           <a:r>
-            <a:rPr lang="en-US" sz="2000" kern="1200" dirty="0"/>
+            <a:rPr lang="en-US" sz="2100" kern="1200" dirty="0"/>
             <a:t>Step 3 Update</a:t>
           </a:r>
         </a:p>
       </dsp:txBody>
       <dsp:txXfrm>
-        <a:off x="6683625" y="1467422"/>
-        <a:ext cx="875154" cy="875154"/>
+        <a:off x="6800008" y="954334"/>
+        <a:ext cx="926054" cy="926054"/>
       </dsp:txXfrm>
     </dsp:sp>
   </dsp:spTree>
@@ -19301,7 +20163,9 @@
         </p:nvSpPr>
         <p:spPr/>
         <p:txBody>
-          <a:bodyPr anchor="ctr"/>
+          <a:bodyPr anchor="ctr">
+            <a:normAutofit/>
+          </a:bodyPr>
           <a:lstStyle/>
           <a:p>
             <a:r>
@@ -19312,7 +20176,7 @@
           <a:p>
             <a:r>
               <a:rPr lang="en-US" dirty="0"/>
-              <a:t>Handles session authentication</a:t>
+              <a:t>Auth Micro-App handles session authentication</a:t>
             </a:r>
           </a:p>
           <a:p>
@@ -19324,7 +20188,7 @@
           <a:p>
             <a:r>
               <a:rPr lang="en-US" dirty="0"/>
-              <a:t>Don’t do business logic other than basic validation</a:t>
+              <a:t>Doesn’t do business logic other than basic validation</a:t>
             </a:r>
           </a:p>
           <a:p>
@@ -19482,19 +20346,19 @@
           <a:p>
             <a:r>
               <a:rPr lang="en-US" dirty="0"/>
-              <a:t>Don’t trim data to suit clients</a:t>
+              <a:t>Doesn’t trim data to suit clients</a:t>
             </a:r>
           </a:p>
           <a:p>
             <a:r>
               <a:rPr lang="en-US" dirty="0"/>
-              <a:t>Preforms business logic but no formatting or localization</a:t>
+              <a:t>Preforms business logic but doesn’t format or localize</a:t>
             </a:r>
           </a:p>
           <a:p>
             <a:r>
               <a:rPr lang="en-US" dirty="0"/>
-              <a:t>Utilized service discovery</a:t>
+              <a:t>Utilizes service discovery</a:t>
             </a:r>
           </a:p>
         </p:txBody>
@@ -20075,7 +20939,7 @@
             </a:pPr>
             <a:r>
               <a:rPr lang="en-US" dirty="0"/>
-              <a:t>Memory</a:t>
+              <a:t>Memory And Latency</a:t>
             </a:r>
           </a:p>
           <a:p>
@@ -20086,16 +20950,6 @@
             <a:r>
               <a:rPr lang="en-US" dirty="0"/>
               <a:t>Cost</a:t>
-            </a:r>
-          </a:p>
-          <a:p>
-            <a:pPr marL="285750" indent="-285750">
-              <a:buFont typeface="Arial" panose="020B0604020202020204" pitchFamily="34" charset="0"/>
-              <a:buChar char="•"/>
-            </a:pPr>
-            <a:r>
-              <a:rPr lang="en-US" dirty="0"/>
-              <a:t>Individual Development</a:t>
             </a:r>
           </a:p>
           <a:p>
@@ -20185,7 +21039,7 @@
           <a:p>
             <a:r>
               <a:rPr lang="en-US" dirty="0"/>
-              <a:t>Research</a:t>
+              <a:t>Research: Analyzing Languages</a:t>
             </a:r>
           </a:p>
         </p:txBody>
@@ -20213,13 +21067,13 @@
           <a:p>
             <a:r>
               <a:rPr lang="en-US" dirty="0"/>
-              <a:t>Initial research lead to believe that Java and JavaScript perform poorly</a:t>
+              <a:t>Initial research led to believe that Java, and JavaScript, would always perform poorly in comparison to other languages</a:t>
             </a:r>
           </a:p>
           <a:p>
             <a:r>
               <a:rPr lang="en-US" dirty="0"/>
-              <a:t>On computer vs </a:t>
+              <a:t>Had to consider full JVM environment vs </a:t>
             </a:r>
             <a:r>
               <a:rPr lang="en-US" dirty="0" err="1"/>
@@ -20227,13 +21081,13 @@
             </a:r>
             <a:r>
               <a:rPr lang="en-US" dirty="0"/>
-              <a:t> image</a:t>
+              <a:t> image environment</a:t>
             </a:r>
           </a:p>
           <a:p>
             <a:r>
               <a:rPr lang="en-US" dirty="0"/>
-              <a:t>Base Java vs Java with an additional framework</a:t>
+              <a:t>Had to consider bare-bones Java vs Java with an additional framework</a:t>
             </a:r>
           </a:p>
           <a:p>
@@ -20267,8 +21121,8 @@
         </p:blipFill>
         <p:spPr>
           <a:xfrm>
-            <a:off x="6096000" y="2573619"/>
-            <a:ext cx="5443778" cy="2362592"/>
+            <a:off x="6096000" y="2220700"/>
+            <a:ext cx="5568221" cy="2416600"/>
           </a:xfrm>
         </p:spPr>
       </p:pic>
@@ -20337,7 +21191,7 @@
           <a:p>
             <a:r>
               <a:rPr lang="en-US" dirty="0"/>
-              <a:t>Memory</a:t>
+              <a:t>Memory And Latency</a:t>
             </a:r>
           </a:p>
         </p:txBody>
@@ -20358,14 +21212,14 @@
             <p:ph sz="half" idx="1"/>
             <p:extLst>
               <p:ext uri="{D42A27DB-BD31-4B8C-83A1-F6EECF244321}">
-                <p14:modId xmlns:p14="http://schemas.microsoft.com/office/powerpoint/2010/main" val="3551792890"/>
+                <p14:modId xmlns:p14="http://schemas.microsoft.com/office/powerpoint/2010/main" val="1668469870"/>
               </p:ext>
             </p:extLst>
           </p:nvPr>
         </p:nvGraphicFramePr>
         <p:xfrm>
-          <a:off x="1295400" y="1981200"/>
-          <a:ext cx="4572000" cy="3810000"/>
+          <a:off x="1712260" y="1720197"/>
+          <a:ext cx="4278406" cy="2940424"/>
         </p:xfrm>
         <a:graphic>
           <a:graphicData uri="http://schemas.openxmlformats.org/drawingml/2006/chart">
@@ -20373,28 +21227,664 @@
           </a:graphicData>
         </a:graphic>
       </p:graphicFrame>
-      <p:sp>
-        <p:nvSpPr>
-          <p:cNvPr id="4" name="Content Placeholder 3">
+      <p:graphicFrame>
+        <p:nvGraphicFramePr>
+          <p:cNvPr id="10" name="Content Placeholder 9">
             <a:extLst>
               <a:ext uri="{FF2B5EF4-FFF2-40B4-BE49-F238E27FC236}">
-                <a16:creationId xmlns:a16="http://schemas.microsoft.com/office/drawing/2014/main" id="{F0F4E28F-2623-4B4C-88E1-DCD9BB324B87}"/>
+                <a16:creationId xmlns:a16="http://schemas.microsoft.com/office/drawing/2014/main" id="{307222C7-B381-4A39-BA78-45E14BD9B7F5}"/>
               </a:ext>
             </a:extLst>
           </p:cNvPr>
-          <p:cNvSpPr>
-            <a:spLocks noGrp="1"/>
-          </p:cNvSpPr>
+          <p:cNvGraphicFramePr>
+            <a:graphicFrameLocks noGrp="1"/>
+          </p:cNvGraphicFramePr>
           <p:nvPr>
             <p:ph sz="half" idx="2"/>
+            <p:extLst>
+              <p:ext uri="{D42A27DB-BD31-4B8C-83A1-F6EECF244321}">
+                <p14:modId xmlns:p14="http://schemas.microsoft.com/office/powerpoint/2010/main" val="67254365"/>
+              </p:ext>
+            </p:extLst>
           </p:nvPr>
+        </p:nvGraphicFramePr>
+        <p:xfrm>
+          <a:off x="5990666" y="1729978"/>
+          <a:ext cx="4491316" cy="3004601"/>
+        </p:xfrm>
+        <a:graphic>
+          <a:graphicData uri="http://schemas.openxmlformats.org/drawingml/2006/chart">
+            <c:chart xmlns:c="http://schemas.openxmlformats.org/drawingml/2006/chart" xmlns:r="http://schemas.openxmlformats.org/officeDocument/2006/relationships" r:id="rId3"/>
+          </a:graphicData>
+        </a:graphic>
+      </p:graphicFrame>
+      <p:graphicFrame>
+        <p:nvGraphicFramePr>
+          <p:cNvPr id="5" name="Table 4">
+            <a:extLst>
+              <a:ext uri="{FF2B5EF4-FFF2-40B4-BE49-F238E27FC236}">
+                <a16:creationId xmlns:a16="http://schemas.microsoft.com/office/drawing/2014/main" id="{FE838DC3-14A5-4658-BFEA-B4349FF2077E}"/>
+              </a:ext>
+            </a:extLst>
+          </p:cNvPr>
+          <p:cNvGraphicFramePr>
+            <a:graphicFrameLocks noGrp="1"/>
+          </p:cNvGraphicFramePr>
+          <p:nvPr>
+            <p:extLst>
+              <p:ext uri="{D42A27DB-BD31-4B8C-83A1-F6EECF244321}">
+                <p14:modId xmlns:p14="http://schemas.microsoft.com/office/powerpoint/2010/main" val="3202318192"/>
+              </p:ext>
+            </p:extLst>
+          </p:nvPr>
+        </p:nvGraphicFramePr>
+        <p:xfrm>
+          <a:off x="2606487" y="4734579"/>
+          <a:ext cx="6979025" cy="1371600"/>
+        </p:xfrm>
+        <a:graphic>
+          <a:graphicData uri="http://schemas.openxmlformats.org/drawingml/2006/table">
+            <a:tbl>
+              <a:tblPr firstRow="1" bandRow="1">
+                <a:tableStyleId>{BC89EF96-8CEA-46FF-86C4-4CE0E7609802}</a:tableStyleId>
+              </a:tblPr>
+              <a:tblGrid>
+                <a:gridCol w="1395805">
+                  <a:extLst>
+                    <a:ext uri="{9D8B030D-6E8A-4147-A177-3AD203B41FA5}">
+                      <a16:colId xmlns:a16="http://schemas.microsoft.com/office/drawing/2014/main" val="210983497"/>
+                    </a:ext>
+                  </a:extLst>
+                </a:gridCol>
+                <a:gridCol w="1395805">
+                  <a:extLst>
+                    <a:ext uri="{9D8B030D-6E8A-4147-A177-3AD203B41FA5}">
+                      <a16:colId xmlns:a16="http://schemas.microsoft.com/office/drawing/2014/main" val="3825726241"/>
+                    </a:ext>
+                  </a:extLst>
+                </a:gridCol>
+                <a:gridCol w="1395805">
+                  <a:extLst>
+                    <a:ext uri="{9D8B030D-6E8A-4147-A177-3AD203B41FA5}">
+                      <a16:colId xmlns:a16="http://schemas.microsoft.com/office/drawing/2014/main" val="2292784902"/>
+                    </a:ext>
+                  </a:extLst>
+                </a:gridCol>
+                <a:gridCol w="1395805">
+                  <a:extLst>
+                    <a:ext uri="{9D8B030D-6E8A-4147-A177-3AD203B41FA5}">
+                      <a16:colId xmlns:a16="http://schemas.microsoft.com/office/drawing/2014/main" val="1970105360"/>
+                    </a:ext>
+                  </a:extLst>
+                </a:gridCol>
+                <a:gridCol w="1395805">
+                  <a:extLst>
+                    <a:ext uri="{9D8B030D-6E8A-4147-A177-3AD203B41FA5}">
+                      <a16:colId xmlns:a16="http://schemas.microsoft.com/office/drawing/2014/main" val="588332978"/>
+                    </a:ext>
+                  </a:extLst>
+                </a:gridCol>
+              </a:tblGrid>
+              <a:tr h="253291">
+                <a:tc>
+                  <a:txBody>
+                    <a:bodyPr/>
+                    <a:lstStyle/>
+                    <a:p>
+                      <a:r>
+                        <a:rPr lang="en-US" sz="1200" dirty="0"/>
+                        <a:t>Memory Usage</a:t>
+                      </a:r>
+                    </a:p>
+                  </a:txBody>
+                  <a:tcPr/>
+                </a:tc>
+                <a:tc>
+                  <a:txBody>
+                    <a:bodyPr/>
+                    <a:lstStyle/>
+                    <a:p>
+                      <a:r>
+                        <a:rPr lang="en-US" sz="1200" dirty="0"/>
+                        <a:t>Runtime Speed</a:t>
+                      </a:r>
+                    </a:p>
+                  </a:txBody>
+                  <a:tcPr/>
+                </a:tc>
+                <a:tc>
+                  <a:txBody>
+                    <a:bodyPr/>
+                    <a:lstStyle/>
+                    <a:p>
+                      <a:r>
+                        <a:rPr lang="en-US" sz="1200" dirty="0"/>
+                        <a:t>Language</a:t>
+                      </a:r>
+                    </a:p>
+                  </a:txBody>
+                  <a:tcPr>
+                    <a:solidFill>
+                      <a:schemeClr val="accent1">
+                        <a:lumMod val="60000"/>
+                        <a:lumOff val="40000"/>
+                      </a:schemeClr>
+                    </a:solidFill>
+                  </a:tcPr>
+                </a:tc>
+                <a:tc>
+                  <a:txBody>
+                    <a:bodyPr/>
+                    <a:lstStyle/>
+                    <a:p>
+                      <a:r>
+                        <a:rPr lang="en-US" sz="1200" dirty="0"/>
+                        <a:t>Memory Usage</a:t>
+                      </a:r>
+                    </a:p>
+                  </a:txBody>
+                  <a:tcPr/>
+                </a:tc>
+                <a:tc>
+                  <a:txBody>
+                    <a:bodyPr/>
+                    <a:lstStyle/>
+                    <a:p>
+                      <a:r>
+                        <a:rPr lang="en-US" sz="1200" dirty="0"/>
+                        <a:t>Runtime Speed</a:t>
+                      </a:r>
+                    </a:p>
+                  </a:txBody>
+                  <a:tcPr/>
+                </a:tc>
+                <a:extLst>
+                  <a:ext uri="{0D108BD9-81ED-4DB2-BD59-A6C34878D82A}">
+                    <a16:rowId xmlns:a16="http://schemas.microsoft.com/office/drawing/2014/main" val="281479199"/>
+                  </a:ext>
+                </a:extLst>
+              </a:tr>
+              <a:tr h="259407">
+                <a:tc>
+                  <a:txBody>
+                    <a:bodyPr/>
+                    <a:lstStyle/>
+                    <a:p>
+                      <a:r>
+                        <a:rPr lang="en-US" sz="1200" dirty="0"/>
+                        <a:t>High</a:t>
+                      </a:r>
+                    </a:p>
+                  </a:txBody>
+                  <a:tcPr/>
+                </a:tc>
+                <a:tc>
+                  <a:txBody>
+                    <a:bodyPr/>
+                    <a:lstStyle/>
+                    <a:p>
+                      <a:r>
+                        <a:rPr lang="en-US" sz="1200" dirty="0"/>
+                        <a:t>Slow</a:t>
+                      </a:r>
+                    </a:p>
+                  </a:txBody>
+                  <a:tcPr>
+                    <a:solidFill>
+                      <a:schemeClr val="accent4">
+                        <a:lumMod val="60000"/>
+                        <a:lumOff val="40000"/>
+                      </a:schemeClr>
+                    </a:solidFill>
+                  </a:tcPr>
+                </a:tc>
+                <a:tc>
+                  <a:txBody>
+                    <a:bodyPr/>
+                    <a:lstStyle/>
+                    <a:p>
+                      <a:r>
+                        <a:rPr lang="en-US" sz="1200" dirty="0"/>
+                        <a:t>Java</a:t>
+                      </a:r>
+                    </a:p>
+                  </a:txBody>
+                  <a:tcPr>
+                    <a:solidFill>
+                      <a:schemeClr val="accent1">
+                        <a:lumMod val="60000"/>
+                        <a:lumOff val="40000"/>
+                      </a:schemeClr>
+                    </a:solidFill>
+                  </a:tcPr>
+                </a:tc>
+                <a:tc>
+                  <a:txBody>
+                    <a:bodyPr/>
+                    <a:lstStyle/>
+                    <a:p>
+                      <a:r>
+                        <a:rPr lang="en-US" sz="1200" dirty="0"/>
+                        <a:t>High</a:t>
+                      </a:r>
+                    </a:p>
+                  </a:txBody>
+                  <a:tcPr/>
+                </a:tc>
+                <a:tc>
+                  <a:txBody>
+                    <a:bodyPr/>
+                    <a:lstStyle/>
+                    <a:p>
+                      <a:r>
+                        <a:rPr lang="en-US" sz="1200" dirty="0"/>
+                        <a:t>Fast</a:t>
+                      </a:r>
+                    </a:p>
+                  </a:txBody>
+                  <a:tcPr>
+                    <a:solidFill>
+                      <a:schemeClr val="accent4">
+                        <a:lumMod val="60000"/>
+                        <a:lumOff val="40000"/>
+                      </a:schemeClr>
+                    </a:solidFill>
+                  </a:tcPr>
+                </a:tc>
+                <a:extLst>
+                  <a:ext uri="{0D108BD9-81ED-4DB2-BD59-A6C34878D82A}">
+                    <a16:rowId xmlns:a16="http://schemas.microsoft.com/office/drawing/2014/main" val="1606916880"/>
+                  </a:ext>
+                </a:extLst>
+              </a:tr>
+              <a:tr h="259407">
+                <a:tc>
+                  <a:txBody>
+                    <a:bodyPr/>
+                    <a:lstStyle/>
+                    <a:p>
+                      <a:r>
+                        <a:rPr lang="en-US" sz="1200" dirty="0"/>
+                        <a:t>Low</a:t>
+                      </a:r>
+                    </a:p>
+                  </a:txBody>
+                  <a:tcPr/>
+                </a:tc>
+                <a:tc>
+                  <a:txBody>
+                    <a:bodyPr/>
+                    <a:lstStyle/>
+                    <a:p>
+                      <a:r>
+                        <a:rPr lang="en-US" sz="1200" dirty="0"/>
+                        <a:t>Fast</a:t>
+                      </a:r>
+                    </a:p>
+                  </a:txBody>
+                  <a:tcPr/>
+                </a:tc>
+                <a:tc>
+                  <a:txBody>
+                    <a:bodyPr/>
+                    <a:lstStyle/>
+                    <a:p>
+                      <a:r>
+                        <a:rPr lang="en-US" sz="1200" dirty="0"/>
+                        <a:t>C++</a:t>
+                      </a:r>
+                    </a:p>
+                  </a:txBody>
+                  <a:tcPr>
+                    <a:solidFill>
+                      <a:schemeClr val="accent1">
+                        <a:lumMod val="60000"/>
+                        <a:lumOff val="40000"/>
+                      </a:schemeClr>
+                    </a:solidFill>
+                  </a:tcPr>
+                </a:tc>
+                <a:tc>
+                  <a:txBody>
+                    <a:bodyPr/>
+                    <a:lstStyle/>
+                    <a:p>
+                      <a:r>
+                        <a:rPr lang="en-US" sz="1200" dirty="0"/>
+                        <a:t>Low</a:t>
+                      </a:r>
+                    </a:p>
+                  </a:txBody>
+                  <a:tcPr/>
+                </a:tc>
+                <a:tc>
+                  <a:txBody>
+                    <a:bodyPr/>
+                    <a:lstStyle/>
+                    <a:p>
+                      <a:r>
+                        <a:rPr lang="en-US" sz="1200" dirty="0"/>
+                        <a:t>Fast</a:t>
+                      </a:r>
+                    </a:p>
+                  </a:txBody>
+                  <a:tcPr/>
+                </a:tc>
+                <a:extLst>
+                  <a:ext uri="{0D108BD9-81ED-4DB2-BD59-A6C34878D82A}">
+                    <a16:rowId xmlns:a16="http://schemas.microsoft.com/office/drawing/2014/main" val="2301495106"/>
+                  </a:ext>
+                </a:extLst>
+              </a:tr>
+              <a:tr h="259407">
+                <a:tc>
+                  <a:txBody>
+                    <a:bodyPr/>
+                    <a:lstStyle/>
+                    <a:p>
+                      <a:r>
+                        <a:rPr lang="en-US" sz="1200" dirty="0"/>
+                        <a:t>Low</a:t>
+                      </a:r>
+                    </a:p>
+                  </a:txBody>
+                  <a:tcPr>
+                    <a:solidFill>
+                      <a:schemeClr val="accent4">
+                        <a:lumMod val="60000"/>
+                        <a:lumOff val="40000"/>
+                      </a:schemeClr>
+                    </a:solidFill>
+                  </a:tcPr>
+                </a:tc>
+                <a:tc>
+                  <a:txBody>
+                    <a:bodyPr/>
+                    <a:lstStyle/>
+                    <a:p>
+                      <a:r>
+                        <a:rPr lang="en-US" sz="1200" dirty="0"/>
+                        <a:t>Medium</a:t>
+                      </a:r>
+                    </a:p>
+                  </a:txBody>
+                  <a:tcPr/>
+                </a:tc>
+                <a:tc>
+                  <a:txBody>
+                    <a:bodyPr/>
+                    <a:lstStyle/>
+                    <a:p>
+                      <a:r>
+                        <a:rPr lang="en-US" sz="1200" dirty="0"/>
+                        <a:t>Python</a:t>
+                      </a:r>
+                    </a:p>
+                  </a:txBody>
+                  <a:tcPr>
+                    <a:solidFill>
+                      <a:schemeClr val="accent1">
+                        <a:lumMod val="60000"/>
+                        <a:lumOff val="40000"/>
+                      </a:schemeClr>
+                    </a:solidFill>
+                  </a:tcPr>
+                </a:tc>
+                <a:tc>
+                  <a:txBody>
+                    <a:bodyPr/>
+                    <a:lstStyle/>
+                    <a:p>
+                      <a:r>
+                        <a:rPr lang="en-US" sz="1200" dirty="0"/>
+                        <a:t>Medium</a:t>
+                      </a:r>
+                    </a:p>
+                  </a:txBody>
+                  <a:tcPr>
+                    <a:solidFill>
+                      <a:schemeClr val="accent4">
+                        <a:lumMod val="60000"/>
+                        <a:lumOff val="40000"/>
+                      </a:schemeClr>
+                    </a:solidFill>
+                  </a:tcPr>
+                </a:tc>
+                <a:tc>
+                  <a:txBody>
+                    <a:bodyPr/>
+                    <a:lstStyle/>
+                    <a:p>
+                      <a:r>
+                        <a:rPr lang="en-US" sz="1200" dirty="0"/>
+                        <a:t>Medium</a:t>
+                      </a:r>
+                    </a:p>
+                  </a:txBody>
+                  <a:tcPr/>
+                </a:tc>
+                <a:extLst>
+                  <a:ext uri="{0D108BD9-81ED-4DB2-BD59-A6C34878D82A}">
+                    <a16:rowId xmlns:a16="http://schemas.microsoft.com/office/drawing/2014/main" val="2142034338"/>
+                  </a:ext>
+                </a:extLst>
+              </a:tr>
+              <a:tr h="259407">
+                <a:tc>
+                  <a:txBody>
+                    <a:bodyPr/>
+                    <a:lstStyle/>
+                    <a:p>
+                      <a:r>
+                        <a:rPr lang="en-US" sz="1200" dirty="0"/>
+                        <a:t>Medium</a:t>
+                      </a:r>
+                    </a:p>
+                  </a:txBody>
+                  <a:tcPr>
+                    <a:solidFill>
+                      <a:schemeClr val="accent4">
+                        <a:lumMod val="60000"/>
+                        <a:lumOff val="40000"/>
+                      </a:schemeClr>
+                    </a:solidFill>
+                  </a:tcPr>
+                </a:tc>
+                <a:tc>
+                  <a:txBody>
+                    <a:bodyPr/>
+                    <a:lstStyle/>
+                    <a:p>
+                      <a:r>
+                        <a:rPr lang="en-US" sz="1200" dirty="0"/>
+                        <a:t>Slow</a:t>
+                      </a:r>
+                    </a:p>
+                  </a:txBody>
+                  <a:tcPr>
+                    <a:solidFill>
+                      <a:schemeClr val="accent4">
+                        <a:lumMod val="60000"/>
+                        <a:lumOff val="40000"/>
+                      </a:schemeClr>
+                    </a:solidFill>
+                  </a:tcPr>
+                </a:tc>
+                <a:tc>
+                  <a:txBody>
+                    <a:bodyPr/>
+                    <a:lstStyle/>
+                    <a:p>
+                      <a:r>
+                        <a:rPr lang="en-US" sz="1200" dirty="0"/>
+                        <a:t>JavaScript</a:t>
+                      </a:r>
+                    </a:p>
+                  </a:txBody>
+                  <a:tcPr>
+                    <a:solidFill>
+                      <a:schemeClr val="accent1">
+                        <a:lumMod val="60000"/>
+                        <a:lumOff val="40000"/>
+                      </a:schemeClr>
+                    </a:solidFill>
+                  </a:tcPr>
+                </a:tc>
+                <a:tc>
+                  <a:txBody>
+                    <a:bodyPr/>
+                    <a:lstStyle/>
+                    <a:p>
+                      <a:r>
+                        <a:rPr lang="en-US" sz="1200" dirty="0"/>
+                        <a:t>Low</a:t>
+                      </a:r>
+                    </a:p>
+                  </a:txBody>
+                  <a:tcPr>
+                    <a:solidFill>
+                      <a:schemeClr val="accent4">
+                        <a:lumMod val="60000"/>
+                        <a:lumOff val="40000"/>
+                      </a:schemeClr>
+                    </a:solidFill>
+                  </a:tcPr>
+                </a:tc>
+                <a:tc>
+                  <a:txBody>
+                    <a:bodyPr/>
+                    <a:lstStyle/>
+                    <a:p>
+                      <a:r>
+                        <a:rPr lang="en-US" sz="1200" dirty="0"/>
+                        <a:t>Fast</a:t>
+                      </a:r>
+                    </a:p>
+                  </a:txBody>
+                  <a:tcPr>
+                    <a:solidFill>
+                      <a:schemeClr val="accent4">
+                        <a:lumMod val="60000"/>
+                        <a:lumOff val="40000"/>
+                      </a:schemeClr>
+                    </a:solidFill>
+                  </a:tcPr>
+                </a:tc>
+                <a:extLst>
+                  <a:ext uri="{0D108BD9-81ED-4DB2-BD59-A6C34878D82A}">
+                    <a16:rowId xmlns:a16="http://schemas.microsoft.com/office/drawing/2014/main" val="1873789139"/>
+                  </a:ext>
+                </a:extLst>
+              </a:tr>
+            </a:tbl>
+          </a:graphicData>
+        </a:graphic>
+      </p:graphicFrame>
+      <p:sp>
+        <p:nvSpPr>
+          <p:cNvPr id="11" name="TextBox 10">
+            <a:extLst>
+              <a:ext uri="{FF2B5EF4-FFF2-40B4-BE49-F238E27FC236}">
+                <a16:creationId xmlns:a16="http://schemas.microsoft.com/office/drawing/2014/main" id="{3FBB13D3-7230-4B37-BEA9-A077D4252625}"/>
+              </a:ext>
+            </a:extLst>
+          </p:cNvPr>
+          <p:cNvSpPr txBox="1"/>
+          <p:nvPr/>
         </p:nvSpPr>
-        <p:spPr/>
+        <p:spPr>
+          <a:xfrm>
+            <a:off x="1535360" y="5274913"/>
+            <a:ext cx="1071127" cy="523220"/>
+          </a:xfrm>
+          <a:prstGeom prst="rect">
+            <a:avLst/>
+          </a:prstGeom>
+        </p:spPr>
+        <p:style>
+          <a:lnRef idx="2">
+            <a:schemeClr val="accent1"/>
+          </a:lnRef>
+          <a:fillRef idx="1">
+            <a:schemeClr val="lt1"/>
+          </a:fillRef>
+          <a:effectRef idx="0">
+            <a:schemeClr val="accent1"/>
+          </a:effectRef>
+          <a:fontRef idx="minor">
+            <a:schemeClr val="dk1"/>
+          </a:fontRef>
+        </p:style>
         <p:txBody>
-          <a:bodyPr/>
+          <a:bodyPr wrap="none" rtlCol="0">
+            <a:spAutoFit/>
+          </a:bodyPr>
           <a:lstStyle/>
           <a:p>
-            <a:endParaRPr lang="en-US" dirty="0"/>
+            <a:r>
+              <a:rPr lang="en-US" sz="1400" dirty="0"/>
+              <a:t>Research </a:t>
+            </a:r>
+          </a:p>
+          <a:p>
+            <a:r>
+              <a:rPr lang="en-US" sz="1400" dirty="0"/>
+              <a:t>Predictions</a:t>
+            </a:r>
+          </a:p>
+        </p:txBody>
+      </p:sp>
+      <p:sp>
+        <p:nvSpPr>
+          <p:cNvPr id="12" name="TextBox 11">
+            <a:extLst>
+              <a:ext uri="{FF2B5EF4-FFF2-40B4-BE49-F238E27FC236}">
+                <a16:creationId xmlns:a16="http://schemas.microsoft.com/office/drawing/2014/main" id="{9C223B4C-A0B2-41CD-89EB-CF5664AC5A32}"/>
+              </a:ext>
+            </a:extLst>
+          </p:cNvPr>
+          <p:cNvSpPr txBox="1"/>
+          <p:nvPr/>
+        </p:nvSpPr>
+        <p:spPr>
+          <a:xfrm>
+            <a:off x="9585512" y="5274913"/>
+            <a:ext cx="954740" cy="523220"/>
+          </a:xfrm>
+          <a:prstGeom prst="rect">
+            <a:avLst/>
+          </a:prstGeom>
+        </p:spPr>
+        <p:style>
+          <a:lnRef idx="2">
+            <a:schemeClr val="accent1"/>
+          </a:lnRef>
+          <a:fillRef idx="1">
+            <a:schemeClr val="lt1"/>
+          </a:fillRef>
+          <a:effectRef idx="0">
+            <a:schemeClr val="accent1"/>
+          </a:effectRef>
+          <a:fontRef idx="minor">
+            <a:schemeClr val="dk1"/>
+          </a:fontRef>
+        </p:style>
+        <p:txBody>
+          <a:bodyPr wrap="square" rtlCol="0">
+            <a:spAutoFit/>
+          </a:bodyPr>
+          <a:lstStyle/>
+          <a:p>
+            <a:r>
+              <a:rPr lang="en-US" sz="1400" dirty="0"/>
+              <a:t>Actual</a:t>
+            </a:r>
+          </a:p>
+          <a:p>
+            <a:r>
+              <a:rPr lang="en-US" sz="1400" dirty="0"/>
+              <a:t>Results</a:t>
+            </a:r>
           </a:p>
         </p:txBody>
       </p:sp>
@@ -20484,40 +21974,873 @@
             <p:ph sz="half" idx="1"/>
           </p:nvPr>
         </p:nvSpPr>
-        <p:spPr/>
+        <p:spPr>
+          <a:xfrm>
+            <a:off x="883024" y="1981200"/>
+            <a:ext cx="8334935" cy="1985682"/>
+          </a:xfrm>
+        </p:spPr>
         <p:txBody>
-          <a:bodyPr/>
+          <a:bodyPr>
+            <a:normAutofit fontScale="92500" lnSpcReduction="10000"/>
+          </a:bodyPr>
           <a:lstStyle/>
           <a:p>
-            <a:endParaRPr lang="en-US"/>
+            <a:r>
+              <a:rPr lang="en-US" dirty="0"/>
+              <a:t>Using languages that allow less memory consumption opens up more virtual machine options</a:t>
+            </a:r>
+          </a:p>
+          <a:p>
+            <a:r>
+              <a:rPr lang="en-US" dirty="0"/>
+              <a:t>The more resources an application uses in an cloud environment, the more costly running it becomes</a:t>
+            </a:r>
+          </a:p>
+          <a:p>
+            <a:r>
+              <a:rPr lang="en-US" dirty="0"/>
+              <a:t>Azure provides virtual machine instances that vary in cost depending on how many resources are allocated to that virtual machine</a:t>
+            </a:r>
           </a:p>
         </p:txBody>
       </p:sp>
-      <p:sp>
-        <p:nvSpPr>
-          <p:cNvPr id="4" name="Content Placeholder 3">
+      <p:graphicFrame>
+        <p:nvGraphicFramePr>
+          <p:cNvPr id="6" name="Content Placeholder 5">
             <a:extLst>
               <a:ext uri="{FF2B5EF4-FFF2-40B4-BE49-F238E27FC236}">
-                <a16:creationId xmlns:a16="http://schemas.microsoft.com/office/drawing/2014/main" id="{05D8FFC8-2F10-458D-BB6D-A4596C5DA630}"/>
+                <a16:creationId xmlns:a16="http://schemas.microsoft.com/office/drawing/2014/main" id="{E9155D0D-96C8-4ADD-86F0-405A377A3F8D}"/>
               </a:ext>
             </a:extLst>
           </p:cNvPr>
-          <p:cNvSpPr>
-            <a:spLocks noGrp="1"/>
-          </p:cNvSpPr>
+          <p:cNvGraphicFramePr>
+            <a:graphicFrameLocks noGrp="1"/>
+          </p:cNvGraphicFramePr>
           <p:nvPr>
             <p:ph sz="half" idx="2"/>
+            <p:extLst>
+              <p:ext uri="{D42A27DB-BD31-4B8C-83A1-F6EECF244321}">
+                <p14:modId xmlns:p14="http://schemas.microsoft.com/office/powerpoint/2010/main" val="2960544266"/>
+              </p:ext>
+            </p:extLst>
           </p:nvPr>
+        </p:nvGraphicFramePr>
+        <p:xfrm>
+          <a:off x="739589" y="4203387"/>
+          <a:ext cx="10717305" cy="1738950"/>
+        </p:xfrm>
+        <a:graphic>
+          <a:graphicData uri="http://schemas.openxmlformats.org/drawingml/2006/table">
+            <a:tbl>
+              <a:tblPr firstRow="1" bandRow="1">
+                <a:tableStyleId>{BC89EF96-8CEA-46FF-86C4-4CE0E7609802}</a:tableStyleId>
+              </a:tblPr>
+              <a:tblGrid>
+                <a:gridCol w="1129552">
+                  <a:extLst>
+                    <a:ext uri="{9D8B030D-6E8A-4147-A177-3AD203B41FA5}">
+                      <a16:colId xmlns:a16="http://schemas.microsoft.com/office/drawing/2014/main" val="1581317139"/>
+                    </a:ext>
+                  </a:extLst>
+                </a:gridCol>
+                <a:gridCol w="874059">
+                  <a:extLst>
+                    <a:ext uri="{9D8B030D-6E8A-4147-A177-3AD203B41FA5}">
+                      <a16:colId xmlns:a16="http://schemas.microsoft.com/office/drawing/2014/main" val="1748214834"/>
+                    </a:ext>
+                  </a:extLst>
+                </a:gridCol>
+                <a:gridCol w="1277471">
+                  <a:extLst>
+                    <a:ext uri="{9D8B030D-6E8A-4147-A177-3AD203B41FA5}">
+                      <a16:colId xmlns:a16="http://schemas.microsoft.com/office/drawing/2014/main" val="1880009622"/>
+                    </a:ext>
+                  </a:extLst>
+                </a:gridCol>
+                <a:gridCol w="1613647">
+                  <a:extLst>
+                    <a:ext uri="{9D8B030D-6E8A-4147-A177-3AD203B41FA5}">
+                      <a16:colId xmlns:a16="http://schemas.microsoft.com/office/drawing/2014/main" val="1661953756"/>
+                    </a:ext>
+                  </a:extLst>
+                </a:gridCol>
+                <a:gridCol w="1304364">
+                  <a:extLst>
+                    <a:ext uri="{9D8B030D-6E8A-4147-A177-3AD203B41FA5}">
+                      <a16:colId xmlns:a16="http://schemas.microsoft.com/office/drawing/2014/main" val="3990061861"/>
+                    </a:ext>
+                  </a:extLst>
+                </a:gridCol>
+                <a:gridCol w="1264024">
+                  <a:extLst>
+                    <a:ext uri="{9D8B030D-6E8A-4147-A177-3AD203B41FA5}">
+                      <a16:colId xmlns:a16="http://schemas.microsoft.com/office/drawing/2014/main" val="3903607252"/>
+                    </a:ext>
+                  </a:extLst>
+                </a:gridCol>
+                <a:gridCol w="1559859">
+                  <a:extLst>
+                    <a:ext uri="{9D8B030D-6E8A-4147-A177-3AD203B41FA5}">
+                      <a16:colId xmlns:a16="http://schemas.microsoft.com/office/drawing/2014/main" val="983142748"/>
+                    </a:ext>
+                  </a:extLst>
+                </a:gridCol>
+                <a:gridCol w="1694329">
+                  <a:extLst>
+                    <a:ext uri="{9D8B030D-6E8A-4147-A177-3AD203B41FA5}">
+                      <a16:colId xmlns:a16="http://schemas.microsoft.com/office/drawing/2014/main" val="49752849"/>
+                    </a:ext>
+                  </a:extLst>
+                </a:gridCol>
+              </a:tblGrid>
+              <a:tr h="624762">
+                <a:tc>
+                  <a:txBody>
+                    <a:bodyPr/>
+                    <a:lstStyle/>
+                    <a:p>
+                      <a:r>
+                        <a:rPr lang="en-US" sz="1800" b="1" i="0" kern="1200" dirty="0">
+                          <a:solidFill>
+                            <a:schemeClr val="tx1"/>
+                          </a:solidFill>
+                          <a:effectLst/>
+                          <a:latin typeface="+mn-lt"/>
+                          <a:ea typeface="+mn-ea"/>
+                          <a:cs typeface="+mn-cs"/>
+                        </a:rPr>
+                        <a:t>Nodes Instance</a:t>
+                      </a:r>
+                    </a:p>
+                  </a:txBody>
+                  <a:tcPr/>
+                </a:tc>
+                <a:tc>
+                  <a:txBody>
+                    <a:bodyPr/>
+                    <a:lstStyle/>
+                    <a:p>
+                      <a:r>
+                        <a:rPr lang="en-US" dirty="0"/>
+                        <a:t>Cores</a:t>
+                      </a:r>
+                    </a:p>
+                  </a:txBody>
+                  <a:tcPr/>
+                </a:tc>
+                <a:tc>
+                  <a:txBody>
+                    <a:bodyPr/>
+                    <a:lstStyle/>
+                    <a:p>
+                      <a:r>
+                        <a:rPr lang="en-US" dirty="0"/>
+                        <a:t>RAM (GB)</a:t>
+                      </a:r>
+                    </a:p>
+                  </a:txBody>
+                  <a:tcPr>
+                    <a:solidFill>
+                      <a:schemeClr val="accent6">
+                        <a:lumMod val="60000"/>
+                        <a:lumOff val="40000"/>
+                      </a:schemeClr>
+                    </a:solidFill>
+                  </a:tcPr>
+                </a:tc>
+                <a:tc>
+                  <a:txBody>
+                    <a:bodyPr/>
+                    <a:lstStyle/>
+                    <a:p>
+                      <a:r>
+                        <a:rPr lang="en-US" dirty="0"/>
+                        <a:t>Temporary Storage (GB)</a:t>
+                      </a:r>
+                    </a:p>
+                  </a:txBody>
+                  <a:tcPr>
+                    <a:noFill/>
+                  </a:tcPr>
+                </a:tc>
+                <a:tc>
+                  <a:txBody>
+                    <a:bodyPr/>
+                    <a:lstStyle/>
+                    <a:p>
+                      <a:r>
+                        <a:rPr lang="en-US" dirty="0"/>
+                        <a:t>Virtual Machines</a:t>
+                      </a:r>
+                    </a:p>
+                  </a:txBody>
+                  <a:tcPr/>
+                </a:tc>
+                <a:tc>
+                  <a:txBody>
+                    <a:bodyPr/>
+                    <a:lstStyle/>
+                    <a:p>
+                      <a:r>
+                        <a:rPr lang="en-US" dirty="0"/>
+                        <a:t>Cost/hour</a:t>
+                      </a:r>
+                    </a:p>
+                  </a:txBody>
+                  <a:tcPr/>
+                </a:tc>
+                <a:tc>
+                  <a:txBody>
+                    <a:bodyPr/>
+                    <a:lstStyle/>
+                    <a:p>
+                      <a:r>
+                        <a:rPr lang="en-US" dirty="0"/>
+                        <a:t>Cost/Month</a:t>
+                      </a:r>
+                    </a:p>
+                  </a:txBody>
+                  <a:tcPr/>
+                </a:tc>
+                <a:tc>
+                  <a:txBody>
+                    <a:bodyPr/>
+                    <a:lstStyle/>
+                    <a:p>
+                      <a:r>
+                        <a:rPr lang="en-US" dirty="0"/>
+                        <a:t>Cost/Year</a:t>
+                      </a:r>
+                    </a:p>
+                  </a:txBody>
+                  <a:tcPr/>
+                </a:tc>
+                <a:extLst>
+                  <a:ext uri="{0D108BD9-81ED-4DB2-BD59-A6C34878D82A}">
+                    <a16:rowId xmlns:a16="http://schemas.microsoft.com/office/drawing/2014/main" val="2657340667"/>
+                  </a:ext>
+                </a:extLst>
+              </a:tr>
+              <a:tr h="366290">
+                <a:tc>
+                  <a:txBody>
+                    <a:bodyPr/>
+                    <a:lstStyle/>
+                    <a:p>
+                      <a:r>
+                        <a:rPr lang="en-US" dirty="0"/>
+                        <a:t>D14</a:t>
+                      </a:r>
+                    </a:p>
+                  </a:txBody>
+                  <a:tcPr/>
+                </a:tc>
+                <a:tc>
+                  <a:txBody>
+                    <a:bodyPr/>
+                    <a:lstStyle/>
+                    <a:p>
+                      <a:r>
+                        <a:rPr lang="en-US" dirty="0"/>
+                        <a:t>16</a:t>
+                      </a:r>
+                    </a:p>
+                  </a:txBody>
+                  <a:tcPr/>
+                </a:tc>
+                <a:tc>
+                  <a:txBody>
+                    <a:bodyPr/>
+                    <a:lstStyle/>
+                    <a:p>
+                      <a:r>
+                        <a:rPr lang="en-US" dirty="0"/>
+                        <a:t>112</a:t>
+                      </a:r>
+                    </a:p>
+                  </a:txBody>
+                  <a:tcPr>
+                    <a:solidFill>
+                      <a:schemeClr val="accent6">
+                        <a:lumMod val="60000"/>
+                        <a:lumOff val="40000"/>
+                      </a:schemeClr>
+                    </a:solidFill>
+                  </a:tcPr>
+                </a:tc>
+                <a:tc>
+                  <a:txBody>
+                    <a:bodyPr/>
+                    <a:lstStyle/>
+                    <a:p>
+                      <a:r>
+                        <a:rPr lang="en-US" dirty="0"/>
+                        <a:t>800</a:t>
+                      </a:r>
+                    </a:p>
+                  </a:txBody>
+                  <a:tcPr>
+                    <a:solidFill>
+                      <a:schemeClr val="accent1">
+                        <a:alpha val="20000"/>
+                      </a:schemeClr>
+                    </a:solidFill>
+                  </a:tcPr>
+                </a:tc>
+                <a:tc>
+                  <a:txBody>
+                    <a:bodyPr/>
+                    <a:lstStyle/>
+                    <a:p>
+                      <a:r>
+                        <a:rPr lang="en-US" dirty="0"/>
+                        <a:t>100</a:t>
+                      </a:r>
+                    </a:p>
+                  </a:txBody>
+                  <a:tcPr/>
+                </a:tc>
+                <a:tc>
+                  <a:txBody>
+                    <a:bodyPr/>
+                    <a:lstStyle/>
+                    <a:p>
+                      <a:r>
+                        <a:rPr lang="en-US" dirty="0"/>
+                        <a:t>$1.542</a:t>
+                      </a:r>
+                    </a:p>
+                  </a:txBody>
+                  <a:tcPr/>
+                </a:tc>
+                <a:tc>
+                  <a:txBody>
+                    <a:bodyPr/>
+                    <a:lstStyle/>
+                    <a:p>
+                      <a:r>
+                        <a:rPr lang="en-US" dirty="0"/>
+                        <a:t>$112,566.00</a:t>
+                      </a:r>
+                    </a:p>
+                  </a:txBody>
+                  <a:tcPr/>
+                </a:tc>
+                <a:tc>
+                  <a:txBody>
+                    <a:bodyPr/>
+                    <a:lstStyle/>
+                    <a:p>
+                      <a:r>
+                        <a:rPr lang="en-US" dirty="0"/>
+                        <a:t>$1,350,792.00</a:t>
+                      </a:r>
+                    </a:p>
+                  </a:txBody>
+                  <a:tcPr/>
+                </a:tc>
+                <a:extLst>
+                  <a:ext uri="{0D108BD9-81ED-4DB2-BD59-A6C34878D82A}">
+                    <a16:rowId xmlns:a16="http://schemas.microsoft.com/office/drawing/2014/main" val="3330435604"/>
+                  </a:ext>
+                </a:extLst>
+              </a:tr>
+              <a:tr h="366290">
+                <a:tc>
+                  <a:txBody>
+                    <a:bodyPr/>
+                    <a:lstStyle/>
+                    <a:p>
+                      <a:r>
+                        <a:rPr lang="en-US" dirty="0"/>
+                        <a:t>D5 v2</a:t>
+                      </a:r>
+                    </a:p>
+                  </a:txBody>
+                  <a:tcPr>
+                    <a:lnB w="12700" cap="flat" cmpd="sng" algn="ctr">
+                      <a:solidFill>
+                        <a:schemeClr val="accent1">
+                          <a:lumMod val="75000"/>
+                        </a:schemeClr>
+                      </a:solidFill>
+                      <a:prstDash val="solid"/>
+                      <a:round/>
+                      <a:headEnd type="none" w="med" len="med"/>
+                      <a:tailEnd type="none" w="med" len="med"/>
+                    </a:lnB>
+                  </a:tcPr>
+                </a:tc>
+                <a:tc>
+                  <a:txBody>
+                    <a:bodyPr/>
+                    <a:lstStyle/>
+                    <a:p>
+                      <a:r>
+                        <a:rPr lang="en-US" dirty="0"/>
+                        <a:t>16</a:t>
+                      </a:r>
+                    </a:p>
+                  </a:txBody>
+                  <a:tcPr>
+                    <a:lnB w="12700" cap="flat" cmpd="sng" algn="ctr">
+                      <a:solidFill>
+                        <a:schemeClr val="accent1">
+                          <a:lumMod val="75000"/>
+                        </a:schemeClr>
+                      </a:solidFill>
+                      <a:prstDash val="solid"/>
+                      <a:round/>
+                      <a:headEnd type="none" w="med" len="med"/>
+                      <a:tailEnd type="none" w="med" len="med"/>
+                    </a:lnB>
+                  </a:tcPr>
+                </a:tc>
+                <a:tc>
+                  <a:txBody>
+                    <a:bodyPr/>
+                    <a:lstStyle/>
+                    <a:p>
+                      <a:r>
+                        <a:rPr lang="en-US" dirty="0"/>
+                        <a:t>56</a:t>
+                      </a:r>
+                    </a:p>
+                  </a:txBody>
+                  <a:tcPr>
+                    <a:solidFill>
+                      <a:schemeClr val="accent6">
+                        <a:lumMod val="60000"/>
+                        <a:lumOff val="40000"/>
+                      </a:schemeClr>
+                    </a:solidFill>
+                  </a:tcPr>
+                </a:tc>
+                <a:tc>
+                  <a:txBody>
+                    <a:bodyPr/>
+                    <a:lstStyle/>
+                    <a:p>
+                      <a:r>
+                        <a:rPr lang="en-US" dirty="0"/>
+                        <a:t>800</a:t>
+                      </a:r>
+                    </a:p>
+                  </a:txBody>
+                  <a:tcPr>
+                    <a:noFill/>
+                  </a:tcPr>
+                </a:tc>
+                <a:tc>
+                  <a:txBody>
+                    <a:bodyPr/>
+                    <a:lstStyle/>
+                    <a:p>
+                      <a:r>
+                        <a:rPr lang="en-US" dirty="0"/>
+                        <a:t>100</a:t>
+                      </a:r>
+                    </a:p>
+                  </a:txBody>
+                  <a:tcPr/>
+                </a:tc>
+                <a:tc>
+                  <a:txBody>
+                    <a:bodyPr/>
+                    <a:lstStyle/>
+                    <a:p>
+                      <a:r>
+                        <a:rPr lang="en-US" dirty="0"/>
+                        <a:t>$1.170</a:t>
+                      </a:r>
+                    </a:p>
+                  </a:txBody>
+                  <a:tcPr/>
+                </a:tc>
+                <a:tc>
+                  <a:txBody>
+                    <a:bodyPr/>
+                    <a:lstStyle/>
+                    <a:p>
+                      <a:r>
+                        <a:rPr lang="en-US" dirty="0"/>
+                        <a:t>$85,410.00</a:t>
+                      </a:r>
+                    </a:p>
+                  </a:txBody>
+                  <a:tcPr/>
+                </a:tc>
+                <a:tc>
+                  <a:txBody>
+                    <a:bodyPr/>
+                    <a:lstStyle/>
+                    <a:p>
+                      <a:r>
+                        <a:rPr lang="en-US" dirty="0"/>
+                        <a:t>$1,024,920.00</a:t>
+                      </a:r>
+                    </a:p>
+                  </a:txBody>
+                  <a:tcPr/>
+                </a:tc>
+                <a:extLst>
+                  <a:ext uri="{0D108BD9-81ED-4DB2-BD59-A6C34878D82A}">
+                    <a16:rowId xmlns:a16="http://schemas.microsoft.com/office/drawing/2014/main" val="2872762186"/>
+                  </a:ext>
+                </a:extLst>
+              </a:tr>
+              <a:tr h="366290">
+                <a:tc>
+                  <a:txBody>
+                    <a:bodyPr/>
+                    <a:lstStyle/>
+                    <a:p>
+                      <a:endParaRPr lang="en-US" dirty="0"/>
+                    </a:p>
+                  </a:txBody>
+                  <a:tcPr>
+                    <a:lnL w="12700" cap="flat" cmpd="sng" algn="ctr">
+                      <a:noFill/>
+                      <a:prstDash val="solid"/>
+                      <a:round/>
+                      <a:headEnd type="none" w="med" len="med"/>
+                      <a:tailEnd type="none" w="med" len="med"/>
+                    </a:lnL>
+                    <a:lnR w="12700" cap="flat" cmpd="sng" algn="ctr">
+                      <a:noFill/>
+                      <a:prstDash val="solid"/>
+                      <a:round/>
+                      <a:headEnd type="none" w="med" len="med"/>
+                      <a:tailEnd type="none" w="med" len="med"/>
+                    </a:lnR>
+                    <a:lnT w="12700" cap="flat" cmpd="sng" algn="ctr">
+                      <a:solidFill>
+                        <a:schemeClr val="accent1">
+                          <a:lumMod val="75000"/>
+                        </a:schemeClr>
+                      </a:solidFill>
+                      <a:prstDash val="solid"/>
+                      <a:round/>
+                      <a:headEnd type="none" w="med" len="med"/>
+                      <a:tailEnd type="none" w="med" len="med"/>
+                    </a:lnT>
+                    <a:lnB w="12700" cap="flat" cmpd="sng" algn="ctr">
+                      <a:noFill/>
+                      <a:prstDash val="solid"/>
+                      <a:round/>
+                      <a:headEnd type="none" w="med" len="med"/>
+                      <a:tailEnd type="none" w="med" len="med"/>
+                    </a:lnB>
+                    <a:noFill/>
+                  </a:tcPr>
+                </a:tc>
+                <a:tc>
+                  <a:txBody>
+                    <a:bodyPr/>
+                    <a:lstStyle/>
+                    <a:p>
+                      <a:endParaRPr lang="en-US" dirty="0"/>
+                    </a:p>
+                  </a:txBody>
+                  <a:tcPr>
+                    <a:lnL w="12700" cap="flat" cmpd="sng" algn="ctr">
+                      <a:noFill/>
+                      <a:prstDash val="solid"/>
+                      <a:round/>
+                      <a:headEnd type="none" w="med" len="med"/>
+                      <a:tailEnd type="none" w="med" len="med"/>
+                    </a:lnL>
+                    <a:lnR w="12700" cap="flat" cmpd="sng" algn="ctr">
+                      <a:noFill/>
+                      <a:prstDash val="solid"/>
+                      <a:round/>
+                      <a:headEnd type="none" w="med" len="med"/>
+                      <a:tailEnd type="none" w="med" len="med"/>
+                    </a:lnR>
+                    <a:lnT w="12700" cap="flat" cmpd="sng" algn="ctr">
+                      <a:solidFill>
+                        <a:schemeClr val="accent1">
+                          <a:lumMod val="75000"/>
+                        </a:schemeClr>
+                      </a:solidFill>
+                      <a:prstDash val="solid"/>
+                      <a:round/>
+                      <a:headEnd type="none" w="med" len="med"/>
+                      <a:tailEnd type="none" w="med" len="med"/>
+                    </a:lnT>
+                    <a:lnB w="12700" cap="flat" cmpd="sng" algn="ctr">
+                      <a:noFill/>
+                      <a:prstDash val="solid"/>
+                      <a:round/>
+                      <a:headEnd type="none" w="med" len="med"/>
+                      <a:tailEnd type="none" w="med" len="med"/>
+                    </a:lnB>
+                    <a:noFill/>
+                  </a:tcPr>
+                </a:tc>
+                <a:tc>
+                  <a:txBody>
+                    <a:bodyPr/>
+                    <a:lstStyle/>
+                    <a:p>
+                      <a:endParaRPr lang="en-US" dirty="0"/>
+                    </a:p>
+                  </a:txBody>
+                  <a:tcPr>
+                    <a:lnL w="12700" cap="flat" cmpd="sng" algn="ctr">
+                      <a:noFill/>
+                      <a:prstDash val="solid"/>
+                      <a:round/>
+                      <a:headEnd type="none" w="med" len="med"/>
+                      <a:tailEnd type="none" w="med" len="med"/>
+                    </a:lnL>
+                    <a:lnR w="12700" cap="flat" cmpd="sng" algn="ctr">
+                      <a:noFill/>
+                      <a:prstDash val="solid"/>
+                      <a:round/>
+                      <a:headEnd type="none" w="med" len="med"/>
+                      <a:tailEnd type="none" w="med" len="med"/>
+                    </a:lnR>
+                    <a:lnB w="12700" cap="flat" cmpd="sng" algn="ctr">
+                      <a:noFill/>
+                      <a:prstDash val="solid"/>
+                      <a:round/>
+                      <a:headEnd type="none" w="med" len="med"/>
+                      <a:tailEnd type="none" w="med" len="med"/>
+                    </a:lnB>
+                    <a:noFill/>
+                  </a:tcPr>
+                </a:tc>
+                <a:tc>
+                  <a:txBody>
+                    <a:bodyPr/>
+                    <a:lstStyle/>
+                    <a:p>
+                      <a:endParaRPr lang="en-US" dirty="0"/>
+                    </a:p>
+                  </a:txBody>
+                  <a:tcPr>
+                    <a:lnL w="12700" cap="flat" cmpd="sng" algn="ctr">
+                      <a:noFill/>
+                      <a:prstDash val="solid"/>
+                      <a:round/>
+                      <a:headEnd type="none" w="med" len="med"/>
+                      <a:tailEnd type="none" w="med" len="med"/>
+                    </a:lnL>
+                    <a:lnR w="12700" cap="flat" cmpd="sng" algn="ctr">
+                      <a:noFill/>
+                      <a:prstDash val="solid"/>
+                      <a:round/>
+                      <a:headEnd type="none" w="med" len="med"/>
+                      <a:tailEnd type="none" w="med" len="med"/>
+                    </a:lnR>
+                    <a:lnB w="12700" cap="flat" cmpd="sng" algn="ctr">
+                      <a:noFill/>
+                      <a:prstDash val="solid"/>
+                      <a:round/>
+                      <a:headEnd type="none" w="med" len="med"/>
+                      <a:tailEnd type="none" w="med" len="med"/>
+                    </a:lnB>
+                    <a:noFill/>
+                  </a:tcPr>
+                </a:tc>
+                <a:tc>
+                  <a:txBody>
+                    <a:bodyPr/>
+                    <a:lstStyle/>
+                    <a:p>
+                      <a:endParaRPr lang="en-US" dirty="0"/>
+                    </a:p>
+                  </a:txBody>
+                  <a:tcPr>
+                    <a:lnL w="12700" cap="flat" cmpd="sng" algn="ctr">
+                      <a:noFill/>
+                      <a:prstDash val="solid"/>
+                      <a:round/>
+                      <a:headEnd type="none" w="med" len="med"/>
+                      <a:tailEnd type="none" w="med" len="med"/>
+                    </a:lnL>
+                    <a:lnR w="12700" cap="flat" cmpd="sng" algn="ctr">
+                      <a:noFill/>
+                      <a:prstDash val="solid"/>
+                      <a:round/>
+                      <a:headEnd type="none" w="med" len="med"/>
+                      <a:tailEnd type="none" w="med" len="med"/>
+                    </a:lnR>
+                    <a:lnB w="12700" cap="flat" cmpd="sng" algn="ctr">
+                      <a:noFill/>
+                      <a:prstDash val="solid"/>
+                      <a:round/>
+                      <a:headEnd type="none" w="med" len="med"/>
+                      <a:tailEnd type="none" w="med" len="med"/>
+                    </a:lnB>
+                    <a:noFill/>
+                  </a:tcPr>
+                </a:tc>
+                <a:tc>
+                  <a:txBody>
+                    <a:bodyPr/>
+                    <a:lstStyle/>
+                    <a:p>
+                      <a:endParaRPr lang="en-US" dirty="0"/>
+                    </a:p>
+                  </a:txBody>
+                  <a:tcPr>
+                    <a:lnL w="12700" cap="flat" cmpd="sng" algn="ctr">
+                      <a:noFill/>
+                      <a:prstDash val="solid"/>
+                      <a:round/>
+                      <a:headEnd type="none" w="med" len="med"/>
+                      <a:tailEnd type="none" w="med" len="med"/>
+                    </a:lnL>
+                    <a:lnR w="12700" cap="flat" cmpd="sng" algn="ctr">
+                      <a:noFill/>
+                      <a:prstDash val="solid"/>
+                      <a:round/>
+                      <a:headEnd type="none" w="med" len="med"/>
+                      <a:tailEnd type="none" w="med" len="med"/>
+                    </a:lnR>
+                    <a:lnB w="12700" cap="flat" cmpd="sng" algn="ctr">
+                      <a:noFill/>
+                      <a:prstDash val="solid"/>
+                      <a:round/>
+                      <a:headEnd type="none" w="med" len="med"/>
+                      <a:tailEnd type="none" w="med" len="med"/>
+                    </a:lnB>
+                    <a:noFill/>
+                  </a:tcPr>
+                </a:tc>
+                <a:tc>
+                  <a:txBody>
+                    <a:bodyPr/>
+                    <a:lstStyle/>
+                    <a:p>
+                      <a:endParaRPr lang="en-US" dirty="0"/>
+                    </a:p>
+                  </a:txBody>
+                  <a:tcPr>
+                    <a:lnL w="12700" cap="flat" cmpd="sng" algn="ctr">
+                      <a:noFill/>
+                      <a:prstDash val="solid"/>
+                      <a:round/>
+                      <a:headEnd type="none" w="med" len="med"/>
+                      <a:tailEnd type="none" w="med" len="med"/>
+                    </a:lnL>
+                    <a:lnB w="12700" cap="flat" cmpd="sng" algn="ctr">
+                      <a:noFill/>
+                      <a:prstDash val="solid"/>
+                      <a:round/>
+                      <a:headEnd type="none" w="med" len="med"/>
+                      <a:tailEnd type="none" w="med" len="med"/>
+                    </a:lnB>
+                    <a:noFill/>
+                  </a:tcPr>
+                </a:tc>
+                <a:tc>
+                  <a:txBody>
+                    <a:bodyPr/>
+                    <a:lstStyle/>
+                    <a:p>
+                      <a:r>
+                        <a:rPr lang="en-US" dirty="0"/>
+                        <a:t>$325,872.00</a:t>
+                      </a:r>
+                    </a:p>
+                  </a:txBody>
+                  <a:tcPr>
+                    <a:solidFill>
+                      <a:schemeClr val="accent6">
+                        <a:lumMod val="60000"/>
+                        <a:lumOff val="40000"/>
+                      </a:schemeClr>
+                    </a:solidFill>
+                  </a:tcPr>
+                </a:tc>
+                <a:extLst>
+                  <a:ext uri="{0D108BD9-81ED-4DB2-BD59-A6C34878D82A}">
+                    <a16:rowId xmlns:a16="http://schemas.microsoft.com/office/drawing/2014/main" val="1116386681"/>
+                  </a:ext>
+                </a:extLst>
+              </a:tr>
+            </a:tbl>
+          </a:graphicData>
+        </a:graphic>
+      </p:graphicFrame>
+      <p:sp>
+        <p:nvSpPr>
+          <p:cNvPr id="7" name="TextBox 6">
+            <a:extLst>
+              <a:ext uri="{FF2B5EF4-FFF2-40B4-BE49-F238E27FC236}">
+                <a16:creationId xmlns:a16="http://schemas.microsoft.com/office/drawing/2014/main" id="{E37BD622-EF0D-40C1-9359-DB4F285CDFD0}"/>
+              </a:ext>
+            </a:extLst>
+          </p:cNvPr>
+          <p:cNvSpPr txBox="1"/>
+          <p:nvPr/>
         </p:nvSpPr>
-        <p:spPr/>
+        <p:spPr>
+          <a:xfrm>
+            <a:off x="1444893" y="5619999"/>
+            <a:ext cx="4532618" cy="461665"/>
+          </a:xfrm>
+          <a:prstGeom prst="rect">
+            <a:avLst/>
+          </a:prstGeom>
+          <a:noFill/>
+        </p:spPr>
         <p:txBody>
-          <a:bodyPr/>
+          <a:bodyPr wrap="square" rtlCol="0">
+            <a:spAutoFit/>
+          </a:bodyPr>
           <a:lstStyle/>
           <a:p>
-            <a:endParaRPr lang="en-US"/>
+            <a:r>
+              <a:rPr lang="en-US" sz="1200" dirty="0"/>
+              <a:t>*All numbers are taken from Microsoft Azure’s Pricing Calculator</a:t>
+            </a:r>
+          </a:p>
+          <a:p>
+            <a:r>
+              <a:rPr lang="en-US" sz="1200" dirty="0">
+                <a:hlinkClick r:id="rId2"/>
+              </a:rPr>
+              <a:t>https://azure.microsoft.com/en-us/pricing/calculator/</a:t>
+            </a:r>
+            <a:endParaRPr lang="en-US" sz="1200" dirty="0"/>
           </a:p>
         </p:txBody>
       </p:sp>
+      <p:pic>
+        <p:nvPicPr>
+          <p:cNvPr id="9" name="Picture 8">
+            <a:extLst>
+              <a:ext uri="{FF2B5EF4-FFF2-40B4-BE49-F238E27FC236}">
+                <a16:creationId xmlns:a16="http://schemas.microsoft.com/office/drawing/2014/main" id="{881B6592-B1B6-4B81-AFF5-D28160272612}"/>
+              </a:ext>
+            </a:extLst>
+          </p:cNvPr>
+          <p:cNvPicPr>
+            <a:picLocks noChangeAspect="1"/>
+          </p:cNvPicPr>
+          <p:nvPr/>
+        </p:nvPicPr>
+        <p:blipFill>
+          <a:blip r:embed="rId3"/>
+          <a:stretch>
+            <a:fillRect/>
+          </a:stretch>
+        </p:blipFill>
+        <p:spPr>
+          <a:xfrm>
+            <a:off x="9448239" y="1994444"/>
+            <a:ext cx="1860737" cy="1860737"/>
+          </a:xfrm>
+          <a:prstGeom prst="rect">
+            <a:avLst/>
+          </a:prstGeom>
+        </p:spPr>
+      </p:pic>
     </p:spTree>
     <p:extLst>
       <p:ext uri="{BB962C8B-B14F-4D97-AF65-F5344CB8AC3E}">
@@ -20565,7 +22888,7 @@
           <p:cNvPr id="2" name="Title 1">
             <a:extLst>
               <a:ext uri="{FF2B5EF4-FFF2-40B4-BE49-F238E27FC236}">
-                <a16:creationId xmlns:a16="http://schemas.microsoft.com/office/drawing/2014/main" id="{E8661CCC-21FD-44C9-9B9C-607BE28AFB6B}"/>
+                <a16:creationId xmlns:a16="http://schemas.microsoft.com/office/drawing/2014/main" id="{C0B9CBF5-46AA-46E9-A2C2-0E9B8C040980}"/>
               </a:ext>
             </a:extLst>
           </p:cNvPr>
@@ -20583,17 +22906,17 @@
           <a:p>
             <a:r>
               <a:rPr lang="en-US" dirty="0"/>
-              <a:t>Individual Development</a:t>
+              <a:t>Team Development</a:t>
             </a:r>
           </a:p>
         </p:txBody>
       </p:sp>
       <p:sp>
         <p:nvSpPr>
-          <p:cNvPr id="3" name="Content Placeholder 2">
+          <p:cNvPr id="3" name="Text Placeholder 2">
             <a:extLst>
               <a:ext uri="{FF2B5EF4-FFF2-40B4-BE49-F238E27FC236}">
-                <a16:creationId xmlns:a16="http://schemas.microsoft.com/office/drawing/2014/main" id="{0BBB1A68-9CEE-4F3B-8BA1-021E847379A7}"/>
+                <a16:creationId xmlns:a16="http://schemas.microsoft.com/office/drawing/2014/main" id="{7022B445-337E-402F-AC8A-57A8199AEFF2}"/>
               </a:ext>
             </a:extLst>
           </p:cNvPr>
@@ -20601,15 +22924,23 @@
             <a:spLocks noGrp="1"/>
           </p:cNvSpPr>
           <p:nvPr>
-            <p:ph sz="half" idx="1"/>
+            <p:ph type="body" idx="1"/>
           </p:nvPr>
         </p:nvSpPr>
-        <p:spPr/>
+        <p:spPr>
+          <a:xfrm>
+            <a:off x="1295400" y="1818322"/>
+            <a:ext cx="4572000" cy="467678"/>
+          </a:xfrm>
+        </p:spPr>
         <p:txBody>
           <a:bodyPr/>
           <a:lstStyle/>
           <a:p>
-            <a:endParaRPr lang="en-US"/>
+            <a:r>
+              <a:rPr lang="en-US" dirty="0"/>
+              <a:t>Agile Development</a:t>
+            </a:r>
           </a:p>
         </p:txBody>
       </p:sp>
@@ -20618,7 +22949,7 @@
           <p:cNvPr id="4" name="Content Placeholder 3">
             <a:extLst>
               <a:ext uri="{FF2B5EF4-FFF2-40B4-BE49-F238E27FC236}">
-                <a16:creationId xmlns:a16="http://schemas.microsoft.com/office/drawing/2014/main" id="{453FED6F-0E59-4232-BADC-9CFDA66FA2F0}"/>
+                <a16:creationId xmlns:a16="http://schemas.microsoft.com/office/drawing/2014/main" id="{2C368A52-91C5-4EA6-BC76-66B8E5E2F16A}"/>
               </a:ext>
             </a:extLst>
           </p:cNvPr>
@@ -20629,19 +22960,379 @@
             <p:ph sz="half" idx="2"/>
           </p:nvPr>
         </p:nvSpPr>
-        <p:spPr/>
+        <p:spPr>
+          <a:xfrm>
+            <a:off x="786654" y="2415016"/>
+            <a:ext cx="7342094" cy="1430844"/>
+          </a:xfrm>
+        </p:spPr>
         <p:txBody>
           <a:bodyPr/>
           <a:lstStyle/>
           <a:p>
-            <a:endParaRPr lang="en-US"/>
+            <a:r>
+              <a:rPr lang="en-US" dirty="0"/>
+              <a:t>Each ‘bit sized’ microservices can be a user story or a task</a:t>
+            </a:r>
+          </a:p>
+          <a:p>
+            <a:r>
+              <a:rPr lang="en-US" dirty="0"/>
+              <a:t>Microservices and Agile are both building block mentalities</a:t>
+            </a:r>
+          </a:p>
+          <a:p>
+            <a:r>
+              <a:rPr lang="en-US" dirty="0"/>
+              <a:t>Each microservice can be independently unit tested</a:t>
+            </a:r>
+          </a:p>
+        </p:txBody>
+      </p:sp>
+      <p:sp>
+        <p:nvSpPr>
+          <p:cNvPr id="5" name="Text Placeholder 4">
+            <a:extLst>
+              <a:ext uri="{FF2B5EF4-FFF2-40B4-BE49-F238E27FC236}">
+                <a16:creationId xmlns:a16="http://schemas.microsoft.com/office/drawing/2014/main" id="{BA9DC3FF-CD4E-487B-932D-915F0F125B07}"/>
+              </a:ext>
+            </a:extLst>
+          </p:cNvPr>
+          <p:cNvSpPr>
+            <a:spLocks noGrp="1"/>
+          </p:cNvSpPr>
+          <p:nvPr>
+            <p:ph type="body" sz="quarter" idx="3"/>
+          </p:nvPr>
+        </p:nvSpPr>
+        <p:spPr>
+          <a:xfrm>
+            <a:off x="1295400" y="3845860"/>
+            <a:ext cx="4572000" cy="554514"/>
+          </a:xfrm>
+        </p:spPr>
+        <p:txBody>
+          <a:bodyPr/>
+          <a:lstStyle/>
+          <a:p>
+            <a:r>
+              <a:rPr lang="en-US" dirty="0"/>
+              <a:t>Collaboration/Code Integrity</a:t>
+            </a:r>
+          </a:p>
+        </p:txBody>
+      </p:sp>
+      <p:pic>
+        <p:nvPicPr>
+          <p:cNvPr id="10" name="Content Placeholder 9">
+            <a:extLst>
+              <a:ext uri="{FF2B5EF4-FFF2-40B4-BE49-F238E27FC236}">
+                <a16:creationId xmlns:a16="http://schemas.microsoft.com/office/drawing/2014/main" id="{FB667ED8-5165-4A4C-9263-9EB7CD708622}"/>
+              </a:ext>
+            </a:extLst>
+          </p:cNvPr>
+          <p:cNvPicPr>
+            <a:picLocks noGrp="1" noChangeAspect="1"/>
+          </p:cNvPicPr>
+          <p:nvPr>
+            <p:ph sz="quarter" idx="4"/>
+          </p:nvPr>
+        </p:nvPicPr>
+        <p:blipFill>
+          <a:blip r:embed="rId2"/>
+          <a:stretch>
+            <a:fillRect/>
+          </a:stretch>
+        </p:blipFill>
+        <p:spPr>
+          <a:xfrm>
+            <a:off x="8128748" y="2167607"/>
+            <a:ext cx="3049279" cy="2522785"/>
+          </a:xfrm>
+          <a:prstGeom prst="rect">
+            <a:avLst/>
+          </a:prstGeom>
+          <a:ln>
+            <a:noFill/>
+          </a:ln>
+          <a:effectLst>
+            <a:outerShdw blurRad="292100" dist="139700" dir="2700000" algn="tl" rotWithShape="0">
+              <a:srgbClr val="333333">
+                <a:alpha val="65000"/>
+              </a:srgbClr>
+            </a:outerShdw>
+          </a:effectLst>
+        </p:spPr>
+      </p:pic>
+      <p:sp>
+        <p:nvSpPr>
+          <p:cNvPr id="12" name="Content Placeholder 3">
+            <a:extLst>
+              <a:ext uri="{FF2B5EF4-FFF2-40B4-BE49-F238E27FC236}">
+                <a16:creationId xmlns:a16="http://schemas.microsoft.com/office/drawing/2014/main" id="{2830FE5D-919A-4812-8FD9-66C810DE1FDE}"/>
+              </a:ext>
+            </a:extLst>
+          </p:cNvPr>
+          <p:cNvSpPr txBox="1">
+            <a:spLocks/>
+          </p:cNvSpPr>
+          <p:nvPr/>
+        </p:nvSpPr>
+        <p:spPr>
+          <a:xfrm>
+            <a:off x="786653" y="4400374"/>
+            <a:ext cx="10260105" cy="1798720"/>
+          </a:xfrm>
+          <a:prstGeom prst="rect">
+            <a:avLst/>
+          </a:prstGeom>
+        </p:spPr>
+        <p:txBody>
+          <a:bodyPr vert="horz" lIns="91440" tIns="45720" rIns="91440" bIns="45720" rtlCol="0">
+            <a:noAutofit/>
+          </a:bodyPr>
+          <a:lstStyle>
+            <a:lvl1pPr marL="228600" indent="-228600" algn="l" defTabSz="914400" rtl="0" eaLnBrk="1" latinLnBrk="0" hangingPunct="1">
+              <a:lnSpc>
+                <a:spcPct val="90000"/>
+              </a:lnSpc>
+              <a:spcBef>
+                <a:spcPts val="1800"/>
+              </a:spcBef>
+              <a:buClr>
+                <a:schemeClr val="accent1">
+                  <a:lumMod val="75000"/>
+                </a:schemeClr>
+              </a:buClr>
+              <a:buSzPct val="100000"/>
+              <a:buFont typeface="Arial" pitchFamily="34" charset="0"/>
+              <a:buChar char="▪"/>
+              <a:defRPr sz="2000" kern="1200">
+                <a:solidFill>
+                  <a:schemeClr val="tx1"/>
+                </a:solidFill>
+                <a:latin typeface="+mn-lt"/>
+                <a:ea typeface="+mn-ea"/>
+                <a:cs typeface="+mn-cs"/>
+              </a:defRPr>
+            </a:lvl1pPr>
+            <a:lvl2pPr marL="457200" indent="-182880" algn="l" defTabSz="914400" rtl="0" eaLnBrk="1" latinLnBrk="0" hangingPunct="1">
+              <a:lnSpc>
+                <a:spcPct val="90000"/>
+              </a:lnSpc>
+              <a:spcBef>
+                <a:spcPts val="1200"/>
+              </a:spcBef>
+              <a:buClr>
+                <a:schemeClr val="accent1">
+                  <a:lumMod val="75000"/>
+                </a:schemeClr>
+              </a:buClr>
+              <a:buSzPct val="100000"/>
+              <a:buFont typeface="Arial" pitchFamily="34" charset="0"/>
+              <a:buChar char="▪"/>
+              <a:defRPr sz="1800" kern="1200">
+                <a:solidFill>
+                  <a:schemeClr val="tx1"/>
+                </a:solidFill>
+                <a:latin typeface="+mn-lt"/>
+                <a:ea typeface="+mn-ea"/>
+                <a:cs typeface="+mn-cs"/>
+              </a:defRPr>
+            </a:lvl2pPr>
+            <a:lvl3pPr marL="685800" indent="-179388" algn="l" defTabSz="914400" rtl="0" eaLnBrk="1" latinLnBrk="0" hangingPunct="1">
+              <a:lnSpc>
+                <a:spcPct val="90000"/>
+              </a:lnSpc>
+              <a:spcBef>
+                <a:spcPts val="800"/>
+              </a:spcBef>
+              <a:buClr>
+                <a:schemeClr val="accent1">
+                  <a:lumMod val="75000"/>
+                </a:schemeClr>
+              </a:buClr>
+              <a:buSzPct val="100000"/>
+              <a:buFont typeface="Arial" pitchFamily="34" charset="0"/>
+              <a:buChar char="▪"/>
+              <a:defRPr sz="1600" kern="1200">
+                <a:solidFill>
+                  <a:schemeClr val="tx1"/>
+                </a:solidFill>
+                <a:latin typeface="+mn-lt"/>
+                <a:ea typeface="+mn-ea"/>
+                <a:cs typeface="+mn-cs"/>
+              </a:defRPr>
+            </a:lvl3pPr>
+            <a:lvl4pPr marL="914400" indent="-182880" algn="l" defTabSz="914400" rtl="0" eaLnBrk="1" latinLnBrk="0" hangingPunct="1">
+              <a:lnSpc>
+                <a:spcPct val="90000"/>
+              </a:lnSpc>
+              <a:spcBef>
+                <a:spcPts val="800"/>
+              </a:spcBef>
+              <a:buClr>
+                <a:schemeClr val="accent1">
+                  <a:lumMod val="75000"/>
+                </a:schemeClr>
+              </a:buClr>
+              <a:buSzPct val="100000"/>
+              <a:buFont typeface="Arial" pitchFamily="34" charset="0"/>
+              <a:buChar char="▪"/>
+              <a:defRPr sz="1400" kern="1200">
+                <a:solidFill>
+                  <a:schemeClr val="tx1"/>
+                </a:solidFill>
+                <a:latin typeface="+mn-lt"/>
+                <a:ea typeface="+mn-ea"/>
+                <a:cs typeface="+mn-cs"/>
+              </a:defRPr>
+            </a:lvl4pPr>
+            <a:lvl5pPr marL="1143000" indent="-179388" algn="l" defTabSz="914400" rtl="0" eaLnBrk="1" latinLnBrk="0" hangingPunct="1">
+              <a:lnSpc>
+                <a:spcPct val="90000"/>
+              </a:lnSpc>
+              <a:spcBef>
+                <a:spcPts val="600"/>
+              </a:spcBef>
+              <a:buClr>
+                <a:schemeClr val="accent1">
+                  <a:lumMod val="75000"/>
+                </a:schemeClr>
+              </a:buClr>
+              <a:buSzPct val="100000"/>
+              <a:buFont typeface="Arial" pitchFamily="34" charset="0"/>
+              <a:buChar char="▪"/>
+              <a:defRPr sz="1400" kern="1200">
+                <a:solidFill>
+                  <a:schemeClr val="tx1"/>
+                </a:solidFill>
+                <a:latin typeface="+mn-lt"/>
+                <a:ea typeface="+mn-ea"/>
+                <a:cs typeface="+mn-cs"/>
+              </a:defRPr>
+            </a:lvl5pPr>
+            <a:lvl6pPr marL="1371600" indent="-182880" algn="l" defTabSz="914400" rtl="0" eaLnBrk="1" latinLnBrk="0" hangingPunct="1">
+              <a:lnSpc>
+                <a:spcPct val="90000"/>
+              </a:lnSpc>
+              <a:spcBef>
+                <a:spcPts val="600"/>
+              </a:spcBef>
+              <a:buClr>
+                <a:schemeClr val="accent1">
+                  <a:lumMod val="75000"/>
+                </a:schemeClr>
+              </a:buClr>
+              <a:buSzPct val="100000"/>
+              <a:buFont typeface="Arial" pitchFamily="34" charset="0"/>
+              <a:buChar char="▪"/>
+              <a:defRPr sz="1600" kern="1200">
+                <a:solidFill>
+                  <a:schemeClr val="tx1"/>
+                </a:solidFill>
+                <a:latin typeface="+mn-lt"/>
+                <a:ea typeface="+mn-ea"/>
+                <a:cs typeface="+mn-cs"/>
+              </a:defRPr>
+            </a:lvl6pPr>
+            <a:lvl7pPr marL="1600200" indent="-179388" algn="l" defTabSz="914400" rtl="0" eaLnBrk="1" latinLnBrk="0" hangingPunct="1">
+              <a:lnSpc>
+                <a:spcPct val="90000"/>
+              </a:lnSpc>
+              <a:spcBef>
+                <a:spcPts val="600"/>
+              </a:spcBef>
+              <a:buClr>
+                <a:schemeClr val="accent1">
+                  <a:lumMod val="75000"/>
+                </a:schemeClr>
+              </a:buClr>
+              <a:buSzPct val="100000"/>
+              <a:buFont typeface="Arial" pitchFamily="34" charset="0"/>
+              <a:buChar char="▪"/>
+              <a:defRPr sz="1600" kern="1200">
+                <a:solidFill>
+                  <a:schemeClr val="tx1"/>
+                </a:solidFill>
+                <a:latin typeface="+mn-lt"/>
+                <a:ea typeface="+mn-ea"/>
+                <a:cs typeface="+mn-cs"/>
+              </a:defRPr>
+            </a:lvl7pPr>
+            <a:lvl8pPr marL="1828800" indent="-182880" algn="l" defTabSz="914400" rtl="0" eaLnBrk="1" latinLnBrk="0" hangingPunct="1">
+              <a:lnSpc>
+                <a:spcPct val="90000"/>
+              </a:lnSpc>
+              <a:spcBef>
+                <a:spcPts val="600"/>
+              </a:spcBef>
+              <a:buClr>
+                <a:schemeClr val="accent1">
+                  <a:lumMod val="75000"/>
+                </a:schemeClr>
+              </a:buClr>
+              <a:buSzPct val="100000"/>
+              <a:buFont typeface="Arial" pitchFamily="34" charset="0"/>
+              <a:buChar char="▪"/>
+              <a:defRPr sz="1600" kern="1200">
+                <a:solidFill>
+                  <a:schemeClr val="tx1"/>
+                </a:solidFill>
+                <a:latin typeface="+mn-lt"/>
+                <a:ea typeface="+mn-ea"/>
+                <a:cs typeface="+mn-cs"/>
+              </a:defRPr>
+            </a:lvl8pPr>
+            <a:lvl9pPr marL="1878012" indent="0" algn="l" defTabSz="914400" rtl="0" eaLnBrk="1" latinLnBrk="0" hangingPunct="1">
+              <a:lnSpc>
+                <a:spcPct val="90000"/>
+              </a:lnSpc>
+              <a:spcBef>
+                <a:spcPts val="600"/>
+              </a:spcBef>
+              <a:buClr>
+                <a:schemeClr val="accent1">
+                  <a:lumMod val="75000"/>
+                </a:schemeClr>
+              </a:buClr>
+              <a:buSzPct val="100000"/>
+              <a:buFont typeface="Arial" pitchFamily="34" charset="0"/>
+              <a:buNone/>
+              <a:defRPr sz="1600" kern="1200">
+                <a:solidFill>
+                  <a:schemeClr val="tx1"/>
+                </a:solidFill>
+                <a:latin typeface="+mn-lt"/>
+                <a:ea typeface="+mn-ea"/>
+                <a:cs typeface="+mn-cs"/>
+              </a:defRPr>
+            </a:lvl9pPr>
+          </a:lstStyle>
+          <a:p>
+            <a:r>
+              <a:rPr lang="en-US" dirty="0"/>
+              <a:t>All Micro-App use the same common Micro-Services</a:t>
+            </a:r>
+          </a:p>
+          <a:p>
+            <a:r>
+              <a:rPr lang="en-US" dirty="0"/>
+              <a:t>No need to work duplicate services for each application</a:t>
+            </a:r>
+          </a:p>
+          <a:p>
+            <a:r>
+              <a:rPr lang="en-US" dirty="0"/>
+              <a:t>Any developer can build a Micro-Service and they can utilize languages they are most familiar with</a:t>
+            </a:r>
           </a:p>
         </p:txBody>
       </p:sp>
     </p:spTree>
     <p:extLst>
       <p:ext uri="{BB962C8B-B14F-4D97-AF65-F5344CB8AC3E}">
-        <p14:creationId xmlns:p14="http://schemas.microsoft.com/office/powerpoint/2010/main" val="2061654302"/>
+        <p14:creationId xmlns:p14="http://schemas.microsoft.com/office/powerpoint/2010/main" val="503533218"/>
       </p:ext>
     </p:extLst>
   </p:cSld>
@@ -20787,126 +23478,6 @@
       </p:grpSpPr>
       <p:sp>
         <p:nvSpPr>
-          <p:cNvPr id="2" name="Title 1">
-            <a:extLst>
-              <a:ext uri="{FF2B5EF4-FFF2-40B4-BE49-F238E27FC236}">
-                <a16:creationId xmlns:a16="http://schemas.microsoft.com/office/drawing/2014/main" id="{3E696824-E290-415E-875F-2A8AF57C46CE}"/>
-              </a:ext>
-            </a:extLst>
-          </p:cNvPr>
-          <p:cNvSpPr>
-            <a:spLocks noGrp="1"/>
-          </p:cNvSpPr>
-          <p:nvPr>
-            <p:ph type="title"/>
-          </p:nvPr>
-        </p:nvSpPr>
-        <p:spPr/>
-        <p:txBody>
-          <a:bodyPr/>
-          <a:lstStyle/>
-          <a:p>
-            <a:r>
-              <a:rPr lang="en-US" dirty="0"/>
-              <a:t>Team Development</a:t>
-            </a:r>
-          </a:p>
-        </p:txBody>
-      </p:sp>
-      <p:sp>
-        <p:nvSpPr>
-          <p:cNvPr id="3" name="Content Placeholder 2">
-            <a:extLst>
-              <a:ext uri="{FF2B5EF4-FFF2-40B4-BE49-F238E27FC236}">
-                <a16:creationId xmlns:a16="http://schemas.microsoft.com/office/drawing/2014/main" id="{13BD1B46-F046-4B17-8208-F9C206C849EE}"/>
-              </a:ext>
-            </a:extLst>
-          </p:cNvPr>
-          <p:cNvSpPr>
-            <a:spLocks noGrp="1"/>
-          </p:cNvSpPr>
-          <p:nvPr>
-            <p:ph sz="half" idx="1"/>
-          </p:nvPr>
-        </p:nvSpPr>
-        <p:spPr/>
-        <p:txBody>
-          <a:bodyPr/>
-          <a:lstStyle/>
-          <a:p>
-            <a:endParaRPr lang="en-US"/>
-          </a:p>
-        </p:txBody>
-      </p:sp>
-      <p:sp>
-        <p:nvSpPr>
-          <p:cNvPr id="4" name="Content Placeholder 3">
-            <a:extLst>
-              <a:ext uri="{FF2B5EF4-FFF2-40B4-BE49-F238E27FC236}">
-                <a16:creationId xmlns:a16="http://schemas.microsoft.com/office/drawing/2014/main" id="{CF62D17E-8BE8-4A73-9A61-0CAA64E5C3CA}"/>
-              </a:ext>
-            </a:extLst>
-          </p:cNvPr>
-          <p:cNvSpPr>
-            <a:spLocks noGrp="1"/>
-          </p:cNvSpPr>
-          <p:nvPr>
-            <p:ph sz="half" idx="2"/>
-          </p:nvPr>
-        </p:nvSpPr>
-        <p:spPr/>
-        <p:txBody>
-          <a:bodyPr/>
-          <a:lstStyle/>
-          <a:p>
-            <a:endParaRPr lang="en-US"/>
-          </a:p>
-        </p:txBody>
-      </p:sp>
-    </p:spTree>
-    <p:extLst>
-      <p:ext uri="{BB962C8B-B14F-4D97-AF65-F5344CB8AC3E}">
-        <p14:creationId xmlns:p14="http://schemas.microsoft.com/office/powerpoint/2010/main" val="1522176582"/>
-      </p:ext>
-    </p:extLst>
-  </p:cSld>
-  <p:clrMapOvr>
-    <a:masterClrMapping/>
-  </p:clrMapOvr>
-  <mc:AlternateContent xmlns:mc="http://schemas.openxmlformats.org/markup-compatibility/2006" xmlns:p14="http://schemas.microsoft.com/office/powerpoint/2010/main">
-    <mc:Choice Requires="p14">
-      <p:transition spd="med" p14:dur="700">
-        <p:fade/>
-      </p:transition>
-    </mc:Choice>
-    <mc:Fallback xmlns="">
-      <p:transition spd="med">
-        <p:fade/>
-      </p:transition>
-    </mc:Fallback>
-  </mc:AlternateContent>
-</p:sld>
-</file>
-
-<file path=ppt/slides/slide21.xml><?xml version="1.0" encoding="utf-8"?>
-<p:sld xmlns:a="http://schemas.openxmlformats.org/drawingml/2006/main" xmlns:r="http://schemas.openxmlformats.org/officeDocument/2006/relationships" xmlns:p="http://schemas.openxmlformats.org/presentationml/2006/main">
-  <p:cSld>
-    <p:spTree>
-      <p:nvGrpSpPr>
-        <p:cNvPr id="1" name=""/>
-        <p:cNvGrpSpPr/>
-        <p:nvPr/>
-      </p:nvGrpSpPr>
-      <p:grpSpPr>
-        <a:xfrm>
-          <a:off x="0" y="0"/>
-          <a:ext cx="0" cy="0"/>
-          <a:chOff x="0" y="0"/>
-          <a:chExt cx="0" cy="0"/>
-        </a:xfrm>
-      </p:grpSpPr>
-      <p:sp>
-        <p:nvSpPr>
           <p:cNvPr id="2" name="Title 1"/>
           <p:cNvSpPr>
             <a:spLocks noGrp="1"/>
@@ -20937,14 +23508,14 @@
             <p:ph idx="1"/>
             <p:extLst>
               <p:ext uri="{D42A27DB-BD31-4B8C-83A1-F6EECF244321}">
-                <p14:modId xmlns:p14="http://schemas.microsoft.com/office/powerpoint/2010/main" val="4264349787"/>
+                <p14:modId xmlns:p14="http://schemas.microsoft.com/office/powerpoint/2010/main" val="3375486281"/>
               </p:ext>
             </p:extLst>
           </p:nvPr>
         </p:nvGraphicFramePr>
         <p:xfrm>
-          <a:off x="1295400" y="1981200"/>
-          <a:ext cx="9601200" cy="3810000"/>
+          <a:off x="759759" y="2923027"/>
+          <a:ext cx="10609729" cy="2868172"/>
         </p:xfrm>
         <a:graphic>
           <a:graphicData uri="http://schemas.openxmlformats.org/drawingml/2006/diagram">
@@ -20952,6 +23523,265 @@
           </a:graphicData>
         </a:graphic>
       </p:graphicFrame>
+      <p:sp>
+        <p:nvSpPr>
+          <p:cNvPr id="5" name="Content Placeholder 2">
+            <a:extLst>
+              <a:ext uri="{FF2B5EF4-FFF2-40B4-BE49-F238E27FC236}">
+                <a16:creationId xmlns:a16="http://schemas.microsoft.com/office/drawing/2014/main" id="{7CD318D5-DE42-46F2-B71E-EE7AD10A113F}"/>
+              </a:ext>
+            </a:extLst>
+          </p:cNvPr>
+          <p:cNvSpPr txBox="1">
+            <a:spLocks/>
+          </p:cNvSpPr>
+          <p:nvPr/>
+        </p:nvSpPr>
+        <p:spPr>
+          <a:xfrm>
+            <a:off x="1295400" y="1960537"/>
+            <a:ext cx="9601200" cy="1038158"/>
+          </a:xfrm>
+          <a:prstGeom prst="rect">
+            <a:avLst/>
+          </a:prstGeom>
+        </p:spPr>
+        <p:txBody>
+          <a:bodyPr vert="horz" lIns="91440" tIns="45720" rIns="91440" bIns="45720" rtlCol="0">
+            <a:normAutofit/>
+          </a:bodyPr>
+          <a:lstStyle>
+            <a:lvl1pPr marL="228600" indent="-228600" algn="l" defTabSz="914400" rtl="0" eaLnBrk="1" latinLnBrk="0" hangingPunct="1">
+              <a:lnSpc>
+                <a:spcPct val="90000"/>
+              </a:lnSpc>
+              <a:spcBef>
+                <a:spcPts val="1800"/>
+              </a:spcBef>
+              <a:buClr>
+                <a:schemeClr val="accent1">
+                  <a:lumMod val="75000"/>
+                </a:schemeClr>
+              </a:buClr>
+              <a:buSzPct val="100000"/>
+              <a:buFont typeface="Arial" pitchFamily="34" charset="0"/>
+              <a:buChar char="▪"/>
+              <a:defRPr sz="2000" kern="1200">
+                <a:solidFill>
+                  <a:schemeClr val="tx1"/>
+                </a:solidFill>
+                <a:latin typeface="+mn-lt"/>
+                <a:ea typeface="+mn-ea"/>
+                <a:cs typeface="+mn-cs"/>
+              </a:defRPr>
+            </a:lvl1pPr>
+            <a:lvl2pPr marL="457200" indent="-182880" algn="l" defTabSz="914400" rtl="0" eaLnBrk="1" latinLnBrk="0" hangingPunct="1">
+              <a:lnSpc>
+                <a:spcPct val="90000"/>
+              </a:lnSpc>
+              <a:spcBef>
+                <a:spcPts val="1200"/>
+              </a:spcBef>
+              <a:buClr>
+                <a:schemeClr val="accent1">
+                  <a:lumMod val="75000"/>
+                </a:schemeClr>
+              </a:buClr>
+              <a:buSzPct val="100000"/>
+              <a:buFont typeface="Arial" pitchFamily="34" charset="0"/>
+              <a:buChar char="▪"/>
+              <a:defRPr sz="1800" kern="1200">
+                <a:solidFill>
+                  <a:schemeClr val="tx1"/>
+                </a:solidFill>
+                <a:latin typeface="+mn-lt"/>
+                <a:ea typeface="+mn-ea"/>
+                <a:cs typeface="+mn-cs"/>
+              </a:defRPr>
+            </a:lvl2pPr>
+            <a:lvl3pPr marL="685800" indent="-179388" algn="l" defTabSz="914400" rtl="0" eaLnBrk="1" latinLnBrk="0" hangingPunct="1">
+              <a:lnSpc>
+                <a:spcPct val="90000"/>
+              </a:lnSpc>
+              <a:spcBef>
+                <a:spcPts val="800"/>
+              </a:spcBef>
+              <a:buClr>
+                <a:schemeClr val="accent1">
+                  <a:lumMod val="75000"/>
+                </a:schemeClr>
+              </a:buClr>
+              <a:buSzPct val="100000"/>
+              <a:buFont typeface="Arial" pitchFamily="34" charset="0"/>
+              <a:buChar char="▪"/>
+              <a:defRPr sz="1600" kern="1200">
+                <a:solidFill>
+                  <a:schemeClr val="tx1"/>
+                </a:solidFill>
+                <a:latin typeface="+mn-lt"/>
+                <a:ea typeface="+mn-ea"/>
+                <a:cs typeface="+mn-cs"/>
+              </a:defRPr>
+            </a:lvl3pPr>
+            <a:lvl4pPr marL="914400" indent="-182880" algn="l" defTabSz="914400" rtl="0" eaLnBrk="1" latinLnBrk="0" hangingPunct="1">
+              <a:lnSpc>
+                <a:spcPct val="90000"/>
+              </a:lnSpc>
+              <a:spcBef>
+                <a:spcPts val="800"/>
+              </a:spcBef>
+              <a:buClr>
+                <a:schemeClr val="accent1">
+                  <a:lumMod val="75000"/>
+                </a:schemeClr>
+              </a:buClr>
+              <a:buSzPct val="100000"/>
+              <a:buFont typeface="Arial" pitchFamily="34" charset="0"/>
+              <a:buChar char="▪"/>
+              <a:defRPr sz="1400" kern="1200">
+                <a:solidFill>
+                  <a:schemeClr val="tx1"/>
+                </a:solidFill>
+                <a:latin typeface="+mn-lt"/>
+                <a:ea typeface="+mn-ea"/>
+                <a:cs typeface="+mn-cs"/>
+              </a:defRPr>
+            </a:lvl4pPr>
+            <a:lvl5pPr marL="1143000" indent="-179388" algn="l" defTabSz="914400" rtl="0" eaLnBrk="1" latinLnBrk="0" hangingPunct="1">
+              <a:lnSpc>
+                <a:spcPct val="90000"/>
+              </a:lnSpc>
+              <a:spcBef>
+                <a:spcPts val="600"/>
+              </a:spcBef>
+              <a:buClr>
+                <a:schemeClr val="accent1">
+                  <a:lumMod val="75000"/>
+                </a:schemeClr>
+              </a:buClr>
+              <a:buSzPct val="100000"/>
+              <a:buFont typeface="Arial" pitchFamily="34" charset="0"/>
+              <a:buChar char="▪"/>
+              <a:defRPr sz="1400" kern="1200">
+                <a:solidFill>
+                  <a:schemeClr val="tx1"/>
+                </a:solidFill>
+                <a:latin typeface="+mn-lt"/>
+                <a:ea typeface="+mn-ea"/>
+                <a:cs typeface="+mn-cs"/>
+              </a:defRPr>
+            </a:lvl5pPr>
+            <a:lvl6pPr marL="1371600" indent="-182880" algn="l" defTabSz="914400" rtl="0" eaLnBrk="1" latinLnBrk="0" hangingPunct="1">
+              <a:lnSpc>
+                <a:spcPct val="90000"/>
+              </a:lnSpc>
+              <a:spcBef>
+                <a:spcPts val="600"/>
+              </a:spcBef>
+              <a:buClr>
+                <a:schemeClr val="accent1">
+                  <a:lumMod val="75000"/>
+                </a:schemeClr>
+              </a:buClr>
+              <a:buSzPct val="100000"/>
+              <a:buFont typeface="Arial" pitchFamily="34" charset="0"/>
+              <a:buChar char="▪"/>
+              <a:defRPr sz="1400" kern="1200">
+                <a:solidFill>
+                  <a:schemeClr val="tx1"/>
+                </a:solidFill>
+                <a:latin typeface="+mn-lt"/>
+                <a:ea typeface="+mn-ea"/>
+                <a:cs typeface="+mn-cs"/>
+              </a:defRPr>
+            </a:lvl6pPr>
+            <a:lvl7pPr marL="1600200" indent="-179388" algn="l" defTabSz="914400" rtl="0" eaLnBrk="1" latinLnBrk="0" hangingPunct="1">
+              <a:lnSpc>
+                <a:spcPct val="90000"/>
+              </a:lnSpc>
+              <a:spcBef>
+                <a:spcPts val="600"/>
+              </a:spcBef>
+              <a:buClr>
+                <a:schemeClr val="accent1">
+                  <a:lumMod val="75000"/>
+                </a:schemeClr>
+              </a:buClr>
+              <a:buSzPct val="100000"/>
+              <a:buFont typeface="Arial" pitchFamily="34" charset="0"/>
+              <a:buChar char="▪"/>
+              <a:defRPr sz="1400" kern="1200">
+                <a:solidFill>
+                  <a:schemeClr val="tx1"/>
+                </a:solidFill>
+                <a:latin typeface="+mn-lt"/>
+                <a:ea typeface="+mn-ea"/>
+                <a:cs typeface="+mn-cs"/>
+              </a:defRPr>
+            </a:lvl7pPr>
+            <a:lvl8pPr marL="1828800" indent="-182880" algn="l" defTabSz="914400" rtl="0" eaLnBrk="1" latinLnBrk="0" hangingPunct="1">
+              <a:lnSpc>
+                <a:spcPct val="90000"/>
+              </a:lnSpc>
+              <a:spcBef>
+                <a:spcPts val="600"/>
+              </a:spcBef>
+              <a:buClr>
+                <a:schemeClr val="accent1">
+                  <a:lumMod val="75000"/>
+                </a:schemeClr>
+              </a:buClr>
+              <a:buSzPct val="100000"/>
+              <a:buFont typeface="Arial" pitchFamily="34" charset="0"/>
+              <a:buChar char="▪"/>
+              <a:defRPr sz="1400" kern="1200">
+                <a:solidFill>
+                  <a:schemeClr val="tx1"/>
+                </a:solidFill>
+                <a:latin typeface="+mn-lt"/>
+                <a:ea typeface="+mn-ea"/>
+                <a:cs typeface="+mn-cs"/>
+              </a:defRPr>
+            </a:lvl8pPr>
+            <a:lvl9pPr marL="1878012" indent="0" algn="l" defTabSz="914400" rtl="0" eaLnBrk="1" latinLnBrk="0" hangingPunct="1">
+              <a:lnSpc>
+                <a:spcPct val="90000"/>
+              </a:lnSpc>
+              <a:spcBef>
+                <a:spcPts val="600"/>
+              </a:spcBef>
+              <a:buClr>
+                <a:schemeClr val="accent1">
+                  <a:lumMod val="75000"/>
+                </a:schemeClr>
+              </a:buClr>
+              <a:buSzPct val="100000"/>
+              <a:buFont typeface="Arial" pitchFamily="34" charset="0"/>
+              <a:buNone/>
+              <a:defRPr sz="1400" kern="1200">
+                <a:solidFill>
+                  <a:schemeClr val="tx1"/>
+                </a:solidFill>
+                <a:latin typeface="+mn-lt"/>
+                <a:ea typeface="+mn-ea"/>
+                <a:cs typeface="+mn-cs"/>
+              </a:defRPr>
+            </a:lvl9pPr>
+          </a:lstStyle>
+          <a:p>
+            <a:r>
+              <a:rPr lang="en-US" dirty="0"/>
+              <a:t>No longer a need for circuit breaking when one server is being updated</a:t>
+            </a:r>
+          </a:p>
+          <a:p>
+            <a:r>
+              <a:rPr lang="en-US" dirty="0"/>
+              <a:t>Kubernetes provides rolling updates to deployments</a:t>
+            </a:r>
+          </a:p>
+        </p:txBody>
+      </p:sp>
     </p:spTree>
     <p:extLst>
       <p:ext uri="{BB962C8B-B14F-4D97-AF65-F5344CB8AC3E}">
@@ -20977,7 +23807,7 @@
 </p:sld>
 </file>
 
-<file path=ppt/slides/slide22.xml><?xml version="1.0" encoding="utf-8"?>
+<file path=ppt/slides/slide21.xml><?xml version="1.0" encoding="utf-8"?>
 <p:sld xmlns:a="http://schemas.openxmlformats.org/drawingml/2006/main" xmlns:r="http://schemas.openxmlformats.org/officeDocument/2006/relationships" xmlns:p="http://schemas.openxmlformats.org/presentationml/2006/main">
   <p:cSld>
     <p:spTree>
@@ -21040,13 +23870,21 @@
         </p:nvSpPr>
         <p:spPr/>
         <p:txBody>
-          <a:bodyPr/>
+          <a:bodyPr>
+            <a:normAutofit fontScale="55000" lnSpcReduction="20000"/>
+          </a:bodyPr>
           <a:lstStyle/>
           <a:p>
+            <a:pPr>
+              <a:lnSpc>
+                <a:spcPct val="120000"/>
+              </a:lnSpc>
+            </a:pPr>
             <a:r>
-              <a:rPr lang="en-US" dirty="0"/>
-              <a:t>Questions, comments, concerns?</a:t>
+              <a:rPr lang="en-CA" dirty="0"/>
+              <a:t>Skydot is not just to use a “Micro Architecture” within the cloud. It’s a culture and an end-to-end process. All the designs chosen for Skydot help met the project goals while allowing Skydot to be decoupled enough that integrating a new technology or shifting to a different technology would be trivial.</a:t>
             </a:r>
+            <a:endParaRPr lang="en-US" dirty="0"/>
           </a:p>
         </p:txBody>
       </p:sp>
@@ -21054,348 +23892,6 @@
     <p:extLst>
       <p:ext uri="{BB962C8B-B14F-4D97-AF65-F5344CB8AC3E}">
         <p14:creationId xmlns:p14="http://schemas.microsoft.com/office/powerpoint/2010/main" val="1382982555"/>
-      </p:ext>
-    </p:extLst>
-  </p:cSld>
-  <p:clrMapOvr>
-    <a:masterClrMapping/>
-  </p:clrMapOvr>
-  <mc:AlternateContent xmlns:mc="http://schemas.openxmlformats.org/markup-compatibility/2006" xmlns:p14="http://schemas.microsoft.com/office/powerpoint/2010/main">
-    <mc:Choice Requires="p14">
-      <p:transition spd="med" p14:dur="700">
-        <p:fade/>
-      </p:transition>
-    </mc:Choice>
-    <mc:Fallback xmlns="">
-      <p:transition spd="med">
-        <p:fade/>
-      </p:transition>
-    </mc:Fallback>
-  </mc:AlternateContent>
-</p:sld>
-</file>
-
-<file path=ppt/slides/slide23.xml><?xml version="1.0" encoding="utf-8"?>
-<p:sld xmlns:a="http://schemas.openxmlformats.org/drawingml/2006/main" xmlns:r="http://schemas.openxmlformats.org/officeDocument/2006/relationships" xmlns:p="http://schemas.openxmlformats.org/presentationml/2006/main">
-  <p:cSld>
-    <p:spTree>
-      <p:nvGrpSpPr>
-        <p:cNvPr id="1" name=""/>
-        <p:cNvGrpSpPr/>
-        <p:nvPr/>
-      </p:nvGrpSpPr>
-      <p:grpSpPr>
-        <a:xfrm>
-          <a:off x="0" y="0"/>
-          <a:ext cx="0" cy="0"/>
-          <a:chOff x="0" y="0"/>
-          <a:chExt cx="0" cy="0"/>
-        </a:xfrm>
-      </p:grpSpPr>
-      <p:sp>
-        <p:nvSpPr>
-          <p:cNvPr id="2" name="Title 1"/>
-          <p:cNvSpPr>
-            <a:spLocks noGrp="1"/>
-          </p:cNvSpPr>
-          <p:nvPr>
-            <p:ph type="title"/>
-          </p:nvPr>
-        </p:nvSpPr>
-        <p:spPr/>
-        <p:txBody>
-          <a:bodyPr/>
-          <a:lstStyle/>
-          <a:p>
-            <a:r>
-              <a:rPr lang="en-US" dirty="0"/>
-              <a:t>Two content layout with table</a:t>
-            </a:r>
-          </a:p>
-        </p:txBody>
-      </p:sp>
-      <p:sp>
-        <p:nvSpPr>
-          <p:cNvPr id="3" name="Content Placeholder 2"/>
-          <p:cNvSpPr>
-            <a:spLocks noGrp="1"/>
-          </p:cNvSpPr>
-          <p:nvPr>
-            <p:ph sz="half" idx="1"/>
-          </p:nvPr>
-        </p:nvSpPr>
-        <p:spPr/>
-        <p:txBody>
-          <a:bodyPr/>
-          <a:lstStyle/>
-          <a:p>
-            <a:r>
-              <a:rPr lang="en-US" dirty="0"/>
-              <a:t>First bullet point here</a:t>
-            </a:r>
-          </a:p>
-          <a:p>
-            <a:r>
-              <a:rPr lang="en-US" dirty="0"/>
-              <a:t>Second bullet point here</a:t>
-            </a:r>
-          </a:p>
-          <a:p>
-            <a:r>
-              <a:rPr lang="en-US" dirty="0"/>
-              <a:t>Third bullet point here</a:t>
-            </a:r>
-          </a:p>
-        </p:txBody>
-      </p:sp>
-      <p:graphicFrame>
-        <p:nvGraphicFramePr>
-          <p:cNvPr id="5" name="Content Placeholder 4"/>
-          <p:cNvGraphicFramePr>
-            <a:graphicFrameLocks noGrp="1"/>
-          </p:cNvGraphicFramePr>
-          <p:nvPr>
-            <p:ph sz="half" idx="2"/>
-            <p:extLst>
-              <p:ext uri="{D42A27DB-BD31-4B8C-83A1-F6EECF244321}">
-                <p14:modId xmlns:p14="http://schemas.microsoft.com/office/powerpoint/2010/main" val="1856702625"/>
-              </p:ext>
-            </p:extLst>
-          </p:nvPr>
-        </p:nvGraphicFramePr>
-        <p:xfrm>
-          <a:off x="6324600" y="1981200"/>
-          <a:ext cx="4572000" cy="2141912"/>
-        </p:xfrm>
-        <a:graphic>
-          <a:graphicData uri="http://schemas.openxmlformats.org/drawingml/2006/table">
-            <a:tbl>
-              <a:tblPr firstRow="1" bandRow="1">
-                <a:tableStyleId>{BC89EF96-8CEA-46FF-86C4-4CE0E7609802}</a:tableStyleId>
-              </a:tblPr>
-              <a:tblGrid>
-                <a:gridCol w="1524000">
-                  <a:extLst>
-                    <a:ext uri="{9D8B030D-6E8A-4147-A177-3AD203B41FA5}">
-                      <a16:colId xmlns:a16="http://schemas.microsoft.com/office/drawing/2014/main" val="20000"/>
-                    </a:ext>
-                  </a:extLst>
-                </a:gridCol>
-                <a:gridCol w="1524000">
-                  <a:extLst>
-                    <a:ext uri="{9D8B030D-6E8A-4147-A177-3AD203B41FA5}">
-                      <a16:colId xmlns:a16="http://schemas.microsoft.com/office/drawing/2014/main" val="20001"/>
-                    </a:ext>
-                  </a:extLst>
-                </a:gridCol>
-                <a:gridCol w="1524000">
-                  <a:extLst>
-                    <a:ext uri="{9D8B030D-6E8A-4147-A177-3AD203B41FA5}">
-                      <a16:colId xmlns:a16="http://schemas.microsoft.com/office/drawing/2014/main" val="20002"/>
-                    </a:ext>
-                  </a:extLst>
-                </a:gridCol>
-              </a:tblGrid>
-              <a:tr h="535478">
-                <a:tc>
-                  <a:txBody>
-                    <a:bodyPr/>
-                    <a:lstStyle/>
-                    <a:p>
-                      <a:r>
-                        <a:rPr lang="en-US" dirty="0"/>
-                        <a:t>Class</a:t>
-                      </a:r>
-                    </a:p>
-                  </a:txBody>
-                  <a:tcPr anchor="ctr"/>
-                </a:tc>
-                <a:tc>
-                  <a:txBody>
-                    <a:bodyPr/>
-                    <a:lstStyle/>
-                    <a:p>
-                      <a:pPr algn="ctr"/>
-                      <a:r>
-                        <a:rPr lang="en-US" dirty="0"/>
-                        <a:t>Group 1</a:t>
-                      </a:r>
-                    </a:p>
-                  </a:txBody>
-                  <a:tcPr anchor="ctr"/>
-                </a:tc>
-                <a:tc>
-                  <a:txBody>
-                    <a:bodyPr/>
-                    <a:lstStyle/>
-                    <a:p>
-                      <a:pPr algn="ctr"/>
-                      <a:r>
-                        <a:rPr lang="en-US" dirty="0"/>
-                        <a:t>Group 2</a:t>
-                      </a:r>
-                    </a:p>
-                  </a:txBody>
-                  <a:tcPr anchor="ctr"/>
-                </a:tc>
-                <a:extLst>
-                  <a:ext uri="{0D108BD9-81ED-4DB2-BD59-A6C34878D82A}">
-                    <a16:rowId xmlns:a16="http://schemas.microsoft.com/office/drawing/2014/main" val="10000"/>
-                  </a:ext>
-                </a:extLst>
-              </a:tr>
-              <a:tr h="535478">
-                <a:tc>
-                  <a:txBody>
-                    <a:bodyPr/>
-                    <a:lstStyle/>
-                    <a:p>
-                      <a:r>
-                        <a:rPr lang="en-US" dirty="0"/>
-                        <a:t>Class 1</a:t>
-                      </a:r>
-                    </a:p>
-                  </a:txBody>
-                  <a:tcPr anchor="ctr"/>
-                </a:tc>
-                <a:tc>
-                  <a:txBody>
-                    <a:bodyPr/>
-                    <a:lstStyle/>
-                    <a:p>
-                      <a:pPr algn="ctr"/>
-                      <a:r>
-                        <a:rPr lang="en-US" dirty="0"/>
-                        <a:t>82</a:t>
-                      </a:r>
-                    </a:p>
-                  </a:txBody>
-                  <a:tcPr anchor="ctr"/>
-                </a:tc>
-                <a:tc>
-                  <a:txBody>
-                    <a:bodyPr/>
-                    <a:lstStyle/>
-                    <a:p>
-                      <a:pPr algn="ctr"/>
-                      <a:r>
-                        <a:rPr lang="en-US" dirty="0"/>
-                        <a:t>95</a:t>
-                      </a:r>
-                    </a:p>
-                  </a:txBody>
-                  <a:tcPr anchor="ctr"/>
-                </a:tc>
-                <a:extLst>
-                  <a:ext uri="{0D108BD9-81ED-4DB2-BD59-A6C34878D82A}">
-                    <a16:rowId xmlns:a16="http://schemas.microsoft.com/office/drawing/2014/main" val="10001"/>
-                  </a:ext>
-                </a:extLst>
-              </a:tr>
-              <a:tr h="535478">
-                <a:tc>
-                  <a:txBody>
-                    <a:bodyPr/>
-                    <a:lstStyle/>
-                    <a:p>
-                      <a:r>
-                        <a:rPr lang="en-US" dirty="0"/>
-                        <a:t>Class 2</a:t>
-                      </a:r>
-                    </a:p>
-                  </a:txBody>
-                  <a:tcPr anchor="ctr"/>
-                </a:tc>
-                <a:tc>
-                  <a:txBody>
-                    <a:bodyPr/>
-                    <a:lstStyle/>
-                    <a:p>
-                      <a:pPr algn="ctr"/>
-                      <a:r>
-                        <a:rPr lang="en-US" dirty="0"/>
-                        <a:t>76</a:t>
-                      </a:r>
-                    </a:p>
-                  </a:txBody>
-                  <a:tcPr anchor="ctr"/>
-                </a:tc>
-                <a:tc>
-                  <a:txBody>
-                    <a:bodyPr/>
-                    <a:lstStyle/>
-                    <a:p>
-                      <a:pPr algn="ctr"/>
-                      <a:r>
-                        <a:rPr lang="en-US" dirty="0"/>
-                        <a:t>88</a:t>
-                      </a:r>
-                    </a:p>
-                  </a:txBody>
-                  <a:tcPr anchor="ctr"/>
-                </a:tc>
-                <a:extLst>
-                  <a:ext uri="{0D108BD9-81ED-4DB2-BD59-A6C34878D82A}">
-                    <a16:rowId xmlns:a16="http://schemas.microsoft.com/office/drawing/2014/main" val="10002"/>
-                  </a:ext>
-                </a:extLst>
-              </a:tr>
-              <a:tr h="535478">
-                <a:tc>
-                  <a:txBody>
-                    <a:bodyPr/>
-                    <a:lstStyle/>
-                    <a:p>
-                      <a:r>
-                        <a:rPr lang="en-US" dirty="0"/>
-                        <a:t>Class 3</a:t>
-                      </a:r>
-                    </a:p>
-                  </a:txBody>
-                  <a:tcPr anchor="ctr"/>
-                </a:tc>
-                <a:tc>
-                  <a:txBody>
-                    <a:bodyPr/>
-                    <a:lstStyle/>
-                    <a:p>
-                      <a:pPr algn="ctr"/>
-                      <a:r>
-                        <a:rPr lang="en-US" dirty="0"/>
-                        <a:t>84</a:t>
-                      </a:r>
-                    </a:p>
-                  </a:txBody>
-                  <a:tcPr anchor="ctr"/>
-                </a:tc>
-                <a:tc>
-                  <a:txBody>
-                    <a:bodyPr/>
-                    <a:lstStyle/>
-                    <a:p>
-                      <a:pPr algn="ctr"/>
-                      <a:r>
-                        <a:rPr lang="en-US" dirty="0"/>
-                        <a:t>90</a:t>
-                      </a:r>
-                    </a:p>
-                  </a:txBody>
-                  <a:tcPr anchor="ctr"/>
-                </a:tc>
-                <a:extLst>
-                  <a:ext uri="{0D108BD9-81ED-4DB2-BD59-A6C34878D82A}">
-                    <a16:rowId xmlns:a16="http://schemas.microsoft.com/office/drawing/2014/main" val="10003"/>
-                  </a:ext>
-                </a:extLst>
-              </a:tr>
-            </a:tbl>
-          </a:graphicData>
-        </a:graphic>
-      </p:graphicFrame>
-    </p:spTree>
-    <p:extLst>
-      <p:ext uri="{BB962C8B-B14F-4D97-AF65-F5344CB8AC3E}">
-        <p14:creationId xmlns:p14="http://schemas.microsoft.com/office/powerpoint/2010/main" val="2475092730"/>
       </p:ext>
     </p:extLst>
   </p:cSld>
@@ -22424,33 +24920,56 @@
               <a:t>Running in Azure AKS (Azure Container Service)</a:t>
             </a:r>
           </a:p>
+          <a:p>
+            <a:r>
+              <a:rPr lang="en-CA" dirty="0"/>
+              <a:t>Each node is a VM within Azure</a:t>
+            </a:r>
+          </a:p>
         </p:txBody>
       </p:sp>
-      <p:sp>
-        <p:nvSpPr>
-          <p:cNvPr id="4" name="Content Placeholder 3">
+      <p:pic>
+        <p:nvPicPr>
+          <p:cNvPr id="6" name="Content Placeholder 5">
             <a:extLst>
               <a:ext uri="{FF2B5EF4-FFF2-40B4-BE49-F238E27FC236}">
-                <a16:creationId xmlns:a16="http://schemas.microsoft.com/office/drawing/2014/main" id="{FA665E00-32F3-490B-AFCD-681037A4D3BC}"/>
+                <a16:creationId xmlns:a16="http://schemas.microsoft.com/office/drawing/2014/main" id="{41588E5B-F15A-4782-B318-D27A219B385B}"/>
               </a:ext>
             </a:extLst>
           </p:cNvPr>
-          <p:cNvSpPr>
-            <a:spLocks noGrp="1"/>
-          </p:cNvSpPr>
+          <p:cNvPicPr>
+            <a:picLocks noGrp="1" noChangeAspect="1"/>
+          </p:cNvPicPr>
           <p:nvPr>
             <p:ph sz="half" idx="2"/>
           </p:nvPr>
-        </p:nvSpPr>
-        <p:spPr/>
-        <p:txBody>
-          <a:bodyPr/>
-          <a:lstStyle/>
-          <a:p>
-            <a:endParaRPr lang="en-US"/>
-          </a:p>
-        </p:txBody>
-      </p:sp>
+        </p:nvPicPr>
+        <p:blipFill>
+          <a:blip r:embed="rId2"/>
+          <a:stretch>
+            <a:fillRect/>
+          </a:stretch>
+        </p:blipFill>
+        <p:spPr>
+          <a:xfrm>
+            <a:off x="6324600" y="2050961"/>
+            <a:ext cx="4572000" cy="3670478"/>
+          </a:xfrm>
+          <a:prstGeom prst="rect">
+            <a:avLst/>
+          </a:prstGeom>
+          <a:ln>
+            <a:noFill/>
+          </a:ln>
+          <a:effectLst>
+            <a:outerShdw blurRad="292100" dist="139700" dir="2700000" algn="tl" rotWithShape="0">
+              <a:srgbClr val="333333">
+                <a:alpha val="65000"/>
+              </a:srgbClr>
+            </a:outerShdw>
+          </a:effectLst>
+        </p:spPr>
+      </p:pic>
     </p:spTree>
     <p:extLst>
       <p:ext uri="{BB962C8B-B14F-4D97-AF65-F5344CB8AC3E}">

--- a/documentation/presentation.pptx
+++ b/documentation/presentation.pptx
@@ -269,6 +269,59 @@
             <a:effectLst/>
           </c:spPr>
           <c:invertIfNegative val="0"/>
+          <c:dLbls>
+            <c:spPr>
+              <a:noFill/>
+              <a:ln>
+                <a:noFill/>
+              </a:ln>
+              <a:effectLst/>
+            </c:spPr>
+            <c:txPr>
+              <a:bodyPr rot="0" spcFirstLastPara="1" vertOverflow="ellipsis" vert="horz" wrap="square" lIns="38100" tIns="19050" rIns="38100" bIns="19050" anchor="ctr" anchorCtr="1">
+                <a:spAutoFit/>
+              </a:bodyPr>
+              <a:lstStyle/>
+              <a:p>
+                <a:pPr>
+                  <a:defRPr sz="1197" b="0" i="0" u="none" strike="noStrike" kern="1200" baseline="0">
+                    <a:solidFill>
+                      <a:schemeClr val="tx2"/>
+                    </a:solidFill>
+                    <a:latin typeface="+mn-lt"/>
+                    <a:ea typeface="+mn-ea"/>
+                    <a:cs typeface="+mn-cs"/>
+                  </a:defRPr>
+                </a:pPr>
+                <a:endParaRPr lang="en-US"/>
+              </a:p>
+            </c:txPr>
+            <c:showLegendKey val="0"/>
+            <c:showVal val="1"/>
+            <c:showCatName val="0"/>
+            <c:showSerName val="0"/>
+            <c:showPercent val="0"/>
+            <c:showBubbleSize val="0"/>
+            <c:showLeaderLines val="0"/>
+            <c:extLst>
+              <c:ext xmlns:c15="http://schemas.microsoft.com/office/drawing/2012/chart" uri="{CE6537A1-D6FC-4f65-9D91-7224C49458BB}">
+                <c15:showLeaderLines val="1"/>
+                <c15:leaderLines>
+                  <c:spPr>
+                    <a:ln w="9525">
+                      <a:solidFill>
+                        <a:schemeClr val="tx2">
+                          <a:lumMod val="35000"/>
+                          <a:lumOff val="65000"/>
+                        </a:schemeClr>
+                      </a:solidFill>
+                    </a:ln>
+                    <a:effectLst/>
+                  </c:spPr>
+                </c15:leaderLines>
+              </c:ext>
+            </c:extLst>
+          </c:dLbls>
           <c:cat>
             <c:strRef>
               <c:f>Sheet1!$A$2:$A$6</c:f>
@@ -369,6 +422,59 @@
             <a:effectLst/>
           </c:spPr>
           <c:invertIfNegative val="0"/>
+          <c:dLbls>
+            <c:spPr>
+              <a:noFill/>
+              <a:ln>
+                <a:noFill/>
+              </a:ln>
+              <a:effectLst/>
+            </c:spPr>
+            <c:txPr>
+              <a:bodyPr rot="0" spcFirstLastPara="1" vertOverflow="ellipsis" vert="horz" wrap="square" lIns="38100" tIns="19050" rIns="38100" bIns="19050" anchor="ctr" anchorCtr="1">
+                <a:spAutoFit/>
+              </a:bodyPr>
+              <a:lstStyle/>
+              <a:p>
+                <a:pPr>
+                  <a:defRPr sz="1197" b="0" i="0" u="none" strike="noStrike" kern="1200" baseline="0">
+                    <a:solidFill>
+                      <a:schemeClr val="tx2"/>
+                    </a:solidFill>
+                    <a:latin typeface="+mn-lt"/>
+                    <a:ea typeface="+mn-ea"/>
+                    <a:cs typeface="+mn-cs"/>
+                  </a:defRPr>
+                </a:pPr>
+                <a:endParaRPr lang="en-US"/>
+              </a:p>
+            </c:txPr>
+            <c:showLegendKey val="0"/>
+            <c:showVal val="1"/>
+            <c:showCatName val="0"/>
+            <c:showSerName val="0"/>
+            <c:showPercent val="0"/>
+            <c:showBubbleSize val="0"/>
+            <c:showLeaderLines val="0"/>
+            <c:extLst>
+              <c:ext xmlns:c15="http://schemas.microsoft.com/office/drawing/2012/chart" uri="{CE6537A1-D6FC-4f65-9D91-7224C49458BB}">
+                <c15:showLeaderLines val="1"/>
+                <c15:leaderLines>
+                  <c:spPr>
+                    <a:ln w="9525">
+                      <a:solidFill>
+                        <a:schemeClr val="tx2">
+                          <a:lumMod val="35000"/>
+                          <a:lumOff val="65000"/>
+                        </a:schemeClr>
+                      </a:solidFill>
+                    </a:ln>
+                    <a:effectLst/>
+                  </c:spPr>
+                </c15:leaderLines>
+              </c:ext>
+            </c:extLst>
+          </c:dLbls>
           <c:cat>
             <c:strRef>
               <c:f>Sheet1!$A$2:$A$6</c:f>
@@ -723,6 +829,59 @@
             <a:effectLst/>
           </c:spPr>
           <c:invertIfNegative val="0"/>
+          <c:dLbls>
+            <c:spPr>
+              <a:noFill/>
+              <a:ln>
+                <a:noFill/>
+              </a:ln>
+              <a:effectLst/>
+            </c:spPr>
+            <c:txPr>
+              <a:bodyPr rot="0" spcFirstLastPara="1" vertOverflow="ellipsis" vert="horz" wrap="square" lIns="38100" tIns="19050" rIns="38100" bIns="19050" anchor="ctr" anchorCtr="1">
+                <a:spAutoFit/>
+              </a:bodyPr>
+              <a:lstStyle/>
+              <a:p>
+                <a:pPr>
+                  <a:defRPr sz="1197" b="0" i="0" u="none" strike="noStrike" kern="1200" baseline="0">
+                    <a:solidFill>
+                      <a:schemeClr val="tx2"/>
+                    </a:solidFill>
+                    <a:latin typeface="+mn-lt"/>
+                    <a:ea typeface="+mn-ea"/>
+                    <a:cs typeface="+mn-cs"/>
+                  </a:defRPr>
+                </a:pPr>
+                <a:endParaRPr lang="en-US"/>
+              </a:p>
+            </c:txPr>
+            <c:showLegendKey val="0"/>
+            <c:showVal val="1"/>
+            <c:showCatName val="0"/>
+            <c:showSerName val="0"/>
+            <c:showPercent val="0"/>
+            <c:showBubbleSize val="0"/>
+            <c:showLeaderLines val="0"/>
+            <c:extLst>
+              <c:ext xmlns:c15="http://schemas.microsoft.com/office/drawing/2012/chart" uri="{CE6537A1-D6FC-4f65-9D91-7224C49458BB}">
+                <c15:showLeaderLines val="1"/>
+                <c15:leaderLines>
+                  <c:spPr>
+                    <a:ln w="9525">
+                      <a:solidFill>
+                        <a:schemeClr val="tx2">
+                          <a:lumMod val="35000"/>
+                          <a:lumOff val="65000"/>
+                        </a:schemeClr>
+                      </a:solidFill>
+                    </a:ln>
+                    <a:effectLst/>
+                  </c:spPr>
+                </c15:leaderLines>
+              </c:ext>
+            </c:extLst>
+          </c:dLbls>
           <c:cat>
             <c:strRef>
               <c:f>Sheet1!$A$2:$A$6</c:f>
@@ -21116,13 +21275,13 @@
         </p:nvPicPr>
         <p:blipFill rotWithShape="1">
           <a:blip r:embed="rId2"/>
-          <a:srcRect l="13870" t="52915" r="13588"/>
+          <a:srcRect l="13870" t="55916" r="13588"/>
           <a:stretch/>
         </p:blipFill>
         <p:spPr>
           <a:xfrm>
-            <a:off x="6096000" y="2220700"/>
-            <a:ext cx="5568221" cy="2416600"/>
+            <a:off x="6096000" y="2374710"/>
+            <a:ext cx="5568221" cy="2262589"/>
           </a:xfrm>
         </p:spPr>
       </p:pic>
@@ -21884,6 +22043,41 @@
             <a:r>
               <a:rPr lang="en-US" sz="1400" dirty="0"/>
               <a:t>Results</a:t>
+            </a:r>
+          </a:p>
+        </p:txBody>
+      </p:sp>
+      <p:sp>
+        <p:nvSpPr>
+          <p:cNvPr id="3" name="TextBox 2">
+            <a:extLst>
+              <a:ext uri="{FF2B5EF4-FFF2-40B4-BE49-F238E27FC236}">
+                <a16:creationId xmlns:a16="http://schemas.microsoft.com/office/drawing/2014/main" id="{0534049F-0CB5-44B5-9119-A89D9417B7AC}"/>
+              </a:ext>
+            </a:extLst>
+          </p:cNvPr>
+          <p:cNvSpPr txBox="1"/>
+          <p:nvPr/>
+        </p:nvSpPr>
+        <p:spPr>
+          <a:xfrm>
+            <a:off x="202208" y="3611658"/>
+            <a:ext cx="1387743" cy="646331"/>
+          </a:xfrm>
+          <a:prstGeom prst="rect">
+            <a:avLst/>
+          </a:prstGeom>
+          <a:noFill/>
+        </p:spPr>
+        <p:txBody>
+          <a:bodyPr wrap="square" rtlCol="0">
+            <a:spAutoFit/>
+          </a:bodyPr>
+          <a:lstStyle/>
+          <a:p>
+            <a:r>
+              <a:rPr lang="en-US" sz="1200" i="1" dirty="0"/>
+              <a:t>*Now imagine scaling C++ and Spring 100 times</a:t>
             </a:r>
           </a:p>
         </p:txBody>
@@ -25108,7 +25302,12 @@
             <p:ph type="pic" idx="1"/>
           </p:nvPr>
         </p:nvSpPr>
-        <p:spPr/>
+        <p:spPr>
+          <a:xfrm>
+            <a:off x="4412" y="-159"/>
+            <a:ext cx="7315200" cy="6858000"/>
+          </a:xfrm>
+        </p:spPr>
       </p:sp>
       <p:pic>
         <p:nvPicPr>

--- a/documentation/presentation.pptx
+++ b/documentation/presentation.pptx
@@ -24076,7 +24076,7 @@
             </a:pPr>
             <a:r>
               <a:rPr lang="en-CA" dirty="0"/>
-              <a:t>Skydot is not just to use a “Micro Architecture” within the cloud. It’s a culture and an end-to-end process. All the designs chosen for Skydot help met the project goals while allowing Skydot to be decoupled enough that integrating a new technology or shifting to a different technology would be trivial.</a:t>
+              <a:t>Skydot is not just to use a “Micro Architecture” within the cloud. It’s a culture and an end-to-end process. All the designs chosen for Skydot help meet the project goals while allowing Skydot to be decoupled enough that integrating a new technology or shifting to a different technology would be trivial.</a:t>
             </a:r>
             <a:endParaRPr lang="en-US" dirty="0"/>
           </a:p>
